--- a/Presentations/IntroShaders_Tokyo.pptx
+++ b/Presentations/IntroShaders_Tokyo.pptx
@@ -5,22 +5,30 @@
     <p:sldMasterId id="2147483648" r:id="rId1"/>
   </p:sldMasterIdLst>
   <p:notesMasterIdLst>
-    <p:notesMasterId r:id="rId12"/>
+    <p:notesMasterId r:id="rId20"/>
   </p:notesMasterIdLst>
   <p:handoutMasterIdLst>
-    <p:handoutMasterId r:id="rId13"/>
+    <p:handoutMasterId r:id="rId21"/>
   </p:handoutMasterIdLst>
   <p:sldIdLst>
-    <p:sldId id="283" r:id="rId2"/>
-    <p:sldId id="256" r:id="rId3"/>
-    <p:sldId id="278" r:id="rId4"/>
-    <p:sldId id="280" r:id="rId5"/>
-    <p:sldId id="257" r:id="rId6"/>
-    <p:sldId id="281" r:id="rId7"/>
-    <p:sldId id="264" r:id="rId8"/>
-    <p:sldId id="282" r:id="rId9"/>
-    <p:sldId id="277" r:id="rId10"/>
-    <p:sldId id="276" r:id="rId11"/>
+    <p:sldId id="256" r:id="rId2"/>
+    <p:sldId id="284" r:id="rId3"/>
+    <p:sldId id="285" r:id="rId4"/>
+    <p:sldId id="292" r:id="rId5"/>
+    <p:sldId id="289" r:id="rId6"/>
+    <p:sldId id="293" r:id="rId7"/>
+    <p:sldId id="297" r:id="rId8"/>
+    <p:sldId id="299" r:id="rId9"/>
+    <p:sldId id="300" r:id="rId10"/>
+    <p:sldId id="295" r:id="rId11"/>
+    <p:sldId id="296" r:id="rId12"/>
+    <p:sldId id="298" r:id="rId13"/>
+    <p:sldId id="290" r:id="rId14"/>
+    <p:sldId id="291" r:id="rId15"/>
+    <p:sldId id="294" r:id="rId16"/>
+    <p:sldId id="288" r:id="rId17"/>
+    <p:sldId id="286" r:id="rId18"/>
+    <p:sldId id="287" r:id="rId19"/>
   </p:sldIdLst>
   <p:sldSz cx="9144000" cy="5143500" type="screen16x9"/>
   <p:notesSz cx="6858000" cy="9144000"/>
@@ -139,6 +147,40 @@
     </p:ext>
   </p:extLst>
 </p:presentation>
+</file>
+
+<file path=ppt/commentAuthors.xml><?xml version="1.0" encoding="utf-8"?>
+<p:cmAuthorLst xmlns:a="http://schemas.openxmlformats.org/drawingml/2006/main" xmlns:r="http://schemas.openxmlformats.org/officeDocument/2006/relationships" xmlns:p="http://schemas.openxmlformats.org/presentationml/2006/main">
+  <p:cmAuthor id="2" name="Author" initials="A" lastIdx="3" clrIdx="1"/>
+</p:cmAuthorLst>
+</file>
+
+<file path=ppt/comments/comment1.xml><?xml version="1.0" encoding="utf-8"?>
+<p:cmLst xmlns:a="http://schemas.openxmlformats.org/drawingml/2006/main" xmlns:r="http://schemas.openxmlformats.org/officeDocument/2006/relationships" xmlns:p="http://schemas.openxmlformats.org/presentationml/2006/main">
+  <p:cm authorId="2" dt="2017-05-02T00:26:27.899" idx="2">
+    <p:pos x="1528" y="1021"/>
+    <p:text>Rephrase, sounds weird.</p:text>
+    <p:extLst>
+      <p:ext uri="{C676402C-5697-4E1C-873F-D02D1690AC5C}">
+        <p15:threadingInfo xmlns:p15="http://schemas.microsoft.com/office/powerpoint/2012/main" timeZoneBias="420"/>
+      </p:ext>
+    </p:extLst>
+  </p:cm>
+</p:cmLst>
+</file>
+
+<file path=ppt/comments/comment2.xml><?xml version="1.0" encoding="utf-8"?>
+<p:cmLst xmlns:a="http://schemas.openxmlformats.org/drawingml/2006/main" xmlns:r="http://schemas.openxmlformats.org/officeDocument/2006/relationships" xmlns:p="http://schemas.openxmlformats.org/presentationml/2006/main">
+  <p:cm authorId="2" dt="2017-05-02T00:28:47.154" idx="3">
+    <p:pos x="707" y="1438"/>
+    <p:text>Remove auto capitalizing :)</p:text>
+    <p:extLst>
+      <p:ext uri="{C676402C-5697-4E1C-873F-D02D1690AC5C}">
+        <p15:threadingInfo xmlns:p15="http://schemas.microsoft.com/office/powerpoint/2012/main" timeZoneBias="420"/>
+      </p:ext>
+    </p:extLst>
+  </p:cm>
+</p:cmLst>
 </file>
 
 <file path=ppt/handoutMasters/handoutMaster1.xml><?xml version="1.0" encoding="utf-8"?>
@@ -531,7 +573,7 @@
             <a:fld id="{49436F85-577F-4A92-A47F-D540A2BCC821}" type="slidenum">
               <a:rPr lang="en-GB" smtClean="0"/>
               <a:pPr/>
-              <a:t>2</a:t>
+              <a:t>1</a:t>
             </a:fld>
             <a:endParaRPr lang="en-GB" dirty="0"/>
           </a:p>
@@ -541,6 +583,2028 @@
     <p:extLst>
       <p:ext uri="{BB962C8B-B14F-4D97-AF65-F5344CB8AC3E}">
         <p14:creationId xmlns:p14="http://schemas.microsoft.com/office/powerpoint/2010/main" val="3641699140"/>
+      </p:ext>
+    </p:extLst>
+  </p:cSld>
+  <p:clrMapOvr>
+    <a:masterClrMapping/>
+  </p:clrMapOvr>
+</p:notes>
+</file>
+
+<file path=ppt/notesSlides/notesSlide10.xml><?xml version="1.0" encoding="utf-8"?>
+<p:notes xmlns:a="http://schemas.openxmlformats.org/drawingml/2006/main" xmlns:r="http://schemas.openxmlformats.org/officeDocument/2006/relationships" xmlns:p="http://schemas.openxmlformats.org/presentationml/2006/main">
+  <p:cSld>
+    <p:spTree>
+      <p:nvGrpSpPr>
+        <p:cNvPr id="1" name=""/>
+        <p:cNvGrpSpPr/>
+        <p:nvPr/>
+      </p:nvGrpSpPr>
+      <p:grpSpPr>
+        <a:xfrm>
+          <a:off x="0" y="0"/>
+          <a:ext cx="0" cy="0"/>
+          <a:chOff x="0" y="0"/>
+          <a:chExt cx="0" cy="0"/>
+        </a:xfrm>
+      </p:grpSpPr>
+      <p:sp>
+        <p:nvSpPr>
+          <p:cNvPr id="2" name="Slide Image Placeholder 1"/>
+          <p:cNvSpPr>
+            <a:spLocks noGrp="1" noRot="1" noChangeAspect="1"/>
+          </p:cNvSpPr>
+          <p:nvPr>
+            <p:ph type="sldImg"/>
+          </p:nvPr>
+        </p:nvSpPr>
+        <p:spPr/>
+      </p:sp>
+      <p:sp>
+        <p:nvSpPr>
+          <p:cNvPr id="3" name="Notes Placeholder 2"/>
+          <p:cNvSpPr>
+            <a:spLocks noGrp="1"/>
+          </p:cNvSpPr>
+          <p:nvPr>
+            <p:ph type="body" idx="1"/>
+          </p:nvPr>
+        </p:nvSpPr>
+        <p:spPr/>
+        <p:txBody>
+          <a:bodyPr/>
+          <a:lstStyle/>
+          <a:p>
+            <a:r>
+              <a:rPr lang="es-MX" dirty="0" err="1" smtClean="0"/>
+              <a:t>This</a:t>
+            </a:r>
+            <a:r>
+              <a:rPr lang="es-MX" dirty="0" smtClean="0"/>
+              <a:t> </a:t>
+            </a:r>
+            <a:r>
+              <a:rPr lang="es-MX" dirty="0" err="1" smtClean="0"/>
+              <a:t>is</a:t>
+            </a:r>
+            <a:r>
+              <a:rPr lang="es-MX" dirty="0" smtClean="0"/>
+              <a:t> a </a:t>
+            </a:r>
+            <a:r>
+              <a:rPr lang="es-MX" dirty="0" err="1" smtClean="0"/>
+              <a:t>basic</a:t>
+            </a:r>
+            <a:r>
+              <a:rPr lang="es-MX" dirty="0" smtClean="0"/>
+              <a:t> </a:t>
+            </a:r>
+            <a:r>
+              <a:rPr lang="es-MX" dirty="0" err="1" smtClean="0"/>
+              <a:t>built</a:t>
+            </a:r>
+            <a:r>
+              <a:rPr lang="es-MX" dirty="0" smtClean="0"/>
+              <a:t> in </a:t>
+            </a:r>
+            <a:r>
+              <a:rPr lang="es-MX" dirty="0" err="1" smtClean="0"/>
+              <a:t>struct</a:t>
+            </a:r>
+            <a:r>
+              <a:rPr lang="es-MX" dirty="0" smtClean="0"/>
+              <a:t> </a:t>
+            </a:r>
+            <a:r>
+              <a:rPr lang="es-MX" dirty="0" err="1" smtClean="0"/>
+              <a:t>that</a:t>
+            </a:r>
+            <a:r>
+              <a:rPr lang="es-MX" dirty="0" smtClean="0"/>
+              <a:t> </a:t>
+            </a:r>
+            <a:r>
+              <a:rPr lang="es-MX" dirty="0" err="1" smtClean="0"/>
+              <a:t>provides</a:t>
+            </a:r>
+            <a:r>
+              <a:rPr lang="es-MX" baseline="0" dirty="0" smtClean="0"/>
+              <a:t> </a:t>
+            </a:r>
+            <a:r>
+              <a:rPr lang="es-MX" baseline="0" dirty="0" err="1" smtClean="0"/>
+              <a:t>the</a:t>
+            </a:r>
+            <a:r>
+              <a:rPr lang="es-MX" baseline="0" dirty="0" smtClean="0"/>
+              <a:t> </a:t>
+            </a:r>
+            <a:r>
+              <a:rPr lang="es-MX" baseline="0" dirty="0" err="1" smtClean="0"/>
+              <a:t>basic</a:t>
+            </a:r>
+            <a:r>
+              <a:rPr lang="es-MX" baseline="0" dirty="0" smtClean="0"/>
+              <a:t> </a:t>
+            </a:r>
+            <a:r>
+              <a:rPr lang="es-MX" baseline="0" dirty="0" err="1" smtClean="0"/>
+              <a:t>information</a:t>
+            </a:r>
+            <a:r>
+              <a:rPr lang="es-MX" baseline="0" dirty="0" smtClean="0"/>
+              <a:t> to </a:t>
+            </a:r>
+            <a:r>
+              <a:rPr lang="es-MX" baseline="0" dirty="0" err="1" smtClean="0"/>
+              <a:t>the</a:t>
+            </a:r>
+            <a:r>
+              <a:rPr lang="es-MX" baseline="0" dirty="0" smtClean="0"/>
+              <a:t> </a:t>
+            </a:r>
+            <a:r>
+              <a:rPr lang="es-MX" baseline="0" dirty="0" err="1" smtClean="0"/>
+              <a:t>vertex</a:t>
+            </a:r>
+            <a:r>
+              <a:rPr lang="es-MX" baseline="0" dirty="0" smtClean="0"/>
+              <a:t> </a:t>
+            </a:r>
+            <a:r>
+              <a:rPr lang="es-MX" baseline="0" dirty="0" err="1" smtClean="0"/>
+              <a:t>shader</a:t>
+            </a:r>
+            <a:r>
+              <a:rPr lang="es-MX" baseline="0" dirty="0" smtClean="0"/>
+              <a:t>.</a:t>
+            </a:r>
+            <a:endParaRPr lang="en-US" dirty="0"/>
+          </a:p>
+        </p:txBody>
+      </p:sp>
+      <p:sp>
+        <p:nvSpPr>
+          <p:cNvPr id="4" name="Slide Number Placeholder 3"/>
+          <p:cNvSpPr>
+            <a:spLocks noGrp="1"/>
+          </p:cNvSpPr>
+          <p:nvPr>
+            <p:ph type="sldNum" sz="quarter" idx="10"/>
+          </p:nvPr>
+        </p:nvSpPr>
+        <p:spPr/>
+        <p:txBody>
+          <a:bodyPr/>
+          <a:lstStyle/>
+          <a:p>
+            <a:fld id="{49436F85-577F-4A92-A47F-D540A2BCC821}" type="slidenum">
+              <a:rPr lang="en-GB" smtClean="0"/>
+              <a:pPr/>
+              <a:t>10</a:t>
+            </a:fld>
+            <a:endParaRPr lang="en-GB" dirty="0"/>
+          </a:p>
+        </p:txBody>
+      </p:sp>
+    </p:spTree>
+    <p:extLst>
+      <p:ext uri="{BB962C8B-B14F-4D97-AF65-F5344CB8AC3E}">
+        <p14:creationId xmlns:p14="http://schemas.microsoft.com/office/powerpoint/2010/main" val="3851901285"/>
+      </p:ext>
+    </p:extLst>
+  </p:cSld>
+  <p:clrMapOvr>
+    <a:masterClrMapping/>
+  </p:clrMapOvr>
+</p:notes>
+</file>
+
+<file path=ppt/notesSlides/notesSlide11.xml><?xml version="1.0" encoding="utf-8"?>
+<p:notes xmlns:a="http://schemas.openxmlformats.org/drawingml/2006/main" xmlns:r="http://schemas.openxmlformats.org/officeDocument/2006/relationships" xmlns:p="http://schemas.openxmlformats.org/presentationml/2006/main">
+  <p:cSld>
+    <p:spTree>
+      <p:nvGrpSpPr>
+        <p:cNvPr id="1" name=""/>
+        <p:cNvGrpSpPr/>
+        <p:nvPr/>
+      </p:nvGrpSpPr>
+      <p:grpSpPr>
+        <a:xfrm>
+          <a:off x="0" y="0"/>
+          <a:ext cx="0" cy="0"/>
+          <a:chOff x="0" y="0"/>
+          <a:chExt cx="0" cy="0"/>
+        </a:xfrm>
+      </p:grpSpPr>
+      <p:sp>
+        <p:nvSpPr>
+          <p:cNvPr id="2" name="Slide Image Placeholder 1"/>
+          <p:cNvSpPr>
+            <a:spLocks noGrp="1" noRot="1" noChangeAspect="1"/>
+          </p:cNvSpPr>
+          <p:nvPr>
+            <p:ph type="sldImg"/>
+          </p:nvPr>
+        </p:nvSpPr>
+        <p:spPr/>
+      </p:sp>
+      <p:sp>
+        <p:nvSpPr>
+          <p:cNvPr id="3" name="Notes Placeholder 2"/>
+          <p:cNvSpPr>
+            <a:spLocks noGrp="1"/>
+          </p:cNvSpPr>
+          <p:nvPr>
+            <p:ph type="body" idx="1"/>
+          </p:nvPr>
+        </p:nvSpPr>
+        <p:spPr/>
+        <p:txBody>
+          <a:bodyPr/>
+          <a:lstStyle/>
+          <a:p>
+            <a:pPr marL="0" marR="0" indent="0" algn="l" defTabSz="685800" rtl="0" eaLnBrk="1" fontAlgn="auto" latinLnBrk="0" hangingPunct="1">
+              <a:lnSpc>
+                <a:spcPct val="100000"/>
+              </a:lnSpc>
+              <a:spcBef>
+                <a:spcPts val="0"/>
+              </a:spcBef>
+              <a:spcAft>
+                <a:spcPts val="0"/>
+              </a:spcAft>
+              <a:buClrTx/>
+              <a:buSzTx/>
+              <a:buFontTx/>
+              <a:buNone/>
+              <a:tabLst/>
+              <a:defRPr/>
+            </a:pPr>
+            <a:r>
+              <a:rPr lang="es-MX" dirty="0" err="1" smtClean="0"/>
+              <a:t>This</a:t>
+            </a:r>
+            <a:r>
+              <a:rPr lang="es-MX" dirty="0" smtClean="0"/>
+              <a:t> </a:t>
+            </a:r>
+            <a:r>
+              <a:rPr lang="es-MX" dirty="0" err="1" smtClean="0"/>
+              <a:t>is</a:t>
+            </a:r>
+            <a:r>
+              <a:rPr lang="es-MX" dirty="0" smtClean="0"/>
+              <a:t> a </a:t>
+            </a:r>
+            <a:r>
+              <a:rPr lang="es-MX" dirty="0" err="1" smtClean="0"/>
+              <a:t>basic</a:t>
+            </a:r>
+            <a:r>
+              <a:rPr lang="es-MX" dirty="0" smtClean="0"/>
+              <a:t> </a:t>
+            </a:r>
+            <a:r>
+              <a:rPr lang="es-MX" dirty="0" err="1" smtClean="0"/>
+              <a:t>built</a:t>
+            </a:r>
+            <a:r>
+              <a:rPr lang="es-MX" dirty="0" smtClean="0"/>
+              <a:t> in </a:t>
+            </a:r>
+            <a:r>
+              <a:rPr lang="es-MX" dirty="0" err="1" smtClean="0"/>
+              <a:t>struct</a:t>
+            </a:r>
+            <a:r>
+              <a:rPr lang="es-MX" dirty="0" smtClean="0"/>
+              <a:t> </a:t>
+            </a:r>
+            <a:r>
+              <a:rPr lang="es-MX" dirty="0" err="1" smtClean="0"/>
+              <a:t>that</a:t>
+            </a:r>
+            <a:r>
+              <a:rPr lang="es-MX" dirty="0" smtClean="0"/>
+              <a:t> </a:t>
+            </a:r>
+            <a:r>
+              <a:rPr lang="es-MX" dirty="0" err="1" smtClean="0"/>
+              <a:t>provides</a:t>
+            </a:r>
+            <a:r>
+              <a:rPr lang="es-MX" baseline="0" dirty="0" smtClean="0"/>
+              <a:t> </a:t>
+            </a:r>
+            <a:r>
+              <a:rPr lang="es-MX" baseline="0" dirty="0" err="1" smtClean="0"/>
+              <a:t>the</a:t>
+            </a:r>
+            <a:r>
+              <a:rPr lang="es-MX" baseline="0" dirty="0" smtClean="0"/>
+              <a:t> full </a:t>
+            </a:r>
+            <a:r>
+              <a:rPr lang="es-MX" baseline="0" dirty="0" err="1" smtClean="0"/>
+              <a:t>information</a:t>
+            </a:r>
+            <a:r>
+              <a:rPr lang="es-MX" baseline="0" dirty="0" smtClean="0"/>
+              <a:t> to </a:t>
+            </a:r>
+            <a:r>
+              <a:rPr lang="es-MX" baseline="0" dirty="0" err="1" smtClean="0"/>
+              <a:t>the</a:t>
+            </a:r>
+            <a:r>
+              <a:rPr lang="es-MX" baseline="0" dirty="0" smtClean="0"/>
+              <a:t> </a:t>
+            </a:r>
+            <a:r>
+              <a:rPr lang="es-MX" baseline="0" dirty="0" err="1" smtClean="0"/>
+              <a:t>vertex</a:t>
+            </a:r>
+            <a:r>
+              <a:rPr lang="es-MX" baseline="0" dirty="0" smtClean="0"/>
+              <a:t> </a:t>
+            </a:r>
+            <a:r>
+              <a:rPr lang="es-MX" baseline="0" dirty="0" err="1" smtClean="0"/>
+              <a:t>shader</a:t>
+            </a:r>
+            <a:r>
+              <a:rPr lang="es-MX" baseline="0" dirty="0" smtClean="0"/>
+              <a:t>.</a:t>
+            </a:r>
+            <a:endParaRPr lang="en-US" dirty="0" smtClean="0"/>
+          </a:p>
+          <a:p>
+            <a:endParaRPr lang="en-US" dirty="0"/>
+          </a:p>
+        </p:txBody>
+      </p:sp>
+      <p:sp>
+        <p:nvSpPr>
+          <p:cNvPr id="4" name="Slide Number Placeholder 3"/>
+          <p:cNvSpPr>
+            <a:spLocks noGrp="1"/>
+          </p:cNvSpPr>
+          <p:nvPr>
+            <p:ph type="sldNum" sz="quarter" idx="10"/>
+          </p:nvPr>
+        </p:nvSpPr>
+        <p:spPr/>
+        <p:txBody>
+          <a:bodyPr/>
+          <a:lstStyle/>
+          <a:p>
+            <a:fld id="{49436F85-577F-4A92-A47F-D540A2BCC821}" type="slidenum">
+              <a:rPr lang="en-GB" smtClean="0"/>
+              <a:pPr/>
+              <a:t>11</a:t>
+            </a:fld>
+            <a:endParaRPr lang="en-GB" dirty="0"/>
+          </a:p>
+        </p:txBody>
+      </p:sp>
+    </p:spTree>
+    <p:extLst>
+      <p:ext uri="{BB962C8B-B14F-4D97-AF65-F5344CB8AC3E}">
+        <p14:creationId xmlns:p14="http://schemas.microsoft.com/office/powerpoint/2010/main" val="491973688"/>
+      </p:ext>
+    </p:extLst>
+  </p:cSld>
+  <p:clrMapOvr>
+    <a:masterClrMapping/>
+  </p:clrMapOvr>
+</p:notes>
+</file>
+
+<file path=ppt/notesSlides/notesSlide12.xml><?xml version="1.0" encoding="utf-8"?>
+<p:notes xmlns:a="http://schemas.openxmlformats.org/drawingml/2006/main" xmlns:r="http://schemas.openxmlformats.org/officeDocument/2006/relationships" xmlns:p="http://schemas.openxmlformats.org/presentationml/2006/main">
+  <p:cSld>
+    <p:spTree>
+      <p:nvGrpSpPr>
+        <p:cNvPr id="1" name=""/>
+        <p:cNvGrpSpPr/>
+        <p:nvPr/>
+      </p:nvGrpSpPr>
+      <p:grpSpPr>
+        <a:xfrm>
+          <a:off x="0" y="0"/>
+          <a:ext cx="0" cy="0"/>
+          <a:chOff x="0" y="0"/>
+          <a:chExt cx="0" cy="0"/>
+        </a:xfrm>
+      </p:grpSpPr>
+      <p:sp>
+        <p:nvSpPr>
+          <p:cNvPr id="2" name="Slide Image Placeholder 1"/>
+          <p:cNvSpPr>
+            <a:spLocks noGrp="1" noRot="1" noChangeAspect="1"/>
+          </p:cNvSpPr>
+          <p:nvPr>
+            <p:ph type="sldImg"/>
+          </p:nvPr>
+        </p:nvSpPr>
+        <p:spPr/>
+      </p:sp>
+      <p:sp>
+        <p:nvSpPr>
+          <p:cNvPr id="3" name="Notes Placeholder 2"/>
+          <p:cNvSpPr>
+            <a:spLocks noGrp="1"/>
+          </p:cNvSpPr>
+          <p:nvPr>
+            <p:ph type="body" idx="1"/>
+          </p:nvPr>
+        </p:nvSpPr>
+        <p:spPr/>
+        <p:txBody>
+          <a:bodyPr/>
+          <a:lstStyle/>
+          <a:p>
+            <a:endParaRPr lang="en-US" dirty="0"/>
+          </a:p>
+        </p:txBody>
+      </p:sp>
+      <p:sp>
+        <p:nvSpPr>
+          <p:cNvPr id="4" name="Slide Number Placeholder 3"/>
+          <p:cNvSpPr>
+            <a:spLocks noGrp="1"/>
+          </p:cNvSpPr>
+          <p:nvPr>
+            <p:ph type="sldNum" sz="quarter" idx="10"/>
+          </p:nvPr>
+        </p:nvSpPr>
+        <p:spPr/>
+        <p:txBody>
+          <a:bodyPr/>
+          <a:lstStyle/>
+          <a:p>
+            <a:fld id="{49436F85-577F-4A92-A47F-D540A2BCC821}" type="slidenum">
+              <a:rPr lang="en-GB" smtClean="0"/>
+              <a:pPr/>
+              <a:t>12</a:t>
+            </a:fld>
+            <a:endParaRPr lang="en-GB" dirty="0"/>
+          </a:p>
+        </p:txBody>
+      </p:sp>
+    </p:spTree>
+    <p:extLst>
+      <p:ext uri="{BB962C8B-B14F-4D97-AF65-F5344CB8AC3E}">
+        <p14:creationId xmlns:p14="http://schemas.microsoft.com/office/powerpoint/2010/main" val="309812857"/>
+      </p:ext>
+    </p:extLst>
+  </p:cSld>
+  <p:clrMapOvr>
+    <a:masterClrMapping/>
+  </p:clrMapOvr>
+</p:notes>
+</file>
+
+<file path=ppt/notesSlides/notesSlide13.xml><?xml version="1.0" encoding="utf-8"?>
+<p:notes xmlns:a="http://schemas.openxmlformats.org/drawingml/2006/main" xmlns:r="http://schemas.openxmlformats.org/officeDocument/2006/relationships" xmlns:p="http://schemas.openxmlformats.org/presentationml/2006/main">
+  <p:cSld>
+    <p:spTree>
+      <p:nvGrpSpPr>
+        <p:cNvPr id="1" name=""/>
+        <p:cNvGrpSpPr/>
+        <p:nvPr/>
+      </p:nvGrpSpPr>
+      <p:grpSpPr>
+        <a:xfrm>
+          <a:off x="0" y="0"/>
+          <a:ext cx="0" cy="0"/>
+          <a:chOff x="0" y="0"/>
+          <a:chExt cx="0" cy="0"/>
+        </a:xfrm>
+      </p:grpSpPr>
+      <p:sp>
+        <p:nvSpPr>
+          <p:cNvPr id="2" name="Slide Image Placeholder 1"/>
+          <p:cNvSpPr>
+            <a:spLocks noGrp="1" noRot="1" noChangeAspect="1"/>
+          </p:cNvSpPr>
+          <p:nvPr>
+            <p:ph type="sldImg"/>
+          </p:nvPr>
+        </p:nvSpPr>
+        <p:spPr/>
+      </p:sp>
+      <p:sp>
+        <p:nvSpPr>
+          <p:cNvPr id="3" name="Notes Placeholder 2"/>
+          <p:cNvSpPr>
+            <a:spLocks noGrp="1"/>
+          </p:cNvSpPr>
+          <p:nvPr>
+            <p:ph type="body" idx="1"/>
+          </p:nvPr>
+        </p:nvSpPr>
+        <p:spPr/>
+        <p:txBody>
+          <a:bodyPr/>
+          <a:lstStyle/>
+          <a:p>
+            <a:r>
+              <a:rPr lang="es-MX" dirty="0" err="1" smtClean="0"/>
+              <a:t>We</a:t>
+            </a:r>
+            <a:r>
+              <a:rPr lang="es-MX" baseline="0" dirty="0" smtClean="0"/>
+              <a:t> </a:t>
+            </a:r>
+            <a:r>
+              <a:rPr lang="es-MX" baseline="0" dirty="0" err="1" smtClean="0"/>
+              <a:t>will</a:t>
+            </a:r>
+            <a:r>
+              <a:rPr lang="es-MX" baseline="0" dirty="0" smtClean="0"/>
+              <a:t> </a:t>
+            </a:r>
+            <a:r>
+              <a:rPr lang="es-MX" baseline="0" dirty="0" err="1" smtClean="0"/>
+              <a:t>switch</a:t>
+            </a:r>
+            <a:r>
+              <a:rPr lang="es-MX" baseline="0" dirty="0" smtClean="0"/>
+              <a:t> to </a:t>
+            </a:r>
+            <a:r>
+              <a:rPr lang="es-MX" baseline="0" dirty="0" err="1" smtClean="0"/>
+              <a:t>Unity</a:t>
+            </a:r>
+            <a:r>
+              <a:rPr lang="es-MX" baseline="0" dirty="0" smtClean="0"/>
+              <a:t> </a:t>
+            </a:r>
+            <a:r>
+              <a:rPr lang="es-MX" baseline="0" dirty="0" err="1" smtClean="0"/>
+              <a:t>here</a:t>
+            </a:r>
+            <a:r>
+              <a:rPr lang="es-MX" baseline="0" dirty="0" smtClean="0"/>
+              <a:t>, </a:t>
+            </a:r>
+            <a:r>
+              <a:rPr lang="es-MX" baseline="0" dirty="0" err="1" smtClean="0"/>
+              <a:t>but</a:t>
+            </a:r>
+            <a:r>
+              <a:rPr lang="es-MX" baseline="0" dirty="0" smtClean="0"/>
+              <a:t> </a:t>
+            </a:r>
+            <a:r>
+              <a:rPr lang="es-MX" baseline="0" dirty="0" err="1" smtClean="0"/>
+              <a:t>what</a:t>
+            </a:r>
+            <a:r>
+              <a:rPr lang="es-MX" baseline="0" dirty="0" smtClean="0"/>
+              <a:t> </a:t>
+            </a:r>
+            <a:r>
+              <a:rPr lang="es-MX" baseline="0" dirty="0" err="1" smtClean="0"/>
+              <a:t>is</a:t>
+            </a:r>
+            <a:r>
+              <a:rPr lang="es-MX" baseline="0" dirty="0" smtClean="0"/>
+              <a:t> </a:t>
+            </a:r>
+            <a:r>
+              <a:rPr lang="es-MX" baseline="0" dirty="0" err="1" smtClean="0"/>
+              <a:t>important</a:t>
+            </a:r>
+            <a:r>
+              <a:rPr lang="es-MX" baseline="0" dirty="0" smtClean="0"/>
+              <a:t> to </a:t>
+            </a:r>
+            <a:r>
+              <a:rPr lang="es-MX" baseline="0" dirty="0" err="1" smtClean="0"/>
+              <a:t>know</a:t>
+            </a:r>
+            <a:r>
+              <a:rPr lang="es-MX" baseline="0" dirty="0" smtClean="0"/>
+              <a:t> </a:t>
+            </a:r>
+            <a:r>
+              <a:rPr lang="es-MX" baseline="0" dirty="0" err="1" smtClean="0"/>
+              <a:t>from</a:t>
+            </a:r>
+            <a:r>
+              <a:rPr lang="es-MX" baseline="0" dirty="0" smtClean="0"/>
+              <a:t> </a:t>
+            </a:r>
+            <a:r>
+              <a:rPr lang="es-MX" baseline="0" dirty="0" err="1" smtClean="0"/>
+              <a:t>the</a:t>
+            </a:r>
+            <a:r>
+              <a:rPr lang="es-MX" baseline="0" dirty="0" smtClean="0"/>
+              <a:t> </a:t>
+            </a:r>
+            <a:r>
+              <a:rPr lang="es-MX" baseline="0" dirty="0" err="1" smtClean="0"/>
+              <a:t>vertex</a:t>
+            </a:r>
+            <a:r>
+              <a:rPr lang="es-MX" baseline="0" dirty="0" smtClean="0"/>
+              <a:t> </a:t>
+            </a:r>
+            <a:r>
+              <a:rPr lang="es-MX" baseline="0" dirty="0" err="1" smtClean="0"/>
+              <a:t>shader</a:t>
+            </a:r>
+            <a:r>
+              <a:rPr lang="es-MX" baseline="0" dirty="0" smtClean="0"/>
+              <a:t> </a:t>
+            </a:r>
+            <a:r>
+              <a:rPr lang="es-MX" baseline="0" dirty="0" err="1" smtClean="0"/>
+              <a:t>is</a:t>
+            </a:r>
+            <a:r>
+              <a:rPr lang="es-MX" baseline="0" dirty="0" smtClean="0"/>
+              <a:t> </a:t>
+            </a:r>
+            <a:r>
+              <a:rPr lang="es-MX" baseline="0" dirty="0" err="1" smtClean="0"/>
+              <a:t>that</a:t>
+            </a:r>
+            <a:r>
+              <a:rPr lang="es-MX" baseline="0" dirty="0" smtClean="0"/>
+              <a:t> </a:t>
+            </a:r>
+            <a:r>
+              <a:rPr lang="es-MX" baseline="0" dirty="0" err="1" smtClean="0"/>
+              <a:t>any</a:t>
+            </a:r>
+            <a:r>
+              <a:rPr lang="es-MX" baseline="0" dirty="0" smtClean="0"/>
+              <a:t> </a:t>
+            </a:r>
+            <a:r>
+              <a:rPr lang="es-MX" baseline="0" dirty="0" err="1" smtClean="0"/>
+              <a:t>transformatin</a:t>
+            </a:r>
+            <a:r>
+              <a:rPr lang="es-MX" baseline="0" dirty="0" smtClean="0"/>
+              <a:t> to </a:t>
+            </a:r>
+            <a:r>
+              <a:rPr lang="es-MX" baseline="0" dirty="0" err="1" smtClean="0"/>
+              <a:t>the</a:t>
+            </a:r>
+            <a:r>
+              <a:rPr lang="es-MX" baseline="0" dirty="0" smtClean="0"/>
+              <a:t> </a:t>
+            </a:r>
+            <a:r>
+              <a:rPr lang="es-MX" baseline="0" dirty="0" err="1" smtClean="0"/>
+              <a:t>mesh’s</a:t>
+            </a:r>
+            <a:r>
+              <a:rPr lang="es-MX" baseline="0" dirty="0" smtClean="0"/>
+              <a:t> vértices </a:t>
+            </a:r>
+            <a:r>
+              <a:rPr lang="es-MX" baseline="0" dirty="0" err="1" smtClean="0"/>
+              <a:t>will</a:t>
+            </a:r>
+            <a:r>
+              <a:rPr lang="es-MX" baseline="0" dirty="0" smtClean="0"/>
+              <a:t> </a:t>
+            </a:r>
+            <a:r>
+              <a:rPr lang="es-MX" baseline="0" dirty="0" err="1" smtClean="0"/>
+              <a:t>happen</a:t>
+            </a:r>
+            <a:r>
+              <a:rPr lang="es-MX" baseline="0" dirty="0" smtClean="0"/>
+              <a:t> </a:t>
+            </a:r>
+            <a:r>
+              <a:rPr lang="es-MX" baseline="0" dirty="0" err="1" smtClean="0"/>
+              <a:t>here</a:t>
+            </a:r>
+            <a:r>
+              <a:rPr lang="es-MX" baseline="0" dirty="0" smtClean="0"/>
+              <a:t>. </a:t>
+            </a:r>
+            <a:r>
+              <a:rPr lang="es-MX" baseline="0" dirty="0" err="1" smtClean="0"/>
+              <a:t>If</a:t>
+            </a:r>
+            <a:r>
+              <a:rPr lang="es-MX" baseline="0" dirty="0" smtClean="0"/>
+              <a:t> </a:t>
+            </a:r>
+            <a:r>
+              <a:rPr lang="es-MX" baseline="0" dirty="0" err="1" smtClean="0"/>
+              <a:t>we</a:t>
+            </a:r>
+            <a:r>
+              <a:rPr lang="es-MX" baseline="0" dirty="0" smtClean="0"/>
+              <a:t> anímate </a:t>
+            </a:r>
+            <a:r>
+              <a:rPr lang="es-MX" baseline="0" dirty="0" err="1" smtClean="0"/>
+              <a:t>the</a:t>
+            </a:r>
+            <a:r>
+              <a:rPr lang="es-MX" baseline="0" dirty="0" smtClean="0"/>
+              <a:t> position, color, </a:t>
+            </a:r>
+            <a:r>
+              <a:rPr lang="es-MX" baseline="0" dirty="0" err="1" smtClean="0"/>
+              <a:t>etc</a:t>
+            </a:r>
+            <a:r>
+              <a:rPr lang="es-MX" baseline="0" dirty="0" smtClean="0"/>
+              <a:t> of a </a:t>
+            </a:r>
+            <a:r>
+              <a:rPr lang="es-MX" baseline="0" dirty="0" err="1" smtClean="0"/>
+              <a:t>vertex</a:t>
+            </a:r>
+            <a:r>
+              <a:rPr lang="es-MX" baseline="0" dirty="0" smtClean="0"/>
+              <a:t>, </a:t>
+            </a:r>
+            <a:r>
+              <a:rPr lang="es-MX" baseline="0" dirty="0" err="1" smtClean="0"/>
+              <a:t>it</a:t>
+            </a:r>
+            <a:r>
+              <a:rPr lang="es-MX" baseline="0" dirty="0" smtClean="0"/>
+              <a:t> </a:t>
+            </a:r>
+            <a:r>
+              <a:rPr lang="es-MX" baseline="0" dirty="0" err="1" smtClean="0"/>
+              <a:t>needs</a:t>
+            </a:r>
+            <a:r>
+              <a:rPr lang="es-MX" baseline="0" dirty="0" smtClean="0"/>
+              <a:t> to </a:t>
+            </a:r>
+            <a:r>
+              <a:rPr lang="es-MX" baseline="0" dirty="0" err="1" smtClean="0"/>
+              <a:t>happen</a:t>
+            </a:r>
+            <a:r>
+              <a:rPr lang="es-MX" baseline="0" dirty="0" smtClean="0"/>
+              <a:t> </a:t>
+            </a:r>
+            <a:r>
+              <a:rPr lang="es-MX" baseline="0" dirty="0" err="1" smtClean="0"/>
+              <a:t>here</a:t>
+            </a:r>
+            <a:r>
+              <a:rPr lang="es-MX" baseline="0" dirty="0" smtClean="0"/>
+              <a:t>.</a:t>
+            </a:r>
+          </a:p>
+          <a:p>
+            <a:endParaRPr lang="es-MX" baseline="0" dirty="0" smtClean="0"/>
+          </a:p>
+          <a:p>
+            <a:r>
+              <a:rPr lang="es-MX" baseline="0" dirty="0" err="1" smtClean="0"/>
+              <a:t>The</a:t>
+            </a:r>
+            <a:r>
+              <a:rPr lang="es-MX" baseline="0" dirty="0" smtClean="0"/>
+              <a:t> </a:t>
+            </a:r>
+            <a:r>
+              <a:rPr lang="es-MX" baseline="0" dirty="0" err="1" smtClean="0"/>
+              <a:t>vertex</a:t>
+            </a:r>
+            <a:r>
+              <a:rPr lang="es-MX" baseline="0" dirty="0" smtClean="0"/>
+              <a:t> </a:t>
+            </a:r>
+            <a:r>
+              <a:rPr lang="es-MX" baseline="0" dirty="0" err="1" smtClean="0"/>
+              <a:t>program</a:t>
+            </a:r>
+            <a:r>
+              <a:rPr lang="es-MX" baseline="0" dirty="0" smtClean="0"/>
+              <a:t> </a:t>
+            </a:r>
+            <a:r>
+              <a:rPr lang="es-MX" baseline="0" dirty="0" err="1" smtClean="0"/>
+              <a:t>will</a:t>
+            </a:r>
+            <a:r>
+              <a:rPr lang="es-MX" baseline="0" dirty="0" smtClean="0"/>
+              <a:t> run </a:t>
+            </a:r>
+            <a:r>
+              <a:rPr lang="es-MX" baseline="0" dirty="0" err="1" smtClean="0"/>
+              <a:t>on</a:t>
+            </a:r>
+            <a:r>
+              <a:rPr lang="es-MX" baseline="0" dirty="0" smtClean="0"/>
+              <a:t> </a:t>
+            </a:r>
+            <a:r>
+              <a:rPr lang="es-MX" baseline="0" dirty="0" err="1" smtClean="0"/>
+              <a:t>every</a:t>
+            </a:r>
+            <a:r>
+              <a:rPr lang="es-MX" baseline="0" dirty="0" smtClean="0"/>
+              <a:t> </a:t>
+            </a:r>
+            <a:r>
+              <a:rPr lang="es-MX" baseline="0" dirty="0" err="1" smtClean="0"/>
+              <a:t>vertex</a:t>
+            </a:r>
+            <a:r>
+              <a:rPr lang="es-MX" baseline="0" dirty="0" smtClean="0"/>
+              <a:t> </a:t>
+            </a:r>
+            <a:r>
+              <a:rPr lang="es-MX" baseline="0" dirty="0" err="1" smtClean="0"/>
+              <a:t>we</a:t>
+            </a:r>
+            <a:r>
+              <a:rPr lang="es-MX" baseline="0" dirty="0" smtClean="0"/>
+              <a:t> </a:t>
+            </a:r>
+            <a:r>
+              <a:rPr lang="es-MX" baseline="0" dirty="0" err="1" smtClean="0"/>
+              <a:t>have</a:t>
+            </a:r>
+            <a:r>
+              <a:rPr lang="es-MX" baseline="0" dirty="0" smtClean="0"/>
+              <a:t> in </a:t>
+            </a:r>
+            <a:r>
+              <a:rPr lang="es-MX" baseline="0" dirty="0" err="1" smtClean="0"/>
+              <a:t>our</a:t>
+            </a:r>
+            <a:r>
+              <a:rPr lang="es-MX" baseline="0" dirty="0" smtClean="0"/>
+              <a:t> </a:t>
+            </a:r>
+            <a:r>
+              <a:rPr lang="es-MX" baseline="0" dirty="0" err="1" smtClean="0"/>
+              <a:t>mesh</a:t>
+            </a:r>
+            <a:r>
+              <a:rPr lang="es-MX" baseline="0" dirty="0" smtClean="0"/>
+              <a:t>.</a:t>
+            </a:r>
+          </a:p>
+          <a:p>
+            <a:endParaRPr lang="es-MX" baseline="0" dirty="0" smtClean="0"/>
+          </a:p>
+          <a:p>
+            <a:r>
+              <a:rPr lang="es-MX" baseline="0" dirty="0" err="1" smtClean="0"/>
+              <a:t>The</a:t>
+            </a:r>
+            <a:r>
+              <a:rPr lang="es-MX" baseline="0" dirty="0" smtClean="0"/>
+              <a:t> </a:t>
+            </a:r>
+            <a:r>
+              <a:rPr lang="es-MX" baseline="0" dirty="0" err="1" smtClean="0"/>
+              <a:t>result</a:t>
+            </a:r>
+            <a:r>
+              <a:rPr lang="es-MX" baseline="0" dirty="0" smtClean="0"/>
+              <a:t> </a:t>
+            </a:r>
+            <a:r>
+              <a:rPr lang="es-MX" baseline="0" dirty="0" err="1" smtClean="0"/>
+              <a:t>will</a:t>
+            </a:r>
+            <a:r>
+              <a:rPr lang="es-MX" baseline="0" dirty="0" smtClean="0"/>
+              <a:t> be </a:t>
+            </a:r>
+            <a:r>
+              <a:rPr lang="es-MX" baseline="0" dirty="0" err="1" smtClean="0"/>
+              <a:t>sent</a:t>
+            </a:r>
+            <a:r>
+              <a:rPr lang="es-MX" baseline="0" dirty="0" smtClean="0"/>
+              <a:t> to </a:t>
+            </a:r>
+            <a:r>
+              <a:rPr lang="es-MX" baseline="0" dirty="0" err="1" smtClean="0"/>
+              <a:t>the</a:t>
+            </a:r>
+            <a:r>
+              <a:rPr lang="es-MX" baseline="0" dirty="0" smtClean="0"/>
+              <a:t> </a:t>
+            </a:r>
+            <a:r>
+              <a:rPr lang="es-MX" baseline="0" dirty="0" err="1" smtClean="0"/>
+              <a:t>rasterizer</a:t>
+            </a:r>
+            <a:r>
+              <a:rPr lang="es-MX" baseline="0" dirty="0" smtClean="0"/>
+              <a:t>, to </a:t>
+            </a:r>
+            <a:r>
+              <a:rPr lang="es-MX" baseline="0" dirty="0" err="1" smtClean="0"/>
+              <a:t>tell</a:t>
+            </a:r>
+            <a:r>
+              <a:rPr lang="es-MX" baseline="0" dirty="0" smtClean="0"/>
+              <a:t> </a:t>
+            </a:r>
+            <a:r>
+              <a:rPr lang="es-MX" baseline="0" dirty="0" err="1" smtClean="0"/>
+              <a:t>if</a:t>
+            </a:r>
+            <a:r>
+              <a:rPr lang="es-MX" baseline="0" dirty="0" smtClean="0"/>
+              <a:t> </a:t>
+            </a:r>
+            <a:r>
+              <a:rPr lang="es-MX" baseline="0" dirty="0" err="1" smtClean="0"/>
+              <a:t>that</a:t>
+            </a:r>
+            <a:r>
+              <a:rPr lang="es-MX" baseline="0" dirty="0" smtClean="0"/>
+              <a:t> </a:t>
+            </a:r>
+            <a:r>
+              <a:rPr lang="es-MX" baseline="0" dirty="0" err="1" smtClean="0"/>
+              <a:t>fragment</a:t>
+            </a:r>
+            <a:r>
+              <a:rPr lang="es-MX" baseline="0" dirty="0" smtClean="0"/>
+              <a:t> </a:t>
+            </a:r>
+            <a:r>
+              <a:rPr lang="es-MX" baseline="0" dirty="0" err="1" smtClean="0"/>
+              <a:t>will</a:t>
+            </a:r>
+            <a:r>
+              <a:rPr lang="es-MX" baseline="0" dirty="0" smtClean="0"/>
+              <a:t> </a:t>
+            </a:r>
+            <a:r>
+              <a:rPr lang="es-MX" baseline="0" dirty="0" err="1" smtClean="0"/>
+              <a:t>end</a:t>
+            </a:r>
+            <a:r>
+              <a:rPr lang="es-MX" baseline="0" dirty="0" smtClean="0"/>
+              <a:t> up as a pixel.</a:t>
+            </a:r>
+            <a:endParaRPr lang="en-US" dirty="0"/>
+          </a:p>
+        </p:txBody>
+      </p:sp>
+      <p:sp>
+        <p:nvSpPr>
+          <p:cNvPr id="4" name="Slide Number Placeholder 3"/>
+          <p:cNvSpPr>
+            <a:spLocks noGrp="1"/>
+          </p:cNvSpPr>
+          <p:nvPr>
+            <p:ph type="sldNum" sz="quarter" idx="10"/>
+          </p:nvPr>
+        </p:nvSpPr>
+        <p:spPr/>
+        <p:txBody>
+          <a:bodyPr/>
+          <a:lstStyle/>
+          <a:p>
+            <a:fld id="{49436F85-577F-4A92-A47F-D540A2BCC821}" type="slidenum">
+              <a:rPr lang="en-GB" smtClean="0"/>
+              <a:pPr/>
+              <a:t>13</a:t>
+            </a:fld>
+            <a:endParaRPr lang="en-GB" dirty="0"/>
+          </a:p>
+        </p:txBody>
+      </p:sp>
+    </p:spTree>
+    <p:extLst>
+      <p:ext uri="{BB962C8B-B14F-4D97-AF65-F5344CB8AC3E}">
+        <p14:creationId xmlns:p14="http://schemas.microsoft.com/office/powerpoint/2010/main" val="3836064365"/>
+      </p:ext>
+    </p:extLst>
+  </p:cSld>
+  <p:clrMapOvr>
+    <a:masterClrMapping/>
+  </p:clrMapOvr>
+</p:notes>
+</file>
+
+<file path=ppt/notesSlides/notesSlide14.xml><?xml version="1.0" encoding="utf-8"?>
+<p:notes xmlns:a="http://schemas.openxmlformats.org/drawingml/2006/main" xmlns:r="http://schemas.openxmlformats.org/officeDocument/2006/relationships" xmlns:p="http://schemas.openxmlformats.org/presentationml/2006/main">
+  <p:cSld>
+    <p:spTree>
+      <p:nvGrpSpPr>
+        <p:cNvPr id="1" name=""/>
+        <p:cNvGrpSpPr/>
+        <p:nvPr/>
+      </p:nvGrpSpPr>
+      <p:grpSpPr>
+        <a:xfrm>
+          <a:off x="0" y="0"/>
+          <a:ext cx="0" cy="0"/>
+          <a:chOff x="0" y="0"/>
+          <a:chExt cx="0" cy="0"/>
+        </a:xfrm>
+      </p:grpSpPr>
+      <p:sp>
+        <p:nvSpPr>
+          <p:cNvPr id="2" name="Slide Image Placeholder 1"/>
+          <p:cNvSpPr>
+            <a:spLocks noGrp="1" noRot="1" noChangeAspect="1"/>
+          </p:cNvSpPr>
+          <p:nvPr>
+            <p:ph type="sldImg"/>
+          </p:nvPr>
+        </p:nvSpPr>
+        <p:spPr/>
+      </p:sp>
+      <p:sp>
+        <p:nvSpPr>
+          <p:cNvPr id="3" name="Notes Placeholder 2"/>
+          <p:cNvSpPr>
+            <a:spLocks noGrp="1"/>
+          </p:cNvSpPr>
+          <p:nvPr>
+            <p:ph type="body" idx="1"/>
+          </p:nvPr>
+        </p:nvSpPr>
+        <p:spPr/>
+        <p:txBody>
+          <a:bodyPr/>
+          <a:lstStyle/>
+          <a:p>
+            <a:r>
+              <a:rPr lang="es-MX" dirty="0" err="1" smtClean="0"/>
+              <a:t>We</a:t>
+            </a:r>
+            <a:r>
+              <a:rPr lang="es-MX" dirty="0" smtClean="0"/>
+              <a:t> </a:t>
+            </a:r>
+            <a:r>
+              <a:rPr lang="es-MX" dirty="0" err="1" smtClean="0"/>
+              <a:t>will</a:t>
+            </a:r>
+            <a:r>
+              <a:rPr lang="es-MX" dirty="0" smtClean="0"/>
+              <a:t> </a:t>
+            </a:r>
+            <a:r>
+              <a:rPr lang="es-MX" dirty="0" err="1" smtClean="0"/>
+              <a:t>explain</a:t>
+            </a:r>
+            <a:r>
+              <a:rPr lang="es-MX" dirty="0" smtClean="0"/>
+              <a:t> </a:t>
+            </a:r>
+            <a:r>
+              <a:rPr lang="es-MX" dirty="0" err="1" smtClean="0"/>
+              <a:t>this</a:t>
+            </a:r>
+            <a:r>
+              <a:rPr lang="es-MX" dirty="0" smtClean="0"/>
+              <a:t> </a:t>
+            </a:r>
+            <a:r>
+              <a:rPr lang="es-MX" dirty="0" err="1" smtClean="0"/>
+              <a:t>with</a:t>
+            </a:r>
+            <a:r>
+              <a:rPr lang="es-MX" dirty="0" smtClean="0"/>
+              <a:t> a </a:t>
+            </a:r>
+            <a:r>
+              <a:rPr lang="es-MX" dirty="0" err="1" smtClean="0"/>
+              <a:t>Unity</a:t>
+            </a:r>
+            <a:r>
+              <a:rPr lang="es-MX" dirty="0" smtClean="0"/>
+              <a:t> demo, </a:t>
+            </a:r>
+            <a:r>
+              <a:rPr lang="es-MX" dirty="0" err="1" smtClean="0"/>
+              <a:t>however</a:t>
+            </a:r>
+            <a:r>
+              <a:rPr lang="es-MX" dirty="0" smtClean="0"/>
+              <a:t> </a:t>
+            </a:r>
+            <a:r>
+              <a:rPr lang="es-MX" dirty="0" err="1" smtClean="0"/>
+              <a:t>it’s</a:t>
+            </a:r>
+            <a:r>
+              <a:rPr lang="es-MX" dirty="0" smtClean="0"/>
+              <a:t> </a:t>
+            </a:r>
+            <a:r>
+              <a:rPr lang="es-MX" dirty="0" err="1" smtClean="0"/>
+              <a:t>important</a:t>
+            </a:r>
+            <a:r>
+              <a:rPr lang="es-MX" dirty="0" smtClean="0"/>
+              <a:t> to </a:t>
+            </a:r>
+            <a:r>
+              <a:rPr lang="es-MX" dirty="0" err="1" smtClean="0"/>
+              <a:t>know</a:t>
+            </a:r>
+            <a:r>
+              <a:rPr lang="es-MX" dirty="0" smtClean="0"/>
+              <a:t> </a:t>
+            </a:r>
+            <a:r>
+              <a:rPr lang="es-MX" dirty="0" err="1" smtClean="0"/>
+              <a:t>that</a:t>
+            </a:r>
+            <a:r>
+              <a:rPr lang="es-MX" dirty="0" smtClean="0"/>
+              <a:t>:</a:t>
+            </a:r>
+          </a:p>
+          <a:p>
+            <a:endParaRPr lang="es-MX" dirty="0" smtClean="0"/>
+          </a:p>
+          <a:p>
+            <a:r>
+              <a:rPr lang="es-MX" dirty="0" smtClean="0"/>
+              <a:t>- </a:t>
+            </a:r>
+            <a:r>
+              <a:rPr lang="es-MX" dirty="0" err="1" smtClean="0"/>
+              <a:t>The</a:t>
+            </a:r>
+            <a:r>
+              <a:rPr lang="es-MX" dirty="0" smtClean="0"/>
+              <a:t> </a:t>
+            </a:r>
+            <a:r>
+              <a:rPr lang="es-MX" dirty="0" err="1" smtClean="0"/>
+              <a:t>fragment</a:t>
+            </a:r>
+            <a:r>
+              <a:rPr lang="es-MX" dirty="0" smtClean="0"/>
+              <a:t>(</a:t>
+            </a:r>
+            <a:r>
+              <a:rPr lang="es-MX" dirty="0" err="1" smtClean="0"/>
+              <a:t>or</a:t>
+            </a:r>
+            <a:r>
+              <a:rPr lang="es-MX" baseline="0" dirty="0" smtClean="0"/>
+              <a:t> pixel </a:t>
+            </a:r>
+            <a:r>
+              <a:rPr lang="es-MX" baseline="0" dirty="0" err="1" smtClean="0"/>
+              <a:t>shader</a:t>
+            </a:r>
+            <a:r>
+              <a:rPr lang="es-MX" dirty="0" smtClean="0"/>
+              <a:t>) </a:t>
+            </a:r>
+            <a:r>
+              <a:rPr lang="es-MX" dirty="0" err="1" smtClean="0"/>
+              <a:t>is</a:t>
+            </a:r>
+            <a:r>
+              <a:rPr lang="es-MX" dirty="0" smtClean="0"/>
+              <a:t> </a:t>
+            </a:r>
+            <a:r>
+              <a:rPr lang="es-MX" dirty="0" err="1" smtClean="0"/>
+              <a:t>the</a:t>
+            </a:r>
+            <a:r>
+              <a:rPr lang="es-MX" dirty="0" smtClean="0"/>
+              <a:t> </a:t>
+            </a:r>
+            <a:r>
+              <a:rPr lang="es-MX" dirty="0" err="1" smtClean="0"/>
+              <a:t>program</a:t>
+            </a:r>
+            <a:r>
+              <a:rPr lang="es-MX" dirty="0" smtClean="0"/>
+              <a:t> </a:t>
+            </a:r>
+            <a:r>
+              <a:rPr lang="es-MX" dirty="0" err="1" smtClean="0"/>
+              <a:t>that</a:t>
+            </a:r>
+            <a:r>
+              <a:rPr lang="es-MX" dirty="0" smtClean="0"/>
+              <a:t> </a:t>
+            </a:r>
+            <a:r>
+              <a:rPr lang="es-MX" dirty="0" err="1" smtClean="0"/>
+              <a:t>receives</a:t>
+            </a:r>
+            <a:r>
+              <a:rPr lang="es-MX" dirty="0" smtClean="0"/>
+              <a:t> </a:t>
+            </a:r>
+            <a:r>
+              <a:rPr lang="es-MX" dirty="0" err="1" smtClean="0"/>
+              <a:t>information</a:t>
+            </a:r>
+            <a:r>
+              <a:rPr lang="es-MX" dirty="0" smtClean="0"/>
+              <a:t> </a:t>
+            </a:r>
+            <a:r>
+              <a:rPr lang="es-MX" dirty="0" err="1" smtClean="0"/>
+              <a:t>from</a:t>
+            </a:r>
+            <a:r>
+              <a:rPr lang="es-MX" dirty="0" smtClean="0"/>
+              <a:t> </a:t>
+            </a:r>
+            <a:r>
+              <a:rPr lang="es-MX" dirty="0" err="1" smtClean="0"/>
+              <a:t>the</a:t>
+            </a:r>
+            <a:r>
+              <a:rPr lang="es-MX" dirty="0" smtClean="0"/>
+              <a:t> </a:t>
+            </a:r>
+            <a:r>
+              <a:rPr lang="es-MX" dirty="0" err="1" smtClean="0"/>
+              <a:t>vertex</a:t>
+            </a:r>
+            <a:r>
+              <a:rPr lang="es-MX" baseline="0" dirty="0" smtClean="0"/>
+              <a:t> </a:t>
+            </a:r>
+            <a:r>
+              <a:rPr lang="es-MX" baseline="0" dirty="0" err="1" smtClean="0"/>
+              <a:t>program</a:t>
+            </a:r>
+            <a:r>
+              <a:rPr lang="es-MX" baseline="0" dirty="0" smtClean="0"/>
+              <a:t> and </a:t>
+            </a:r>
+            <a:r>
+              <a:rPr lang="es-MX" baseline="0" dirty="0" err="1" smtClean="0"/>
+              <a:t>the</a:t>
+            </a:r>
+            <a:r>
+              <a:rPr lang="es-MX" baseline="0" dirty="0" smtClean="0"/>
+              <a:t> </a:t>
+            </a:r>
+            <a:r>
+              <a:rPr lang="es-MX" baseline="0" dirty="0" err="1" smtClean="0"/>
+              <a:t>result</a:t>
+            </a:r>
+            <a:r>
+              <a:rPr lang="es-MX" baseline="0" dirty="0" smtClean="0"/>
+              <a:t> </a:t>
+            </a:r>
+            <a:r>
+              <a:rPr lang="es-MX" baseline="0" dirty="0" err="1" smtClean="0"/>
+              <a:t>will</a:t>
+            </a:r>
+            <a:r>
+              <a:rPr lang="es-MX" baseline="0" dirty="0" smtClean="0"/>
+              <a:t> be a color to be </a:t>
+            </a:r>
+            <a:r>
+              <a:rPr lang="es-MX" baseline="0" dirty="0" err="1" smtClean="0"/>
+              <a:t>rendered</a:t>
+            </a:r>
+            <a:r>
+              <a:rPr lang="es-MX" baseline="0" dirty="0" smtClean="0"/>
+              <a:t> </a:t>
+            </a:r>
+            <a:r>
+              <a:rPr lang="es-MX" baseline="0" dirty="0" err="1" smtClean="0"/>
+              <a:t>on</a:t>
+            </a:r>
+            <a:r>
+              <a:rPr lang="es-MX" baseline="0" dirty="0" smtClean="0"/>
+              <a:t> </a:t>
+            </a:r>
+            <a:r>
+              <a:rPr lang="es-MX" baseline="0" dirty="0" err="1" smtClean="0"/>
+              <a:t>screen</a:t>
+            </a:r>
+            <a:r>
+              <a:rPr lang="es-MX" baseline="0" dirty="0" smtClean="0"/>
+              <a:t>. </a:t>
+            </a:r>
+            <a:r>
+              <a:rPr lang="es-MX" baseline="0" dirty="0" err="1" smtClean="0"/>
+              <a:t>Or</a:t>
+            </a:r>
+            <a:r>
+              <a:rPr lang="es-MX" baseline="0" dirty="0" smtClean="0"/>
+              <a:t> </a:t>
+            </a:r>
+            <a:r>
+              <a:rPr lang="es-MX" baseline="0" dirty="0" err="1" smtClean="0"/>
+              <a:t>on</a:t>
+            </a:r>
+            <a:r>
+              <a:rPr lang="es-MX" baseline="0" dirty="0" smtClean="0"/>
+              <a:t> </a:t>
+            </a:r>
+            <a:r>
+              <a:rPr lang="es-MX" baseline="0" dirty="0" err="1" smtClean="0"/>
+              <a:t>an</a:t>
+            </a:r>
+            <a:r>
+              <a:rPr lang="es-MX" baseline="0" dirty="0" smtClean="0"/>
+              <a:t> </a:t>
+            </a:r>
+            <a:r>
+              <a:rPr lang="es-MX" baseline="0" dirty="0" err="1" smtClean="0"/>
+              <a:t>object’s</a:t>
+            </a:r>
+            <a:r>
+              <a:rPr lang="es-MX" baseline="0" dirty="0" smtClean="0"/>
+              <a:t> Surface.</a:t>
+            </a:r>
+            <a:endParaRPr lang="en-US" dirty="0"/>
+          </a:p>
+        </p:txBody>
+      </p:sp>
+      <p:sp>
+        <p:nvSpPr>
+          <p:cNvPr id="4" name="Slide Number Placeholder 3"/>
+          <p:cNvSpPr>
+            <a:spLocks noGrp="1"/>
+          </p:cNvSpPr>
+          <p:nvPr>
+            <p:ph type="sldNum" sz="quarter" idx="10"/>
+          </p:nvPr>
+        </p:nvSpPr>
+        <p:spPr/>
+        <p:txBody>
+          <a:bodyPr/>
+          <a:lstStyle/>
+          <a:p>
+            <a:fld id="{49436F85-577F-4A92-A47F-D540A2BCC821}" type="slidenum">
+              <a:rPr lang="en-GB" smtClean="0"/>
+              <a:pPr/>
+              <a:t>14</a:t>
+            </a:fld>
+            <a:endParaRPr lang="en-GB" dirty="0"/>
+          </a:p>
+        </p:txBody>
+      </p:sp>
+    </p:spTree>
+    <p:extLst>
+      <p:ext uri="{BB962C8B-B14F-4D97-AF65-F5344CB8AC3E}">
+        <p14:creationId xmlns:p14="http://schemas.microsoft.com/office/powerpoint/2010/main" val="2970724054"/>
+      </p:ext>
+    </p:extLst>
+  </p:cSld>
+  <p:clrMapOvr>
+    <a:masterClrMapping/>
+  </p:clrMapOvr>
+</p:notes>
+</file>
+
+<file path=ppt/notesSlides/notesSlide15.xml><?xml version="1.0" encoding="utf-8"?>
+<p:notes xmlns:a="http://schemas.openxmlformats.org/drawingml/2006/main" xmlns:r="http://schemas.openxmlformats.org/officeDocument/2006/relationships" xmlns:p="http://schemas.openxmlformats.org/presentationml/2006/main">
+  <p:cSld>
+    <p:spTree>
+      <p:nvGrpSpPr>
+        <p:cNvPr id="1" name=""/>
+        <p:cNvGrpSpPr/>
+        <p:nvPr/>
+      </p:nvGrpSpPr>
+      <p:grpSpPr>
+        <a:xfrm>
+          <a:off x="0" y="0"/>
+          <a:ext cx="0" cy="0"/>
+          <a:chOff x="0" y="0"/>
+          <a:chExt cx="0" cy="0"/>
+        </a:xfrm>
+      </p:grpSpPr>
+      <p:sp>
+        <p:nvSpPr>
+          <p:cNvPr id="2" name="Slide Image Placeholder 1"/>
+          <p:cNvSpPr>
+            <a:spLocks noGrp="1" noRot="1" noChangeAspect="1"/>
+          </p:cNvSpPr>
+          <p:nvPr>
+            <p:ph type="sldImg"/>
+          </p:nvPr>
+        </p:nvSpPr>
+        <p:spPr/>
+      </p:sp>
+      <p:sp>
+        <p:nvSpPr>
+          <p:cNvPr id="3" name="Notes Placeholder 2"/>
+          <p:cNvSpPr>
+            <a:spLocks noGrp="1"/>
+          </p:cNvSpPr>
+          <p:nvPr>
+            <p:ph type="body" idx="1"/>
+          </p:nvPr>
+        </p:nvSpPr>
+        <p:spPr/>
+        <p:txBody>
+          <a:bodyPr/>
+          <a:lstStyle/>
+          <a:p>
+            <a:r>
+              <a:rPr lang="es-MX" sz="900" b="0" i="0" kern="1200" dirty="0" err="1" smtClean="0">
+                <a:solidFill>
+                  <a:schemeClr val="tx1"/>
+                </a:solidFill>
+                <a:effectLst/>
+                <a:latin typeface="Arial" panose="020B0604020202020204" pitchFamily="34" charset="0"/>
+                <a:ea typeface="+mn-ea"/>
+                <a:cs typeface="+mn-cs"/>
+              </a:rPr>
+              <a:t>Unity</a:t>
+            </a:r>
+            <a:r>
+              <a:rPr lang="es-MX" sz="900" b="0" i="0" kern="1200" dirty="0" smtClean="0">
+                <a:solidFill>
+                  <a:schemeClr val="tx1"/>
+                </a:solidFill>
+                <a:effectLst/>
+                <a:latin typeface="Arial" panose="020B0604020202020204" pitchFamily="34" charset="0"/>
+                <a:ea typeface="+mn-ea"/>
+                <a:cs typeface="+mn-cs"/>
+              </a:rPr>
+              <a:t> Demo </a:t>
+            </a:r>
+            <a:r>
+              <a:rPr lang="es-MX" sz="900" b="0" i="0" kern="1200" dirty="0" err="1" smtClean="0">
+                <a:solidFill>
+                  <a:schemeClr val="tx1"/>
+                </a:solidFill>
+                <a:effectLst/>
+                <a:latin typeface="Arial" panose="020B0604020202020204" pitchFamily="34" charset="0"/>
+                <a:ea typeface="+mn-ea"/>
+                <a:cs typeface="+mn-cs"/>
+              </a:rPr>
+              <a:t>here</a:t>
+            </a:r>
+            <a:r>
+              <a:rPr lang="es-MX" sz="900" b="0" i="0" kern="1200" dirty="0" smtClean="0">
+                <a:solidFill>
+                  <a:schemeClr val="tx1"/>
+                </a:solidFill>
+                <a:effectLst/>
+                <a:latin typeface="Arial" panose="020B0604020202020204" pitchFamily="34" charset="0"/>
+                <a:ea typeface="+mn-ea"/>
+                <a:cs typeface="+mn-cs"/>
+              </a:rPr>
+              <a:t>.</a:t>
+            </a:r>
+          </a:p>
+          <a:p>
+            <a:endParaRPr lang="en-US" sz="900" b="0" i="0" kern="1200" dirty="0" smtClean="0">
+              <a:solidFill>
+                <a:schemeClr val="tx1"/>
+              </a:solidFill>
+              <a:effectLst/>
+              <a:latin typeface="Arial" panose="020B0604020202020204" pitchFamily="34" charset="0"/>
+              <a:ea typeface="+mn-ea"/>
+              <a:cs typeface="+mn-cs"/>
+            </a:endParaRPr>
+          </a:p>
+          <a:p>
+            <a:r>
+              <a:rPr lang="en-US" sz="900" b="0" i="0" kern="1200" dirty="0" smtClean="0">
+                <a:solidFill>
+                  <a:schemeClr val="tx1"/>
+                </a:solidFill>
+                <a:effectLst/>
+                <a:latin typeface="Arial" panose="020B0604020202020204" pitchFamily="34" charset="0"/>
+                <a:ea typeface="+mn-ea"/>
+                <a:cs typeface="+mn-cs"/>
+              </a:rPr>
+              <a:t>You define a “surface function” that takes any UVs or data you need as input, and fills in output structure </a:t>
+            </a:r>
+            <a:r>
+              <a:rPr lang="en-US" sz="900" b="0" i="0" kern="1200" dirty="0" err="1" smtClean="0">
+                <a:solidFill>
+                  <a:schemeClr val="tx1"/>
+                </a:solidFill>
+                <a:effectLst/>
+                <a:latin typeface="Arial" panose="020B0604020202020204" pitchFamily="34" charset="0"/>
+                <a:ea typeface="+mn-ea"/>
+                <a:cs typeface="+mn-cs"/>
+              </a:rPr>
+              <a:t>SurfaceOutput</a:t>
+            </a:r>
+            <a:r>
+              <a:rPr lang="en-US" sz="900" b="0" i="0" kern="1200" dirty="0" smtClean="0">
+                <a:solidFill>
+                  <a:schemeClr val="tx1"/>
+                </a:solidFill>
+                <a:effectLst/>
+                <a:latin typeface="Arial" panose="020B0604020202020204" pitchFamily="34" charset="0"/>
+                <a:ea typeface="+mn-ea"/>
+                <a:cs typeface="+mn-cs"/>
+              </a:rPr>
+              <a:t>. </a:t>
+            </a:r>
+            <a:r>
+              <a:rPr lang="en-US" sz="900" b="0" i="0" kern="1200" dirty="0" err="1" smtClean="0">
+                <a:solidFill>
+                  <a:schemeClr val="tx1"/>
+                </a:solidFill>
+                <a:effectLst/>
+                <a:latin typeface="Arial" panose="020B0604020202020204" pitchFamily="34" charset="0"/>
+                <a:ea typeface="+mn-ea"/>
+                <a:cs typeface="+mn-cs"/>
+              </a:rPr>
+              <a:t>SurfaceOutput</a:t>
+            </a:r>
+            <a:r>
+              <a:rPr lang="en-US" sz="900" b="0" i="0" kern="1200" dirty="0" smtClean="0">
+                <a:solidFill>
+                  <a:schemeClr val="tx1"/>
+                </a:solidFill>
+                <a:effectLst/>
+                <a:latin typeface="Arial" panose="020B0604020202020204" pitchFamily="34" charset="0"/>
+                <a:ea typeface="+mn-ea"/>
+                <a:cs typeface="+mn-cs"/>
+              </a:rPr>
+              <a:t> basically describes </a:t>
+            </a:r>
+            <a:r>
+              <a:rPr lang="en-US" sz="900" b="0" i="1" kern="1200" dirty="0" smtClean="0">
+                <a:solidFill>
+                  <a:schemeClr val="tx1"/>
+                </a:solidFill>
+                <a:effectLst/>
+                <a:latin typeface="Arial" panose="020B0604020202020204" pitchFamily="34" charset="0"/>
+                <a:ea typeface="+mn-ea"/>
+                <a:cs typeface="+mn-cs"/>
+              </a:rPr>
+              <a:t>properties of the surface</a:t>
+            </a:r>
+            <a:r>
+              <a:rPr lang="en-US" sz="900" b="0" i="0" kern="1200" dirty="0" smtClean="0">
+                <a:solidFill>
+                  <a:schemeClr val="tx1"/>
+                </a:solidFill>
+                <a:effectLst/>
+                <a:latin typeface="Arial" panose="020B0604020202020204" pitchFamily="34" charset="0"/>
+                <a:ea typeface="+mn-ea"/>
+                <a:cs typeface="+mn-cs"/>
+              </a:rPr>
+              <a:t> (it’s albedo color, normal, emission, </a:t>
+            </a:r>
+            <a:r>
+              <a:rPr lang="en-US" sz="900" b="0" i="0" kern="1200" dirty="0" err="1" smtClean="0">
+                <a:solidFill>
+                  <a:schemeClr val="tx1"/>
+                </a:solidFill>
+                <a:effectLst/>
+                <a:latin typeface="Arial" panose="020B0604020202020204" pitchFamily="34" charset="0"/>
+                <a:ea typeface="+mn-ea"/>
+                <a:cs typeface="+mn-cs"/>
+              </a:rPr>
+              <a:t>specularity</a:t>
+            </a:r>
+            <a:r>
+              <a:rPr lang="en-US" sz="900" b="0" i="0" kern="1200" dirty="0" smtClean="0">
+                <a:solidFill>
+                  <a:schemeClr val="tx1"/>
+                </a:solidFill>
+                <a:effectLst/>
+                <a:latin typeface="Arial" panose="020B0604020202020204" pitchFamily="34" charset="0"/>
+                <a:ea typeface="+mn-ea"/>
+                <a:cs typeface="+mn-cs"/>
+              </a:rPr>
+              <a:t> etc.). You write this code in HLSL.</a:t>
+            </a:r>
+          </a:p>
+          <a:p>
+            <a:r>
+              <a:rPr lang="en-US" sz="900" b="0" i="0" kern="1200" dirty="0" smtClean="0">
+                <a:solidFill>
+                  <a:schemeClr val="tx1"/>
+                </a:solidFill>
+                <a:effectLst/>
+                <a:latin typeface="Arial" panose="020B0604020202020204" pitchFamily="34" charset="0"/>
+                <a:ea typeface="+mn-ea"/>
+                <a:cs typeface="+mn-cs"/>
+              </a:rPr>
+              <a:t>Surface </a:t>
+            </a:r>
+            <a:r>
+              <a:rPr lang="en-US" sz="900" b="0" i="0" kern="1200" dirty="0" err="1" smtClean="0">
+                <a:solidFill>
+                  <a:schemeClr val="tx1"/>
+                </a:solidFill>
+                <a:effectLst/>
+                <a:latin typeface="Arial" panose="020B0604020202020204" pitchFamily="34" charset="0"/>
+                <a:ea typeface="+mn-ea"/>
+                <a:cs typeface="+mn-cs"/>
+              </a:rPr>
+              <a:t>Shader</a:t>
+            </a:r>
+            <a:r>
+              <a:rPr lang="en-US" sz="900" b="0" i="0" kern="1200" dirty="0" smtClean="0">
+                <a:solidFill>
+                  <a:schemeClr val="tx1"/>
+                </a:solidFill>
+                <a:effectLst/>
+                <a:latin typeface="Arial" panose="020B0604020202020204" pitchFamily="34" charset="0"/>
+                <a:ea typeface="+mn-ea"/>
+                <a:cs typeface="+mn-cs"/>
+              </a:rPr>
+              <a:t> compiler then figures out what inputs are needed, what outputs are filled and so on, and generates actual </a:t>
+            </a:r>
+            <a:r>
+              <a:rPr lang="en-US" sz="900" b="0" i="0" u="sng" kern="1200" dirty="0" err="1" smtClean="0">
+                <a:solidFill>
+                  <a:schemeClr val="tx1"/>
+                </a:solidFill>
+                <a:effectLst/>
+                <a:latin typeface="Arial" panose="020B0604020202020204" pitchFamily="34" charset="0"/>
+                <a:ea typeface="+mn-ea"/>
+                <a:cs typeface="+mn-cs"/>
+                <a:hlinkClick r:id="rId3"/>
+              </a:rPr>
+              <a:t>vertex&amp;pixel</a:t>
+            </a:r>
+            <a:r>
+              <a:rPr lang="en-US" sz="900" b="0" i="0" u="sng" kern="1200" dirty="0" smtClean="0">
+                <a:solidFill>
+                  <a:schemeClr val="tx1"/>
+                </a:solidFill>
+                <a:effectLst/>
+                <a:latin typeface="Arial" panose="020B0604020202020204" pitchFamily="34" charset="0"/>
+                <a:ea typeface="+mn-ea"/>
+                <a:cs typeface="+mn-cs"/>
+                <a:hlinkClick r:id="rId3"/>
+              </a:rPr>
+              <a:t> </a:t>
+            </a:r>
+            <a:r>
+              <a:rPr lang="en-US" sz="900" b="0" i="0" u="sng" kern="1200" dirty="0" err="1" smtClean="0">
+                <a:solidFill>
+                  <a:schemeClr val="tx1"/>
+                </a:solidFill>
+                <a:effectLst/>
+                <a:latin typeface="Arial" panose="020B0604020202020204" pitchFamily="34" charset="0"/>
+                <a:ea typeface="+mn-ea"/>
+                <a:cs typeface="+mn-cs"/>
+                <a:hlinkClick r:id="rId3"/>
+              </a:rPr>
+              <a:t>shaders</a:t>
+            </a:r>
+            <a:r>
+              <a:rPr lang="en-US" sz="900" b="0" i="0" kern="1200" dirty="0" smtClean="0">
+                <a:solidFill>
+                  <a:schemeClr val="tx1"/>
+                </a:solidFill>
+                <a:effectLst/>
+                <a:latin typeface="Arial" panose="020B0604020202020204" pitchFamily="34" charset="0"/>
+                <a:ea typeface="+mn-ea"/>
+                <a:cs typeface="+mn-cs"/>
+              </a:rPr>
+              <a:t>, as well as rendering passes to handle forward and deferred rendering.</a:t>
+            </a:r>
+          </a:p>
+          <a:p>
+            <a:endParaRPr lang="en-US" dirty="0"/>
+          </a:p>
+        </p:txBody>
+      </p:sp>
+      <p:sp>
+        <p:nvSpPr>
+          <p:cNvPr id="4" name="Slide Number Placeholder 3"/>
+          <p:cNvSpPr>
+            <a:spLocks noGrp="1"/>
+          </p:cNvSpPr>
+          <p:nvPr>
+            <p:ph type="sldNum" sz="quarter" idx="10"/>
+          </p:nvPr>
+        </p:nvSpPr>
+        <p:spPr/>
+        <p:txBody>
+          <a:bodyPr/>
+          <a:lstStyle/>
+          <a:p>
+            <a:fld id="{49436F85-577F-4A92-A47F-D540A2BCC821}" type="slidenum">
+              <a:rPr lang="en-GB" smtClean="0"/>
+              <a:pPr/>
+              <a:t>15</a:t>
+            </a:fld>
+            <a:endParaRPr lang="en-GB" dirty="0"/>
+          </a:p>
+        </p:txBody>
+      </p:sp>
+    </p:spTree>
+    <p:extLst>
+      <p:ext uri="{BB962C8B-B14F-4D97-AF65-F5344CB8AC3E}">
+        <p14:creationId xmlns:p14="http://schemas.microsoft.com/office/powerpoint/2010/main" val="1556193540"/>
+      </p:ext>
+    </p:extLst>
+  </p:cSld>
+  <p:clrMapOvr>
+    <a:masterClrMapping/>
+  </p:clrMapOvr>
+</p:notes>
+</file>
+
+<file path=ppt/notesSlides/notesSlide16.xml><?xml version="1.0" encoding="utf-8"?>
+<p:notes xmlns:a="http://schemas.openxmlformats.org/drawingml/2006/main" xmlns:r="http://schemas.openxmlformats.org/officeDocument/2006/relationships" xmlns:p="http://schemas.openxmlformats.org/presentationml/2006/main">
+  <p:cSld>
+    <p:spTree>
+      <p:nvGrpSpPr>
+        <p:cNvPr id="1" name=""/>
+        <p:cNvGrpSpPr/>
+        <p:nvPr/>
+      </p:nvGrpSpPr>
+      <p:grpSpPr>
+        <a:xfrm>
+          <a:off x="0" y="0"/>
+          <a:ext cx="0" cy="0"/>
+          <a:chOff x="0" y="0"/>
+          <a:chExt cx="0" cy="0"/>
+        </a:xfrm>
+      </p:grpSpPr>
+      <p:sp>
+        <p:nvSpPr>
+          <p:cNvPr id="2" name="Slide Image Placeholder 1"/>
+          <p:cNvSpPr>
+            <a:spLocks noGrp="1" noRot="1" noChangeAspect="1"/>
+          </p:cNvSpPr>
+          <p:nvPr>
+            <p:ph type="sldImg"/>
+          </p:nvPr>
+        </p:nvSpPr>
+        <p:spPr/>
+      </p:sp>
+      <p:sp>
+        <p:nvSpPr>
+          <p:cNvPr id="3" name="Notes Placeholder 2"/>
+          <p:cNvSpPr>
+            <a:spLocks noGrp="1"/>
+          </p:cNvSpPr>
+          <p:nvPr>
+            <p:ph type="body" idx="1"/>
+          </p:nvPr>
+        </p:nvSpPr>
+        <p:spPr/>
+        <p:txBody>
+          <a:bodyPr/>
+          <a:lstStyle/>
+          <a:p>
+            <a:r>
+              <a:rPr lang="en-GB" dirty="0" smtClean="0"/>
+              <a:t>Here are the references to be shared</a:t>
+            </a:r>
+            <a:r>
+              <a:rPr lang="en-GB" baseline="0" dirty="0" smtClean="0"/>
+              <a:t> with attendees. The key here is just the first link which is a link to the project we used during the session.</a:t>
+            </a:r>
+            <a:endParaRPr lang="en-GB" dirty="0"/>
+          </a:p>
+        </p:txBody>
+      </p:sp>
+      <p:sp>
+        <p:nvSpPr>
+          <p:cNvPr id="4" name="Slide Number Placeholder 3"/>
+          <p:cNvSpPr>
+            <a:spLocks noGrp="1"/>
+          </p:cNvSpPr>
+          <p:nvPr>
+            <p:ph type="sldNum" sz="quarter" idx="10"/>
+          </p:nvPr>
+        </p:nvSpPr>
+        <p:spPr/>
+        <p:txBody>
+          <a:bodyPr/>
+          <a:lstStyle/>
+          <a:p>
+            <a:fld id="{49436F85-577F-4A92-A47F-D540A2BCC821}" type="slidenum">
+              <a:rPr lang="en-GB" smtClean="0"/>
+              <a:pPr/>
+              <a:t>16</a:t>
+            </a:fld>
+            <a:endParaRPr lang="en-GB" dirty="0"/>
+          </a:p>
+        </p:txBody>
+      </p:sp>
+    </p:spTree>
+    <p:extLst>
+      <p:ext uri="{BB962C8B-B14F-4D97-AF65-F5344CB8AC3E}">
+        <p14:creationId xmlns:p14="http://schemas.microsoft.com/office/powerpoint/2010/main" val="741788140"/>
+      </p:ext>
+    </p:extLst>
+  </p:cSld>
+  <p:clrMapOvr>
+    <a:masterClrMapping/>
+  </p:clrMapOvr>
+</p:notes>
+</file>
+
+<file path=ppt/notesSlides/notesSlide17.xml><?xml version="1.0" encoding="utf-8"?>
+<p:notes xmlns:a="http://schemas.openxmlformats.org/drawingml/2006/main" xmlns:r="http://schemas.openxmlformats.org/officeDocument/2006/relationships" xmlns:p="http://schemas.openxmlformats.org/presentationml/2006/main">
+  <p:cSld>
+    <p:spTree>
+      <p:nvGrpSpPr>
+        <p:cNvPr id="1" name=""/>
+        <p:cNvGrpSpPr/>
+        <p:nvPr/>
+      </p:nvGrpSpPr>
+      <p:grpSpPr>
+        <a:xfrm>
+          <a:off x="0" y="0"/>
+          <a:ext cx="0" cy="0"/>
+          <a:chOff x="0" y="0"/>
+          <a:chExt cx="0" cy="0"/>
+        </a:xfrm>
+      </p:grpSpPr>
+      <p:sp>
+        <p:nvSpPr>
+          <p:cNvPr id="2" name="Slide Image Placeholder 1"/>
+          <p:cNvSpPr>
+            <a:spLocks noGrp="1" noRot="1" noChangeAspect="1"/>
+          </p:cNvSpPr>
+          <p:nvPr>
+            <p:ph type="sldImg"/>
+          </p:nvPr>
+        </p:nvSpPr>
+        <p:spPr/>
+      </p:sp>
+      <p:sp>
+        <p:nvSpPr>
+          <p:cNvPr id="3" name="Notes Placeholder 2"/>
+          <p:cNvSpPr>
+            <a:spLocks noGrp="1"/>
+          </p:cNvSpPr>
+          <p:nvPr>
+            <p:ph type="body" idx="1"/>
+          </p:nvPr>
+        </p:nvSpPr>
+        <p:spPr/>
+        <p:txBody>
+          <a:bodyPr/>
+          <a:lstStyle/>
+          <a:p>
+            <a:r>
+              <a:rPr lang="en-US" dirty="0" smtClean="0"/>
+              <a:t>Q&amp;A</a:t>
+            </a:r>
+            <a:endParaRPr lang="en-US" baseline="0" dirty="0" smtClean="0"/>
+          </a:p>
+          <a:p>
+            <a:endParaRPr lang="en-US" baseline="0" dirty="0" smtClean="0"/>
+          </a:p>
+          <a:p>
+            <a:r>
+              <a:rPr lang="en-US" baseline="0" dirty="0" smtClean="0"/>
+              <a:t>Note for Translator: How do I say Q&amp;A in Japanese?</a:t>
+            </a:r>
+            <a:endParaRPr lang="en-GB" dirty="0"/>
+          </a:p>
+        </p:txBody>
+      </p:sp>
+      <p:sp>
+        <p:nvSpPr>
+          <p:cNvPr id="4" name="Slide Number Placeholder 3"/>
+          <p:cNvSpPr>
+            <a:spLocks noGrp="1"/>
+          </p:cNvSpPr>
+          <p:nvPr>
+            <p:ph type="sldNum" sz="quarter" idx="10"/>
+          </p:nvPr>
+        </p:nvSpPr>
+        <p:spPr/>
+        <p:txBody>
+          <a:bodyPr/>
+          <a:lstStyle/>
+          <a:p>
+            <a:fld id="{49436F85-577F-4A92-A47F-D540A2BCC821}" type="slidenum">
+              <a:rPr lang="en-GB" smtClean="0"/>
+              <a:pPr/>
+              <a:t>17</a:t>
+            </a:fld>
+            <a:endParaRPr lang="en-GB" dirty="0"/>
+          </a:p>
+        </p:txBody>
+      </p:sp>
+    </p:spTree>
+    <p:extLst>
+      <p:ext uri="{BB962C8B-B14F-4D97-AF65-F5344CB8AC3E}">
+        <p14:creationId xmlns:p14="http://schemas.microsoft.com/office/powerpoint/2010/main" val="3949736628"/>
+      </p:ext>
+    </p:extLst>
+  </p:cSld>
+  <p:clrMapOvr>
+    <a:masterClrMapping/>
+  </p:clrMapOvr>
+</p:notes>
+</file>
+
+<file path=ppt/notesSlides/notesSlide18.xml><?xml version="1.0" encoding="utf-8"?>
+<p:notes xmlns:a="http://schemas.openxmlformats.org/drawingml/2006/main" xmlns:r="http://schemas.openxmlformats.org/officeDocument/2006/relationships" xmlns:p="http://schemas.openxmlformats.org/presentationml/2006/main">
+  <p:cSld>
+    <p:spTree>
+      <p:nvGrpSpPr>
+        <p:cNvPr id="1" name=""/>
+        <p:cNvGrpSpPr/>
+        <p:nvPr/>
+      </p:nvGrpSpPr>
+      <p:grpSpPr>
+        <a:xfrm>
+          <a:off x="0" y="0"/>
+          <a:ext cx="0" cy="0"/>
+          <a:chOff x="0" y="0"/>
+          <a:chExt cx="0" cy="0"/>
+        </a:xfrm>
+      </p:grpSpPr>
+      <p:sp>
+        <p:nvSpPr>
+          <p:cNvPr id="2" name="Slide Image Placeholder 1"/>
+          <p:cNvSpPr>
+            <a:spLocks noGrp="1" noRot="1" noChangeAspect="1"/>
+          </p:cNvSpPr>
+          <p:nvPr>
+            <p:ph type="sldImg"/>
+          </p:nvPr>
+        </p:nvSpPr>
+        <p:spPr/>
+      </p:sp>
+      <p:sp>
+        <p:nvSpPr>
+          <p:cNvPr id="3" name="Notes Placeholder 2"/>
+          <p:cNvSpPr>
+            <a:spLocks noGrp="1"/>
+          </p:cNvSpPr>
+          <p:nvPr>
+            <p:ph type="body" idx="1"/>
+          </p:nvPr>
+        </p:nvSpPr>
+        <p:spPr/>
+        <p:txBody>
+          <a:bodyPr/>
+          <a:lstStyle/>
+          <a:p>
+            <a:r>
+              <a:rPr lang="en-GB" dirty="0" smtClean="0"/>
+              <a:t>Thank you! </a:t>
+            </a:r>
+            <a:r>
+              <a:rPr lang="ja-JP" altLang="en-US" sz="900" b="1" i="0" kern="1200" dirty="0" smtClean="0">
+                <a:solidFill>
+                  <a:schemeClr val="tx1"/>
+                </a:solidFill>
+                <a:effectLst/>
+                <a:latin typeface="Arial" panose="020B0604020202020204" pitchFamily="34" charset="0"/>
+                <a:ea typeface="+mn-ea"/>
+                <a:cs typeface="+mn-cs"/>
+              </a:rPr>
+              <a:t>ありがとう</a:t>
+            </a:r>
+            <a:endParaRPr lang="en-GB" dirty="0"/>
+          </a:p>
+        </p:txBody>
+      </p:sp>
+      <p:sp>
+        <p:nvSpPr>
+          <p:cNvPr id="4" name="Slide Number Placeholder 3"/>
+          <p:cNvSpPr>
+            <a:spLocks noGrp="1"/>
+          </p:cNvSpPr>
+          <p:nvPr>
+            <p:ph type="sldNum" sz="quarter" idx="10"/>
+          </p:nvPr>
+        </p:nvSpPr>
+        <p:spPr/>
+        <p:txBody>
+          <a:bodyPr/>
+          <a:lstStyle/>
+          <a:p>
+            <a:fld id="{49436F85-577F-4A92-A47F-D540A2BCC821}" type="slidenum">
+              <a:rPr lang="en-GB" smtClean="0"/>
+              <a:pPr/>
+              <a:t>18</a:t>
+            </a:fld>
+            <a:endParaRPr lang="en-GB" dirty="0"/>
+          </a:p>
+        </p:txBody>
+      </p:sp>
+    </p:spTree>
+    <p:extLst>
+      <p:ext uri="{BB962C8B-B14F-4D97-AF65-F5344CB8AC3E}">
+        <p14:creationId xmlns:p14="http://schemas.microsoft.com/office/powerpoint/2010/main" val="639120717"/>
       </p:ext>
     </p:extLst>
   </p:cSld>
@@ -594,7 +2658,10 @@
           <a:bodyPr/>
           <a:lstStyle/>
           <a:p>
-            <a:endParaRPr lang="en-GB"/>
+            <a:endParaRPr lang="en-GB" baseline="0" dirty="0" smtClean="0"/>
+          </a:p>
+          <a:p>
+            <a:endParaRPr lang="en-GB" dirty="0"/>
           </a:p>
         </p:txBody>
       </p:sp>
@@ -616,7 +2683,7 @@
             <a:fld id="{49436F85-577F-4A92-A47F-D540A2BCC821}" type="slidenum">
               <a:rPr lang="en-GB" smtClean="0"/>
               <a:pPr/>
-              <a:t>5</a:t>
+              <a:t>2</a:t>
             </a:fld>
             <a:endParaRPr lang="en-GB" dirty="0"/>
           </a:p>
@@ -625,7 +2692,7 @@
     </p:spTree>
     <p:extLst>
       <p:ext uri="{BB962C8B-B14F-4D97-AF65-F5344CB8AC3E}">
-        <p14:creationId xmlns:p14="http://schemas.microsoft.com/office/powerpoint/2010/main" val="3498599255"/>
+        <p14:creationId xmlns:p14="http://schemas.microsoft.com/office/powerpoint/2010/main" val="3059621681"/>
       </p:ext>
     </p:extLst>
   </p:cSld>
@@ -679,7 +2746,22 @@
           <a:bodyPr/>
           <a:lstStyle/>
           <a:p>
-            <a:endParaRPr lang="en-GB"/>
+            <a:r>
+              <a:rPr lang="en-US" dirty="0" smtClean="0"/>
+              <a:t>My name is Arturo </a:t>
+            </a:r>
+            <a:r>
+              <a:rPr lang="en-US" dirty="0" err="1" smtClean="0"/>
+              <a:t>Núñez</a:t>
+            </a:r>
+            <a:r>
+              <a:rPr lang="en-US" dirty="0" smtClean="0"/>
+              <a:t>, I work as a product evangelist for the Latin American</a:t>
+            </a:r>
+            <a:r>
+              <a:rPr lang="en-US" baseline="0" dirty="0" smtClean="0"/>
+              <a:t> region. I love games and computer graphics, in fact CG is probably my favorite part of game development. And today I want to share with you a bit of that passion.</a:t>
+            </a:r>
           </a:p>
         </p:txBody>
       </p:sp>
@@ -701,7 +2783,7 @@
             <a:fld id="{49436F85-577F-4A92-A47F-D540A2BCC821}" type="slidenum">
               <a:rPr lang="en-GB" smtClean="0"/>
               <a:pPr/>
-              <a:t>6</a:t>
+              <a:t>3</a:t>
             </a:fld>
             <a:endParaRPr lang="en-GB" dirty="0"/>
           </a:p>
@@ -710,7 +2792,7 @@
     </p:spTree>
     <p:extLst>
       <p:ext uri="{BB962C8B-B14F-4D97-AF65-F5344CB8AC3E}">
-        <p14:creationId xmlns:p14="http://schemas.microsoft.com/office/powerpoint/2010/main" val="328901661"/>
+        <p14:creationId xmlns:p14="http://schemas.microsoft.com/office/powerpoint/2010/main" val="834612668"/>
       </p:ext>
     </p:extLst>
   </p:cSld>
@@ -764,7 +2846,27 @@
           <a:bodyPr/>
           <a:lstStyle/>
           <a:p>
-            <a:endParaRPr lang="en-GB"/>
+            <a:r>
+              <a:rPr lang="en-GB" baseline="0" dirty="0" smtClean="0"/>
+              <a:t>Before we start, if there is one thing that we want to know today is that a </a:t>
+            </a:r>
+            <a:r>
+              <a:rPr lang="en-GB" baseline="0" dirty="0" err="1" smtClean="0"/>
+              <a:t>shader</a:t>
+            </a:r>
+            <a:r>
+              <a:rPr lang="en-GB" baseline="0" dirty="0" smtClean="0"/>
+              <a:t> in the context of Unity, is simply a set of instructions that runs on the GPU (Graphics Processing Unit).</a:t>
+            </a:r>
+          </a:p>
+          <a:p>
+            <a:endParaRPr lang="en-GB" baseline="0" dirty="0" smtClean="0"/>
+          </a:p>
+          <a:p>
+            <a:r>
+              <a:rPr lang="en-GB" baseline="0" dirty="0" smtClean="0"/>
+              <a:t>Some times, when we hear the concept, we think of it as something very complex and difficult. However, it’s not hard and it’s actually very fun to do. Modifying how we tell Unity to draw our objects on the screen.</a:t>
+            </a:r>
           </a:p>
         </p:txBody>
       </p:sp>
@@ -786,7 +2888,7 @@
             <a:fld id="{49436F85-577F-4A92-A47F-D540A2BCC821}" type="slidenum">
               <a:rPr lang="en-GB" smtClean="0"/>
               <a:pPr/>
-              <a:t>7</a:t>
+              <a:t>4</a:t>
             </a:fld>
             <a:endParaRPr lang="en-GB" dirty="0"/>
           </a:p>
@@ -795,7 +2897,7 @@
     </p:spTree>
     <p:extLst>
       <p:ext uri="{BB962C8B-B14F-4D97-AF65-F5344CB8AC3E}">
-        <p14:creationId xmlns:p14="http://schemas.microsoft.com/office/powerpoint/2010/main" val="3797292388"/>
+        <p14:creationId xmlns:p14="http://schemas.microsoft.com/office/powerpoint/2010/main" val="3266998743"/>
       </p:ext>
     </p:extLst>
   </p:cSld>
@@ -849,7 +2951,78 @@
           <a:bodyPr/>
           <a:lstStyle/>
           <a:p>
-            <a:endParaRPr lang="en-GB"/>
+            <a:r>
+              <a:rPr lang="en-US" dirty="0" smtClean="0"/>
+              <a:t>The</a:t>
+            </a:r>
+            <a:r>
+              <a:rPr lang="en-US" baseline="0" dirty="0" smtClean="0"/>
+              <a:t> process of pushing pixels to our phone’s screen, VR headsets or </a:t>
+            </a:r>
+            <a:r>
+              <a:rPr lang="en-US" baseline="0" dirty="0" err="1" smtClean="0"/>
+              <a:t>tvs</a:t>
+            </a:r>
+            <a:r>
+              <a:rPr lang="en-US" baseline="0" dirty="0" smtClean="0"/>
+              <a:t> is called rendering. In our case we focus on real time render, which basically means, our program will be generating many images per second (usually 30, 60 or 90).</a:t>
+            </a:r>
+          </a:p>
+          <a:p>
+            <a:endParaRPr lang="en-US" baseline="0" dirty="0" smtClean="0"/>
+          </a:p>
+          <a:p>
+            <a:r>
+              <a:rPr lang="en-US" baseline="0" dirty="0" smtClean="0"/>
+              <a:t>Then, the process of transforming a 3D scene (even if it’s a 2D game) is very complex, however when we talk about </a:t>
+            </a:r>
+            <a:r>
+              <a:rPr lang="en-US" baseline="0" dirty="0" err="1" smtClean="0"/>
+              <a:t>shader</a:t>
+            </a:r>
+            <a:r>
+              <a:rPr lang="en-US" baseline="0" dirty="0" smtClean="0"/>
+              <a:t> programming in Unity we simplify it a bit and focus mainly in the Vertex and Fragment programs in a </a:t>
+            </a:r>
+            <a:r>
+              <a:rPr lang="en-US" baseline="0" dirty="0" err="1" smtClean="0"/>
+              <a:t>Shader</a:t>
+            </a:r>
+            <a:r>
+              <a:rPr lang="en-US" baseline="0" dirty="0" smtClean="0"/>
+              <a:t>.</a:t>
+            </a:r>
+            <a:endParaRPr lang="en-US" dirty="0" smtClean="0"/>
+          </a:p>
+          <a:p>
+            <a:endParaRPr lang="en-US" dirty="0" smtClean="0"/>
+          </a:p>
+          <a:p>
+            <a:r>
+              <a:rPr lang="en-US" dirty="0" smtClean="0"/>
+              <a:t>TODO:</a:t>
+            </a:r>
+            <a:r>
+              <a:rPr lang="en-US" baseline="0" dirty="0" smtClean="0"/>
+              <a:t> Replace the graphic or credit it correctly.</a:t>
+            </a:r>
+            <a:endParaRPr lang="en-US" dirty="0" smtClean="0"/>
+          </a:p>
+          <a:p>
+            <a:endParaRPr lang="en-US" dirty="0" smtClean="0"/>
+          </a:p>
+          <a:p>
+            <a:r>
+              <a:rPr lang="en-US" dirty="0" smtClean="0"/>
+              <a:t>The Rendering Pipeline</a:t>
+            </a:r>
+          </a:p>
+          <a:p>
+            <a:r>
+              <a:rPr lang="en-US" dirty="0" smtClean="0"/>
+              <a:t>Credit here: http://fragmentbuffer.com/gpu-performance-for-game-artists/</a:t>
+            </a:r>
+            <a:endParaRPr lang="en-US" dirty="0"/>
           </a:p>
         </p:txBody>
       </p:sp>
@@ -871,7 +3044,7 @@
             <a:fld id="{49436F85-577F-4A92-A47F-D540A2BCC821}" type="slidenum">
               <a:rPr lang="en-GB" smtClean="0"/>
               <a:pPr/>
-              <a:t>8</a:t>
+              <a:t>5</a:t>
             </a:fld>
             <a:endParaRPr lang="en-GB" dirty="0"/>
           </a:p>
@@ -880,7 +3053,7 @@
     </p:spTree>
     <p:extLst>
       <p:ext uri="{BB962C8B-B14F-4D97-AF65-F5344CB8AC3E}">
-        <p14:creationId xmlns:p14="http://schemas.microsoft.com/office/powerpoint/2010/main" val="4020425310"/>
+        <p14:creationId xmlns:p14="http://schemas.microsoft.com/office/powerpoint/2010/main" val="3635113941"/>
       </p:ext>
     </p:extLst>
   </p:cSld>
@@ -934,7 +3107,356 @@
           <a:bodyPr/>
           <a:lstStyle/>
           <a:p>
-            <a:endParaRPr lang="en-GB"/>
+            <a:r>
+              <a:rPr lang="es-MX" dirty="0" err="1" smtClean="0"/>
+              <a:t>There</a:t>
+            </a:r>
+            <a:r>
+              <a:rPr lang="es-MX" dirty="0" smtClean="0"/>
+              <a:t> are </a:t>
+            </a:r>
+            <a:r>
+              <a:rPr lang="es-MX" dirty="0" err="1" smtClean="0"/>
+              <a:t>multiples</a:t>
+            </a:r>
+            <a:r>
+              <a:rPr lang="es-MX" dirty="0" smtClean="0"/>
+              <a:t> </a:t>
+            </a:r>
+            <a:r>
+              <a:rPr lang="es-MX" dirty="0" err="1" smtClean="0"/>
+              <a:t>types</a:t>
+            </a:r>
+            <a:r>
+              <a:rPr lang="es-MX" dirty="0" smtClean="0"/>
+              <a:t> of </a:t>
+            </a:r>
+            <a:r>
+              <a:rPr lang="es-MX" dirty="0" err="1" smtClean="0"/>
+              <a:t>shaders</a:t>
+            </a:r>
+            <a:r>
+              <a:rPr lang="es-MX" dirty="0" smtClean="0"/>
+              <a:t>, </a:t>
+            </a:r>
+            <a:r>
+              <a:rPr lang="es-MX" dirty="0" err="1" smtClean="0"/>
+              <a:t>but</a:t>
+            </a:r>
+            <a:r>
+              <a:rPr lang="es-MX" dirty="0" smtClean="0"/>
+              <a:t> </a:t>
+            </a:r>
+            <a:r>
+              <a:rPr lang="es-MX" dirty="0" err="1" smtClean="0"/>
+              <a:t>for</a:t>
+            </a:r>
+            <a:r>
+              <a:rPr lang="es-MX" dirty="0" smtClean="0"/>
+              <a:t> </a:t>
+            </a:r>
+            <a:r>
+              <a:rPr lang="es-MX" dirty="0" err="1" smtClean="0"/>
+              <a:t>now</a:t>
+            </a:r>
+            <a:r>
+              <a:rPr lang="es-MX" dirty="0" smtClean="0"/>
+              <a:t> </a:t>
+            </a:r>
+            <a:r>
+              <a:rPr lang="es-MX" dirty="0" err="1" smtClean="0"/>
+              <a:t>we</a:t>
+            </a:r>
+            <a:r>
+              <a:rPr lang="es-MX" dirty="0" smtClean="0"/>
+              <a:t> </a:t>
+            </a:r>
+            <a:r>
+              <a:rPr lang="es-MX" dirty="0" err="1" smtClean="0"/>
+              <a:t>will</a:t>
+            </a:r>
+            <a:r>
+              <a:rPr lang="es-MX" baseline="0" dirty="0" smtClean="0"/>
+              <a:t> </a:t>
+            </a:r>
+            <a:r>
+              <a:rPr lang="es-MX" baseline="0" dirty="0" err="1" smtClean="0"/>
+              <a:t>focus</a:t>
+            </a:r>
+            <a:r>
+              <a:rPr lang="es-MX" baseline="0" dirty="0" smtClean="0"/>
+              <a:t> </a:t>
+            </a:r>
+            <a:r>
+              <a:rPr lang="es-MX" baseline="0" dirty="0" err="1" smtClean="0"/>
+              <a:t>on</a:t>
+            </a:r>
+            <a:r>
+              <a:rPr lang="es-MX" baseline="0" dirty="0" smtClean="0"/>
+              <a:t> </a:t>
+            </a:r>
+            <a:r>
+              <a:rPr lang="es-MX" baseline="0" dirty="0" err="1" smtClean="0"/>
+              <a:t>the</a:t>
+            </a:r>
+            <a:r>
+              <a:rPr lang="es-MX" baseline="0" dirty="0" smtClean="0"/>
+              <a:t> </a:t>
+            </a:r>
+            <a:r>
+              <a:rPr lang="es-MX" baseline="0" dirty="0" err="1" smtClean="0"/>
+              <a:t>three</a:t>
+            </a:r>
+            <a:r>
+              <a:rPr lang="es-MX" baseline="0" dirty="0" smtClean="0"/>
+              <a:t> </a:t>
+            </a:r>
+            <a:r>
+              <a:rPr lang="es-MX" baseline="0" dirty="0" err="1" smtClean="0"/>
+              <a:t>basic</a:t>
+            </a:r>
+            <a:r>
+              <a:rPr lang="es-MX" baseline="0" dirty="0" smtClean="0"/>
+              <a:t> </a:t>
+            </a:r>
+            <a:r>
+              <a:rPr lang="es-MX" baseline="0" dirty="0" err="1" smtClean="0"/>
+              <a:t>shader</a:t>
+            </a:r>
+            <a:r>
+              <a:rPr lang="es-MX" baseline="0" dirty="0" smtClean="0"/>
+              <a:t> </a:t>
+            </a:r>
+            <a:r>
+              <a:rPr lang="es-MX" baseline="0" dirty="0" err="1" smtClean="0"/>
+              <a:t>programs</a:t>
+            </a:r>
+            <a:r>
+              <a:rPr lang="es-MX" baseline="0" dirty="0" smtClean="0"/>
+              <a:t> </a:t>
+            </a:r>
+            <a:r>
+              <a:rPr lang="es-MX" baseline="0" dirty="0" err="1" smtClean="0"/>
+              <a:t>available</a:t>
+            </a:r>
+            <a:r>
+              <a:rPr lang="es-MX" baseline="0" dirty="0" smtClean="0"/>
+              <a:t> to </a:t>
+            </a:r>
+            <a:r>
+              <a:rPr lang="es-MX" baseline="0" dirty="0" err="1" smtClean="0"/>
+              <a:t>us</a:t>
+            </a:r>
+            <a:r>
+              <a:rPr lang="es-MX" baseline="0" dirty="0" smtClean="0"/>
+              <a:t> in </a:t>
+            </a:r>
+            <a:r>
+              <a:rPr lang="es-MX" baseline="0" dirty="0" err="1" smtClean="0"/>
+              <a:t>Unity</a:t>
+            </a:r>
+            <a:r>
+              <a:rPr lang="es-MX" baseline="0" dirty="0" smtClean="0"/>
+              <a:t>. </a:t>
+            </a:r>
+            <a:r>
+              <a:rPr lang="es-MX" baseline="0" dirty="0" err="1" smtClean="0"/>
+              <a:t>Which</a:t>
+            </a:r>
+            <a:r>
+              <a:rPr lang="es-MX" baseline="0" dirty="0" smtClean="0"/>
+              <a:t> are </a:t>
+            </a:r>
+            <a:r>
+              <a:rPr lang="es-MX" baseline="0" dirty="0" err="1" smtClean="0"/>
+              <a:t>the</a:t>
+            </a:r>
+            <a:r>
+              <a:rPr lang="es-MX" baseline="0" dirty="0" smtClean="0"/>
+              <a:t> </a:t>
+            </a:r>
+            <a:r>
+              <a:rPr lang="es-MX" baseline="0" dirty="0" err="1" smtClean="0"/>
+              <a:t>vertex</a:t>
+            </a:r>
+            <a:r>
+              <a:rPr lang="es-MX" baseline="0" dirty="0" smtClean="0"/>
+              <a:t> </a:t>
+            </a:r>
+            <a:r>
+              <a:rPr lang="es-MX" baseline="0" dirty="0" err="1" smtClean="0"/>
+              <a:t>shaders</a:t>
+            </a:r>
+            <a:r>
+              <a:rPr lang="es-MX" baseline="0" dirty="0" smtClean="0"/>
+              <a:t>, </a:t>
+            </a:r>
+            <a:r>
+              <a:rPr lang="es-MX" baseline="0" dirty="0" err="1" smtClean="0"/>
+              <a:t>the</a:t>
+            </a:r>
+            <a:r>
+              <a:rPr lang="es-MX" baseline="0" dirty="0" smtClean="0"/>
+              <a:t> </a:t>
+            </a:r>
+            <a:r>
+              <a:rPr lang="es-MX" baseline="0" dirty="0" err="1" smtClean="0"/>
+              <a:t>fragment</a:t>
+            </a:r>
+            <a:r>
+              <a:rPr lang="es-MX" baseline="0" dirty="0" smtClean="0"/>
+              <a:t> </a:t>
+            </a:r>
+            <a:r>
+              <a:rPr lang="es-MX" baseline="0" dirty="0" err="1" smtClean="0"/>
+              <a:t>or</a:t>
+            </a:r>
+            <a:r>
+              <a:rPr lang="es-MX" baseline="0" dirty="0" smtClean="0"/>
+              <a:t> pixel </a:t>
+            </a:r>
+            <a:r>
+              <a:rPr lang="es-MX" baseline="0" dirty="0" err="1" smtClean="0"/>
+              <a:t>shaders</a:t>
+            </a:r>
+            <a:r>
+              <a:rPr lang="es-MX" baseline="0" dirty="0" smtClean="0"/>
+              <a:t> and </a:t>
+            </a:r>
+            <a:r>
+              <a:rPr lang="es-MX" baseline="0" dirty="0" err="1" smtClean="0"/>
+              <a:t>the</a:t>
+            </a:r>
+            <a:r>
+              <a:rPr lang="es-MX" baseline="0" dirty="0" smtClean="0"/>
+              <a:t> Surface </a:t>
+            </a:r>
+            <a:r>
+              <a:rPr lang="es-MX" baseline="0" dirty="0" err="1" smtClean="0"/>
+              <a:t>shaders</a:t>
+            </a:r>
+            <a:r>
+              <a:rPr lang="es-MX" baseline="0" dirty="0" smtClean="0"/>
+              <a:t>.</a:t>
+            </a:r>
+          </a:p>
+          <a:p>
+            <a:endParaRPr lang="es-MX" baseline="0" dirty="0" smtClean="0"/>
+          </a:p>
+          <a:p>
+            <a:r>
+              <a:rPr lang="es-MX" baseline="0" dirty="0" err="1" smtClean="0"/>
+              <a:t>There</a:t>
+            </a:r>
+            <a:r>
+              <a:rPr lang="es-MX" baseline="0" dirty="0" smtClean="0"/>
+              <a:t> are more </a:t>
+            </a:r>
+            <a:r>
+              <a:rPr lang="es-MX" baseline="0" dirty="0" err="1" smtClean="0"/>
+              <a:t>type</a:t>
+            </a:r>
+            <a:r>
+              <a:rPr lang="es-MX" baseline="0" dirty="0" smtClean="0"/>
+              <a:t> of </a:t>
+            </a:r>
+            <a:r>
+              <a:rPr lang="es-MX" baseline="0" dirty="0" err="1" smtClean="0"/>
+              <a:t>shaders</a:t>
+            </a:r>
+            <a:r>
+              <a:rPr lang="es-MX" baseline="0" dirty="0" smtClean="0"/>
+              <a:t>, </a:t>
+            </a:r>
+            <a:r>
+              <a:rPr lang="es-MX" baseline="0" dirty="0" err="1" smtClean="0"/>
+              <a:t>but</a:t>
+            </a:r>
+            <a:r>
+              <a:rPr lang="es-MX" baseline="0" dirty="0" smtClean="0"/>
+              <a:t> </a:t>
+            </a:r>
+            <a:r>
+              <a:rPr lang="es-MX" baseline="0" dirty="0" err="1" smtClean="0"/>
+              <a:t>for</a:t>
+            </a:r>
+            <a:r>
+              <a:rPr lang="es-MX" baseline="0" dirty="0" smtClean="0"/>
+              <a:t> </a:t>
+            </a:r>
+            <a:r>
+              <a:rPr lang="es-MX" baseline="0" dirty="0" err="1" smtClean="0"/>
+              <a:t>an</a:t>
+            </a:r>
+            <a:r>
+              <a:rPr lang="es-MX" baseline="0" dirty="0" smtClean="0"/>
+              <a:t> </a:t>
+            </a:r>
+            <a:r>
+              <a:rPr lang="es-MX" baseline="0" dirty="0" err="1" smtClean="0"/>
+              <a:t>introduction</a:t>
+            </a:r>
+            <a:r>
+              <a:rPr lang="es-MX" baseline="0" dirty="0" smtClean="0"/>
+              <a:t> </a:t>
+            </a:r>
+            <a:r>
+              <a:rPr lang="es-MX" baseline="0" dirty="0" err="1" smtClean="0"/>
+              <a:t>presentation</a:t>
+            </a:r>
+            <a:r>
+              <a:rPr lang="es-MX" baseline="0" dirty="0" smtClean="0"/>
+              <a:t> </a:t>
+            </a:r>
+            <a:r>
+              <a:rPr lang="es-MX" baseline="0" dirty="0" err="1" smtClean="0"/>
+              <a:t>we</a:t>
+            </a:r>
+            <a:r>
+              <a:rPr lang="es-MX" baseline="0" dirty="0" smtClean="0"/>
+              <a:t> </a:t>
+            </a:r>
+            <a:r>
+              <a:rPr lang="es-MX" baseline="0" dirty="0" err="1" smtClean="0"/>
+              <a:t>will</a:t>
+            </a:r>
+            <a:r>
+              <a:rPr lang="es-MX" baseline="0" dirty="0" smtClean="0"/>
+              <a:t> </a:t>
+            </a:r>
+            <a:r>
+              <a:rPr lang="es-MX" baseline="0" dirty="0" err="1" smtClean="0"/>
+              <a:t>not</a:t>
+            </a:r>
+            <a:r>
+              <a:rPr lang="es-MX" baseline="0" dirty="0" smtClean="0"/>
+              <a:t> </a:t>
+            </a:r>
+            <a:r>
+              <a:rPr lang="es-MX" baseline="0" dirty="0" err="1" smtClean="0"/>
+              <a:t>talk</a:t>
+            </a:r>
+            <a:r>
+              <a:rPr lang="es-MX" baseline="0" dirty="0" smtClean="0"/>
+              <a:t> </a:t>
+            </a:r>
+            <a:r>
+              <a:rPr lang="es-MX" baseline="0" dirty="0" err="1" smtClean="0"/>
+              <a:t>about</a:t>
+            </a:r>
+            <a:r>
+              <a:rPr lang="es-MX" baseline="0" dirty="0" smtClean="0"/>
+              <a:t> </a:t>
+            </a:r>
+            <a:r>
+              <a:rPr lang="es-MX" baseline="0" dirty="0" err="1" smtClean="0"/>
+              <a:t>them</a:t>
+            </a:r>
+            <a:r>
+              <a:rPr lang="es-MX" baseline="0" dirty="0" smtClean="0"/>
+              <a:t>.</a:t>
+            </a:r>
+            <a:endParaRPr lang="en-US" dirty="0"/>
           </a:p>
         </p:txBody>
       </p:sp>
@@ -956,7 +3478,7 @@
             <a:fld id="{49436F85-577F-4A92-A47F-D540A2BCC821}" type="slidenum">
               <a:rPr lang="en-GB" smtClean="0"/>
               <a:pPr/>
-              <a:t>10</a:t>
+              <a:t>6</a:t>
             </a:fld>
             <a:endParaRPr lang="en-GB" dirty="0"/>
           </a:p>
@@ -965,7 +3487,1800 @@
     </p:spTree>
     <p:extLst>
       <p:ext uri="{BB962C8B-B14F-4D97-AF65-F5344CB8AC3E}">
-        <p14:creationId xmlns:p14="http://schemas.microsoft.com/office/powerpoint/2010/main" val="947654780"/>
+        <p14:creationId xmlns:p14="http://schemas.microsoft.com/office/powerpoint/2010/main" val="2695115392"/>
+      </p:ext>
+    </p:extLst>
+  </p:cSld>
+  <p:clrMapOvr>
+    <a:masterClrMapping/>
+  </p:clrMapOvr>
+</p:notes>
+</file>
+
+<file path=ppt/notesSlides/notesSlide7.xml><?xml version="1.0" encoding="utf-8"?>
+<p:notes xmlns:a="http://schemas.openxmlformats.org/drawingml/2006/main" xmlns:r="http://schemas.openxmlformats.org/officeDocument/2006/relationships" xmlns:p="http://schemas.openxmlformats.org/presentationml/2006/main">
+  <p:cSld>
+    <p:spTree>
+      <p:nvGrpSpPr>
+        <p:cNvPr id="1" name=""/>
+        <p:cNvGrpSpPr/>
+        <p:nvPr/>
+      </p:nvGrpSpPr>
+      <p:grpSpPr>
+        <a:xfrm>
+          <a:off x="0" y="0"/>
+          <a:ext cx="0" cy="0"/>
+          <a:chOff x="0" y="0"/>
+          <a:chExt cx="0" cy="0"/>
+        </a:xfrm>
+      </p:grpSpPr>
+      <p:sp>
+        <p:nvSpPr>
+          <p:cNvPr id="2" name="Slide Image Placeholder 1"/>
+          <p:cNvSpPr>
+            <a:spLocks noGrp="1" noRot="1" noChangeAspect="1"/>
+          </p:cNvSpPr>
+          <p:nvPr>
+            <p:ph type="sldImg"/>
+          </p:nvPr>
+        </p:nvSpPr>
+        <p:spPr/>
+      </p:sp>
+      <p:sp>
+        <p:nvSpPr>
+          <p:cNvPr id="3" name="Notes Placeholder 2"/>
+          <p:cNvSpPr>
+            <a:spLocks noGrp="1"/>
+          </p:cNvSpPr>
+          <p:nvPr>
+            <p:ph type="body" idx="1"/>
+          </p:nvPr>
+        </p:nvSpPr>
+        <p:spPr/>
+        <p:txBody>
+          <a:bodyPr/>
+          <a:lstStyle/>
+          <a:p>
+            <a:r>
+              <a:rPr lang="es-MX" dirty="0" err="1" smtClean="0"/>
+              <a:t>When</a:t>
+            </a:r>
+            <a:r>
+              <a:rPr lang="es-MX" dirty="0" smtClean="0"/>
+              <a:t> </a:t>
+            </a:r>
+            <a:r>
+              <a:rPr lang="es-MX" dirty="0" err="1" smtClean="0"/>
+              <a:t>programming</a:t>
+            </a:r>
+            <a:r>
+              <a:rPr lang="es-MX" baseline="0" dirty="0" smtClean="0"/>
+              <a:t> </a:t>
+            </a:r>
+            <a:r>
+              <a:rPr lang="es-MX" baseline="0" dirty="0" err="1" smtClean="0"/>
+              <a:t>shaders</a:t>
+            </a:r>
+            <a:r>
+              <a:rPr lang="es-MX" baseline="0" dirty="0" smtClean="0"/>
+              <a:t> in </a:t>
+            </a:r>
+            <a:r>
+              <a:rPr lang="es-MX" baseline="0" dirty="0" err="1" smtClean="0"/>
+              <a:t>Unity</a:t>
+            </a:r>
+            <a:r>
+              <a:rPr lang="es-MX" baseline="0" dirty="0" smtClean="0"/>
+              <a:t>, </a:t>
+            </a:r>
+            <a:r>
+              <a:rPr lang="es-MX" baseline="0" dirty="0" err="1" smtClean="0"/>
+              <a:t>we</a:t>
+            </a:r>
+            <a:r>
+              <a:rPr lang="es-MX" baseline="0" dirty="0" smtClean="0"/>
+              <a:t> </a:t>
+            </a:r>
+            <a:r>
+              <a:rPr lang="es-MX" baseline="0" dirty="0" err="1" smtClean="0"/>
+              <a:t>need</a:t>
+            </a:r>
+            <a:r>
+              <a:rPr lang="es-MX" baseline="0" dirty="0" smtClean="0"/>
+              <a:t> to </a:t>
+            </a:r>
+            <a:r>
+              <a:rPr lang="es-MX" baseline="0" dirty="0" err="1" smtClean="0"/>
+              <a:t>remember</a:t>
+            </a:r>
+            <a:r>
+              <a:rPr lang="es-MX" baseline="0" dirty="0" smtClean="0"/>
+              <a:t> </a:t>
+            </a:r>
+            <a:r>
+              <a:rPr lang="es-MX" baseline="0" dirty="0" err="1" smtClean="0"/>
+              <a:t>that</a:t>
+            </a:r>
+            <a:r>
+              <a:rPr lang="es-MX" baseline="0" dirty="0" smtClean="0"/>
+              <a:t> </a:t>
+            </a:r>
+            <a:r>
+              <a:rPr lang="es-MX" baseline="0" dirty="0" err="1" smtClean="0"/>
+              <a:t>we</a:t>
+            </a:r>
+            <a:r>
+              <a:rPr lang="es-MX" baseline="0" dirty="0" smtClean="0"/>
+              <a:t> </a:t>
+            </a:r>
+            <a:r>
+              <a:rPr lang="es-MX" baseline="0" dirty="0" err="1" smtClean="0"/>
+              <a:t>will</a:t>
+            </a:r>
+            <a:r>
+              <a:rPr lang="es-MX" baseline="0" dirty="0" smtClean="0"/>
+              <a:t> be </a:t>
+            </a:r>
+            <a:r>
+              <a:rPr lang="es-MX" baseline="0" dirty="0" err="1" smtClean="0"/>
+              <a:t>dealing</a:t>
+            </a:r>
+            <a:r>
+              <a:rPr lang="es-MX" baseline="0" dirty="0" smtClean="0"/>
+              <a:t> </a:t>
+            </a:r>
+            <a:r>
+              <a:rPr lang="es-MX" baseline="0" dirty="0" err="1" smtClean="0"/>
+              <a:t>with</a:t>
+            </a:r>
+            <a:r>
+              <a:rPr lang="es-MX" baseline="0" dirty="0" smtClean="0"/>
+              <a:t> </a:t>
+            </a:r>
+            <a:r>
+              <a:rPr lang="es-MX" baseline="0" dirty="0" err="1" smtClean="0"/>
+              <a:t>two</a:t>
+            </a:r>
+            <a:r>
+              <a:rPr lang="es-MX" baseline="0" dirty="0" smtClean="0"/>
+              <a:t> </a:t>
+            </a:r>
+            <a:r>
+              <a:rPr lang="es-MX" baseline="0" dirty="0" err="1" smtClean="0"/>
+              <a:t>programming</a:t>
+            </a:r>
+            <a:r>
+              <a:rPr lang="es-MX" baseline="0" dirty="0" smtClean="0"/>
+              <a:t> </a:t>
+            </a:r>
+            <a:r>
+              <a:rPr lang="es-MX" baseline="0" dirty="0" err="1" smtClean="0"/>
+              <a:t>languages</a:t>
+            </a:r>
+            <a:r>
+              <a:rPr lang="es-MX" baseline="0" dirty="0" smtClean="0"/>
+              <a:t>;</a:t>
+            </a:r>
+          </a:p>
+          <a:p>
+            <a:endParaRPr lang="es-MX" baseline="0" dirty="0" smtClean="0"/>
+          </a:p>
+          <a:p>
+            <a:r>
+              <a:rPr lang="es-MX" baseline="0" dirty="0" err="1" smtClean="0"/>
+              <a:t>One</a:t>
+            </a:r>
+            <a:r>
+              <a:rPr lang="es-MX" baseline="0" dirty="0" smtClean="0"/>
+              <a:t>, </a:t>
+            </a:r>
+            <a:r>
+              <a:rPr lang="es-MX" baseline="0" dirty="0" err="1" smtClean="0"/>
+              <a:t>is</a:t>
+            </a:r>
+            <a:r>
+              <a:rPr lang="es-MX" baseline="0" dirty="0" smtClean="0"/>
+              <a:t> CG, </a:t>
+            </a:r>
+            <a:r>
+              <a:rPr lang="es-MX" baseline="0" dirty="0" err="1" smtClean="0"/>
+              <a:t>invented</a:t>
+            </a:r>
+            <a:r>
+              <a:rPr lang="es-MX" baseline="0" dirty="0" smtClean="0"/>
+              <a:t> </a:t>
+            </a:r>
+            <a:r>
+              <a:rPr lang="es-MX" baseline="0" dirty="0" err="1" smtClean="0"/>
+              <a:t>by</a:t>
+            </a:r>
+            <a:r>
+              <a:rPr lang="es-MX" baseline="0" dirty="0" smtClean="0"/>
+              <a:t> </a:t>
+            </a:r>
+            <a:r>
+              <a:rPr lang="es-MX" baseline="0" dirty="0" err="1" smtClean="0"/>
+              <a:t>Nvidia</a:t>
+            </a:r>
+            <a:r>
+              <a:rPr lang="es-MX" baseline="0" dirty="0" smtClean="0"/>
+              <a:t> and </a:t>
+            </a:r>
+            <a:r>
+              <a:rPr lang="es-MX" baseline="0" dirty="0" err="1" smtClean="0"/>
+              <a:t>also</a:t>
+            </a:r>
+            <a:r>
+              <a:rPr lang="es-MX" baseline="0" dirty="0" smtClean="0"/>
+              <a:t> </a:t>
+            </a:r>
+            <a:r>
+              <a:rPr lang="es-MX" baseline="0" dirty="0" err="1" smtClean="0"/>
+              <a:t>known</a:t>
+            </a:r>
+            <a:r>
+              <a:rPr lang="es-MX" baseline="0" dirty="0" smtClean="0"/>
+              <a:t> as C </a:t>
+            </a:r>
+            <a:r>
+              <a:rPr lang="es-MX" baseline="0" dirty="0" err="1" smtClean="0"/>
+              <a:t>for</a:t>
+            </a:r>
+            <a:r>
+              <a:rPr lang="es-MX" baseline="0" dirty="0" smtClean="0"/>
+              <a:t> </a:t>
+            </a:r>
+            <a:r>
+              <a:rPr lang="es-MX" baseline="0" dirty="0" err="1" smtClean="0"/>
+              <a:t>Graphics</a:t>
+            </a:r>
+            <a:r>
+              <a:rPr lang="es-MX" baseline="0" dirty="0" smtClean="0"/>
+              <a:t>, </a:t>
+            </a:r>
+            <a:r>
+              <a:rPr lang="es-MX" baseline="0" dirty="0" err="1" smtClean="0"/>
+              <a:t>it’s</a:t>
+            </a:r>
+            <a:r>
+              <a:rPr lang="es-MX" baseline="0" dirty="0" smtClean="0"/>
+              <a:t> </a:t>
+            </a:r>
+            <a:r>
+              <a:rPr lang="es-MX" baseline="0" dirty="0" err="1" smtClean="0"/>
+              <a:t>syntax</a:t>
+            </a:r>
+            <a:r>
+              <a:rPr lang="es-MX" baseline="0" dirty="0" smtClean="0"/>
+              <a:t> </a:t>
+            </a:r>
+            <a:r>
+              <a:rPr lang="es-MX" baseline="0" dirty="0" err="1" smtClean="0"/>
+              <a:t>is</a:t>
+            </a:r>
+            <a:r>
+              <a:rPr lang="es-MX" baseline="0" dirty="0" smtClean="0"/>
+              <a:t> similar to </a:t>
+            </a:r>
+            <a:r>
+              <a:rPr lang="es-MX" baseline="0" dirty="0" err="1" smtClean="0"/>
+              <a:t>the</a:t>
+            </a:r>
+            <a:r>
+              <a:rPr lang="es-MX" baseline="0" dirty="0" smtClean="0"/>
+              <a:t> </a:t>
+            </a:r>
+            <a:r>
+              <a:rPr lang="es-MX" baseline="0" dirty="0" err="1" smtClean="0"/>
+              <a:t>one</a:t>
+            </a:r>
+            <a:r>
+              <a:rPr lang="es-MX" baseline="0" dirty="0" smtClean="0"/>
+              <a:t> </a:t>
+            </a:r>
+            <a:r>
+              <a:rPr lang="es-MX" baseline="0" dirty="0" err="1" smtClean="0"/>
+              <a:t>from</a:t>
+            </a:r>
+            <a:r>
+              <a:rPr lang="es-MX" baseline="0" dirty="0" smtClean="0"/>
+              <a:t> </a:t>
+            </a:r>
+            <a:r>
+              <a:rPr lang="es-MX" baseline="0" dirty="0" err="1" smtClean="0"/>
+              <a:t>the</a:t>
+            </a:r>
+            <a:r>
+              <a:rPr lang="es-MX" baseline="0" dirty="0" smtClean="0"/>
+              <a:t> C </a:t>
+            </a:r>
+            <a:r>
+              <a:rPr lang="es-MX" baseline="0" dirty="0" err="1" smtClean="0"/>
+              <a:t>language</a:t>
+            </a:r>
+            <a:r>
+              <a:rPr lang="es-MX" baseline="0" dirty="0" smtClean="0"/>
+              <a:t>. And </a:t>
+            </a:r>
+            <a:r>
+              <a:rPr lang="es-MX" baseline="0" dirty="0" err="1" smtClean="0"/>
+              <a:t>here</a:t>
+            </a:r>
+            <a:r>
+              <a:rPr lang="es-MX" baseline="0" dirty="0" smtClean="0"/>
+              <a:t> </a:t>
+            </a:r>
+            <a:r>
+              <a:rPr lang="es-MX" baseline="0" dirty="0" err="1" smtClean="0"/>
+              <a:t>is</a:t>
+            </a:r>
+            <a:r>
+              <a:rPr lang="es-MX" baseline="0" dirty="0" smtClean="0"/>
+              <a:t> </a:t>
+            </a:r>
+            <a:r>
+              <a:rPr lang="es-MX" baseline="0" dirty="0" err="1" smtClean="0"/>
+              <a:t>where</a:t>
+            </a:r>
+            <a:r>
+              <a:rPr lang="es-MX" baseline="0" dirty="0" smtClean="0"/>
+              <a:t> </a:t>
+            </a:r>
+            <a:r>
+              <a:rPr lang="es-MX" baseline="0" dirty="0" err="1" smtClean="0"/>
+              <a:t>we</a:t>
+            </a:r>
+            <a:r>
+              <a:rPr lang="es-MX" baseline="0" dirty="0" smtClean="0"/>
+              <a:t> </a:t>
+            </a:r>
+            <a:r>
+              <a:rPr lang="es-MX" baseline="0" dirty="0" err="1" smtClean="0"/>
+              <a:t>will</a:t>
+            </a:r>
+            <a:r>
+              <a:rPr lang="es-MX" baseline="0" dirty="0" smtClean="0"/>
+              <a:t> be </a:t>
+            </a:r>
+            <a:r>
+              <a:rPr lang="es-MX" baseline="0" dirty="0" err="1" smtClean="0"/>
+              <a:t>doing</a:t>
+            </a:r>
+            <a:r>
+              <a:rPr lang="es-MX" baseline="0" dirty="0" smtClean="0"/>
+              <a:t> </a:t>
+            </a:r>
+            <a:r>
+              <a:rPr lang="es-MX" baseline="0" dirty="0" err="1" smtClean="0"/>
+              <a:t>all</a:t>
+            </a:r>
+            <a:r>
+              <a:rPr lang="es-MX" baseline="0" dirty="0" smtClean="0"/>
+              <a:t> </a:t>
+            </a:r>
+            <a:r>
+              <a:rPr lang="es-MX" baseline="0" dirty="0" err="1" smtClean="0"/>
+              <a:t>the</a:t>
+            </a:r>
+            <a:r>
+              <a:rPr lang="es-MX" baseline="0" dirty="0" smtClean="0"/>
+              <a:t> heavy </a:t>
+            </a:r>
+            <a:r>
+              <a:rPr lang="es-MX" baseline="0" dirty="0" err="1" smtClean="0"/>
+              <a:t>weightlifting</a:t>
+            </a:r>
+            <a:r>
+              <a:rPr lang="es-MX" baseline="0" dirty="0" smtClean="0"/>
+              <a:t>, </a:t>
+            </a:r>
+            <a:r>
+              <a:rPr lang="es-MX" baseline="0" dirty="0" err="1" smtClean="0"/>
+              <a:t>calculations</a:t>
+            </a:r>
+            <a:r>
+              <a:rPr lang="es-MX" baseline="0" dirty="0" smtClean="0"/>
+              <a:t>, etc.</a:t>
+            </a:r>
+          </a:p>
+          <a:p>
+            <a:endParaRPr lang="es-MX" baseline="0" dirty="0" smtClean="0"/>
+          </a:p>
+          <a:p>
+            <a:r>
+              <a:rPr lang="es-MX" baseline="0" dirty="0" err="1" smtClean="0"/>
+              <a:t>On</a:t>
+            </a:r>
+            <a:r>
+              <a:rPr lang="es-MX" baseline="0" dirty="0" smtClean="0"/>
+              <a:t> </a:t>
+            </a:r>
+            <a:r>
+              <a:rPr lang="es-MX" baseline="0" dirty="0" err="1" smtClean="0"/>
+              <a:t>the</a:t>
+            </a:r>
+            <a:r>
+              <a:rPr lang="es-MX" baseline="0" dirty="0" smtClean="0"/>
+              <a:t> </a:t>
+            </a:r>
+            <a:r>
+              <a:rPr lang="es-MX" baseline="0" dirty="0" err="1" smtClean="0"/>
+              <a:t>other</a:t>
+            </a:r>
+            <a:r>
+              <a:rPr lang="es-MX" baseline="0" dirty="0" smtClean="0"/>
+              <a:t> </a:t>
+            </a:r>
+            <a:r>
+              <a:rPr lang="es-MX" baseline="0" dirty="0" err="1" smtClean="0"/>
+              <a:t>hand</a:t>
+            </a:r>
+            <a:r>
+              <a:rPr lang="es-MX" baseline="0" dirty="0" smtClean="0"/>
+              <a:t>, </a:t>
+            </a:r>
+            <a:r>
+              <a:rPr lang="es-MX" baseline="0" dirty="0" err="1" smtClean="0"/>
+              <a:t>we</a:t>
+            </a:r>
+            <a:r>
+              <a:rPr lang="es-MX" baseline="0" dirty="0" smtClean="0"/>
+              <a:t> </a:t>
+            </a:r>
+            <a:r>
+              <a:rPr lang="es-MX" baseline="0" dirty="0" err="1" smtClean="0"/>
+              <a:t>have</a:t>
+            </a:r>
+            <a:r>
+              <a:rPr lang="es-MX" baseline="0" dirty="0" smtClean="0"/>
+              <a:t> </a:t>
+            </a:r>
+            <a:r>
+              <a:rPr lang="es-MX" baseline="0" dirty="0" err="1" smtClean="0"/>
+              <a:t>ShaderLab</a:t>
+            </a:r>
+            <a:r>
+              <a:rPr lang="es-MX" baseline="0" dirty="0" smtClean="0"/>
+              <a:t>, </a:t>
+            </a:r>
+            <a:r>
+              <a:rPr lang="es-MX" baseline="0" dirty="0" err="1" smtClean="0"/>
+              <a:t>which</a:t>
+            </a:r>
+            <a:r>
+              <a:rPr lang="es-MX" baseline="0" dirty="0" smtClean="0"/>
+              <a:t> </a:t>
+            </a:r>
+            <a:r>
+              <a:rPr lang="es-MX" baseline="0" dirty="0" err="1" smtClean="0"/>
+              <a:t>is</a:t>
+            </a:r>
+            <a:r>
+              <a:rPr lang="es-MX" baseline="0" dirty="0" smtClean="0"/>
+              <a:t> a </a:t>
+            </a:r>
+            <a:r>
+              <a:rPr lang="es-MX" baseline="0" dirty="0" err="1" smtClean="0"/>
+              <a:t>wrapper</a:t>
+            </a:r>
+            <a:r>
+              <a:rPr lang="es-MX" baseline="0" dirty="0" smtClean="0"/>
+              <a:t> </a:t>
+            </a:r>
+            <a:r>
+              <a:rPr lang="es-MX" baseline="0" dirty="0" err="1" smtClean="0"/>
+              <a:t>that</a:t>
+            </a:r>
+            <a:r>
+              <a:rPr lang="es-MX" baseline="0" dirty="0" smtClean="0"/>
+              <a:t> </a:t>
+            </a:r>
+            <a:r>
+              <a:rPr lang="es-MX" baseline="0" dirty="0" err="1" smtClean="0"/>
+              <a:t>allows</a:t>
+            </a:r>
+            <a:r>
+              <a:rPr lang="es-MX" baseline="0" dirty="0" smtClean="0"/>
+              <a:t> </a:t>
+            </a:r>
+            <a:r>
+              <a:rPr lang="es-MX" baseline="0" dirty="0" err="1" smtClean="0"/>
+              <a:t>our</a:t>
+            </a:r>
+            <a:r>
+              <a:rPr lang="es-MX" baseline="0" dirty="0" smtClean="0"/>
+              <a:t> </a:t>
+            </a:r>
+            <a:r>
+              <a:rPr lang="es-MX" baseline="0" dirty="0" err="1" smtClean="0"/>
+              <a:t>shader</a:t>
+            </a:r>
+            <a:r>
+              <a:rPr lang="es-MX" baseline="0" dirty="0" smtClean="0"/>
+              <a:t> </a:t>
+            </a:r>
+            <a:r>
+              <a:rPr lang="es-MX" baseline="0" dirty="0" err="1" smtClean="0"/>
+              <a:t>program</a:t>
+            </a:r>
+            <a:r>
+              <a:rPr lang="es-MX" baseline="0" dirty="0" smtClean="0"/>
+              <a:t> to </a:t>
+            </a:r>
+            <a:r>
+              <a:rPr lang="es-MX" baseline="0" dirty="0" err="1" smtClean="0"/>
+              <a:t>communicate</a:t>
+            </a:r>
+            <a:r>
+              <a:rPr lang="es-MX" baseline="0" dirty="0" smtClean="0"/>
+              <a:t> </a:t>
+            </a:r>
+            <a:r>
+              <a:rPr lang="es-MX" baseline="0" dirty="0" err="1" smtClean="0"/>
+              <a:t>with</a:t>
+            </a:r>
+            <a:r>
+              <a:rPr lang="es-MX" baseline="0" dirty="0" smtClean="0"/>
+              <a:t> </a:t>
+            </a:r>
+            <a:r>
+              <a:rPr lang="es-MX" baseline="0" dirty="0" err="1" smtClean="0"/>
+              <a:t>the</a:t>
+            </a:r>
+            <a:r>
+              <a:rPr lang="es-MX" baseline="0" dirty="0" smtClean="0"/>
+              <a:t> </a:t>
+            </a:r>
+            <a:r>
+              <a:rPr lang="es-MX" baseline="0" dirty="0" err="1" smtClean="0"/>
+              <a:t>Unity</a:t>
+            </a:r>
+            <a:r>
+              <a:rPr lang="es-MX" baseline="0" dirty="0" smtClean="0"/>
+              <a:t> </a:t>
+            </a:r>
+            <a:r>
+              <a:rPr lang="es-MX" baseline="0" dirty="0" err="1" smtClean="0"/>
+              <a:t>engine</a:t>
+            </a:r>
+            <a:r>
+              <a:rPr lang="es-MX" baseline="0" dirty="0" smtClean="0"/>
+              <a:t>, so </a:t>
+            </a:r>
+            <a:r>
+              <a:rPr lang="es-MX" baseline="0" dirty="0" err="1" smtClean="0"/>
+              <a:t>we</a:t>
+            </a:r>
+            <a:r>
+              <a:rPr lang="es-MX" baseline="0" dirty="0" smtClean="0"/>
+              <a:t> can </a:t>
+            </a:r>
+            <a:r>
+              <a:rPr lang="es-MX" baseline="0" dirty="0" err="1" smtClean="0"/>
+              <a:t>modify</a:t>
+            </a:r>
+            <a:r>
+              <a:rPr lang="es-MX" baseline="0" dirty="0" smtClean="0"/>
+              <a:t> </a:t>
+            </a:r>
+            <a:r>
+              <a:rPr lang="es-MX" baseline="0" dirty="0" err="1" smtClean="0"/>
+              <a:t>the</a:t>
+            </a:r>
+            <a:r>
+              <a:rPr lang="es-MX" baseline="0" dirty="0" smtClean="0"/>
+              <a:t> </a:t>
+            </a:r>
+            <a:r>
+              <a:rPr lang="es-MX" baseline="0" dirty="0" err="1" smtClean="0"/>
+              <a:t>values</a:t>
+            </a:r>
+            <a:r>
+              <a:rPr lang="es-MX" baseline="0" dirty="0" smtClean="0"/>
+              <a:t> </a:t>
+            </a:r>
+            <a:r>
+              <a:rPr lang="es-MX" baseline="0" dirty="0" err="1" smtClean="0"/>
+              <a:t>that</a:t>
+            </a:r>
+            <a:r>
+              <a:rPr lang="es-MX" baseline="0" dirty="0" smtClean="0"/>
+              <a:t> </a:t>
+            </a:r>
+            <a:r>
+              <a:rPr lang="es-MX" baseline="0" dirty="0" err="1" smtClean="0"/>
+              <a:t>will</a:t>
+            </a:r>
+            <a:r>
+              <a:rPr lang="es-MX" baseline="0" dirty="0" smtClean="0"/>
+              <a:t> be </a:t>
+            </a:r>
+            <a:r>
+              <a:rPr lang="es-MX" baseline="0" dirty="0" err="1" smtClean="0"/>
+              <a:t>send</a:t>
+            </a:r>
+            <a:r>
+              <a:rPr lang="es-MX" baseline="0" dirty="0" smtClean="0"/>
+              <a:t> to </a:t>
+            </a:r>
+            <a:r>
+              <a:rPr lang="es-MX" baseline="0" dirty="0" err="1" smtClean="0"/>
+              <a:t>the</a:t>
+            </a:r>
+            <a:r>
+              <a:rPr lang="es-MX" baseline="0" dirty="0" smtClean="0"/>
+              <a:t> </a:t>
+            </a:r>
+            <a:r>
+              <a:rPr lang="es-MX" baseline="0" dirty="0" err="1" smtClean="0"/>
+              <a:t>shader</a:t>
+            </a:r>
+            <a:r>
+              <a:rPr lang="es-MX" baseline="0" dirty="0" smtClean="0"/>
+              <a:t>.</a:t>
+            </a:r>
+            <a:endParaRPr lang="en-US" dirty="0"/>
+          </a:p>
+        </p:txBody>
+      </p:sp>
+      <p:sp>
+        <p:nvSpPr>
+          <p:cNvPr id="4" name="Slide Number Placeholder 3"/>
+          <p:cNvSpPr>
+            <a:spLocks noGrp="1"/>
+          </p:cNvSpPr>
+          <p:nvPr>
+            <p:ph type="sldNum" sz="quarter" idx="10"/>
+          </p:nvPr>
+        </p:nvSpPr>
+        <p:spPr/>
+        <p:txBody>
+          <a:bodyPr/>
+          <a:lstStyle/>
+          <a:p>
+            <a:fld id="{49436F85-577F-4A92-A47F-D540A2BCC821}" type="slidenum">
+              <a:rPr lang="en-GB" smtClean="0"/>
+              <a:pPr/>
+              <a:t>7</a:t>
+            </a:fld>
+            <a:endParaRPr lang="en-GB" dirty="0"/>
+          </a:p>
+        </p:txBody>
+      </p:sp>
+    </p:spTree>
+    <p:extLst>
+      <p:ext uri="{BB962C8B-B14F-4D97-AF65-F5344CB8AC3E}">
+        <p14:creationId xmlns:p14="http://schemas.microsoft.com/office/powerpoint/2010/main" val="1749728299"/>
+      </p:ext>
+    </p:extLst>
+  </p:cSld>
+  <p:clrMapOvr>
+    <a:masterClrMapping/>
+  </p:clrMapOvr>
+</p:notes>
+</file>
+
+<file path=ppt/notesSlides/notesSlide8.xml><?xml version="1.0" encoding="utf-8"?>
+<p:notes xmlns:a="http://schemas.openxmlformats.org/drawingml/2006/main" xmlns:r="http://schemas.openxmlformats.org/officeDocument/2006/relationships" xmlns:p="http://schemas.openxmlformats.org/presentationml/2006/main">
+  <p:cSld>
+    <p:spTree>
+      <p:nvGrpSpPr>
+        <p:cNvPr id="1" name=""/>
+        <p:cNvGrpSpPr/>
+        <p:nvPr/>
+      </p:nvGrpSpPr>
+      <p:grpSpPr>
+        <a:xfrm>
+          <a:off x="0" y="0"/>
+          <a:ext cx="0" cy="0"/>
+          <a:chOff x="0" y="0"/>
+          <a:chExt cx="0" cy="0"/>
+        </a:xfrm>
+      </p:grpSpPr>
+      <p:sp>
+        <p:nvSpPr>
+          <p:cNvPr id="2" name="Slide Image Placeholder 1"/>
+          <p:cNvSpPr>
+            <a:spLocks noGrp="1" noRot="1" noChangeAspect="1"/>
+          </p:cNvSpPr>
+          <p:nvPr>
+            <p:ph type="sldImg"/>
+          </p:nvPr>
+        </p:nvSpPr>
+        <p:spPr/>
+      </p:sp>
+      <p:sp>
+        <p:nvSpPr>
+          <p:cNvPr id="3" name="Notes Placeholder 2"/>
+          <p:cNvSpPr>
+            <a:spLocks noGrp="1"/>
+          </p:cNvSpPr>
+          <p:nvPr>
+            <p:ph type="body" idx="1"/>
+          </p:nvPr>
+        </p:nvSpPr>
+        <p:spPr/>
+        <p:txBody>
+          <a:bodyPr/>
+          <a:lstStyle/>
+          <a:p>
+            <a:r>
+              <a:rPr lang="es-MX" dirty="0" err="1" smtClean="0"/>
+              <a:t>Here</a:t>
+            </a:r>
+            <a:r>
+              <a:rPr lang="es-MX" dirty="0" smtClean="0"/>
+              <a:t>, I </a:t>
+            </a:r>
+            <a:r>
+              <a:rPr lang="es-MX" dirty="0" err="1" smtClean="0"/>
+              <a:t>mention</a:t>
+            </a:r>
+            <a:r>
+              <a:rPr lang="es-MX" dirty="0" smtClean="0"/>
+              <a:t> </a:t>
+            </a:r>
+            <a:r>
+              <a:rPr lang="es-MX" dirty="0" err="1" smtClean="0"/>
+              <a:t>the</a:t>
+            </a:r>
+            <a:r>
+              <a:rPr lang="es-MX" dirty="0" smtClean="0"/>
+              <a:t> </a:t>
+            </a:r>
+            <a:r>
+              <a:rPr lang="es-MX" dirty="0" err="1" smtClean="0"/>
+              <a:t>features</a:t>
+            </a:r>
+            <a:r>
+              <a:rPr lang="es-MX" dirty="0" smtClean="0"/>
+              <a:t> of CG:</a:t>
+            </a:r>
+          </a:p>
+          <a:p>
+            <a:endParaRPr lang="es-MX" dirty="0" smtClean="0"/>
+          </a:p>
+          <a:p>
+            <a:pPr marL="171450" indent="-171450">
+              <a:buFontTx/>
+              <a:buChar char="-"/>
+            </a:pPr>
+            <a:r>
+              <a:rPr lang="es-MX" dirty="0" err="1" smtClean="0"/>
+              <a:t>It’s</a:t>
+            </a:r>
+            <a:r>
+              <a:rPr lang="es-MX" dirty="0" smtClean="0"/>
+              <a:t> </a:t>
+            </a:r>
+            <a:r>
+              <a:rPr lang="es-MX" dirty="0" err="1" smtClean="0"/>
+              <a:t>very</a:t>
+            </a:r>
+            <a:r>
+              <a:rPr lang="es-MX" dirty="0" smtClean="0"/>
+              <a:t> similar to </a:t>
+            </a:r>
+            <a:r>
+              <a:rPr lang="es-MX" dirty="0" err="1" smtClean="0"/>
+              <a:t>the</a:t>
+            </a:r>
+            <a:r>
+              <a:rPr lang="es-MX" dirty="0" smtClean="0"/>
+              <a:t> C </a:t>
+            </a:r>
+            <a:r>
+              <a:rPr lang="es-MX" dirty="0" err="1" smtClean="0"/>
+              <a:t>language</a:t>
+            </a:r>
+            <a:r>
+              <a:rPr lang="es-MX" dirty="0" smtClean="0"/>
+              <a:t>,</a:t>
+            </a:r>
+            <a:r>
+              <a:rPr lang="es-MX" baseline="0" dirty="0" smtClean="0"/>
+              <a:t> </a:t>
+            </a:r>
+            <a:r>
+              <a:rPr lang="es-MX" baseline="0" dirty="0" err="1" smtClean="0"/>
+              <a:t>which</a:t>
+            </a:r>
+            <a:r>
+              <a:rPr lang="es-MX" baseline="0" dirty="0" smtClean="0"/>
+              <a:t> </a:t>
+            </a:r>
+            <a:r>
+              <a:rPr lang="es-MX" baseline="0" dirty="0" err="1" smtClean="0"/>
+              <a:t>means</a:t>
+            </a:r>
+            <a:r>
+              <a:rPr lang="es-MX" baseline="0" dirty="0" smtClean="0"/>
+              <a:t>, </a:t>
+            </a:r>
+            <a:r>
+              <a:rPr lang="es-MX" baseline="0" dirty="0" err="1" smtClean="0"/>
+              <a:t>there</a:t>
+            </a:r>
+            <a:r>
+              <a:rPr lang="es-MX" baseline="0" dirty="0" smtClean="0"/>
+              <a:t> are no new </a:t>
+            </a:r>
+            <a:r>
+              <a:rPr lang="es-MX" baseline="0" dirty="0" err="1" smtClean="0"/>
+              <a:t>things</a:t>
+            </a:r>
+            <a:r>
+              <a:rPr lang="es-MX" baseline="0" dirty="0" smtClean="0"/>
+              <a:t> to </a:t>
+            </a:r>
+            <a:r>
+              <a:rPr lang="es-MX" baseline="0" dirty="0" err="1" smtClean="0"/>
+              <a:t>learn</a:t>
+            </a:r>
+            <a:r>
+              <a:rPr lang="es-MX" baseline="0" dirty="0" smtClean="0"/>
+              <a:t> </a:t>
+            </a:r>
+            <a:r>
+              <a:rPr lang="es-MX" baseline="0" dirty="0" err="1" smtClean="0"/>
+              <a:t>if</a:t>
+            </a:r>
+            <a:r>
+              <a:rPr lang="es-MX" baseline="0" dirty="0" smtClean="0"/>
+              <a:t> </a:t>
+            </a:r>
+            <a:r>
+              <a:rPr lang="es-MX" baseline="0" dirty="0" err="1" smtClean="0"/>
+              <a:t>you</a:t>
+            </a:r>
+            <a:r>
+              <a:rPr lang="es-MX" baseline="0" dirty="0" smtClean="0"/>
+              <a:t> </a:t>
+            </a:r>
+            <a:r>
+              <a:rPr lang="es-MX" baseline="0" dirty="0" err="1" smtClean="0"/>
+              <a:t>have</a:t>
+            </a:r>
+            <a:r>
+              <a:rPr lang="es-MX" baseline="0" dirty="0" smtClean="0"/>
+              <a:t> </a:t>
+            </a:r>
+            <a:r>
+              <a:rPr lang="es-MX" baseline="0" dirty="0" err="1" smtClean="0"/>
+              <a:t>programmed</a:t>
+            </a:r>
+            <a:r>
+              <a:rPr lang="es-MX" baseline="0" dirty="0" smtClean="0"/>
+              <a:t> </a:t>
+            </a:r>
+            <a:r>
+              <a:rPr lang="es-MX" baseline="0" dirty="0" err="1" smtClean="0"/>
+              <a:t>before</a:t>
+            </a:r>
+            <a:r>
+              <a:rPr lang="es-MX" baseline="0" dirty="0" smtClean="0"/>
+              <a:t> in c-</a:t>
+            </a:r>
+            <a:r>
+              <a:rPr lang="es-MX" baseline="0" dirty="0" err="1" smtClean="0"/>
+              <a:t>like</a:t>
+            </a:r>
+            <a:r>
+              <a:rPr lang="es-MX" baseline="0" dirty="0" smtClean="0"/>
+              <a:t> </a:t>
+            </a:r>
+            <a:r>
+              <a:rPr lang="es-MX" baseline="0" dirty="0" err="1" smtClean="0"/>
+              <a:t>languages</a:t>
+            </a:r>
+            <a:r>
+              <a:rPr lang="es-MX" baseline="0" dirty="0" smtClean="0"/>
+              <a:t>.</a:t>
+            </a:r>
+          </a:p>
+          <a:p>
+            <a:pPr marL="171450" indent="-171450">
+              <a:buFontTx/>
+              <a:buChar char="-"/>
+            </a:pPr>
+            <a:endParaRPr lang="es-MX" baseline="0" dirty="0" smtClean="0"/>
+          </a:p>
+          <a:p>
+            <a:pPr marL="171450" indent="-171450">
+              <a:buFontTx/>
+              <a:buChar char="-"/>
+            </a:pPr>
+            <a:r>
+              <a:rPr lang="es-MX" baseline="0" dirty="0" err="1" smtClean="0"/>
+              <a:t>There</a:t>
+            </a:r>
+            <a:r>
+              <a:rPr lang="es-MX" baseline="0" dirty="0" smtClean="0"/>
+              <a:t> are </a:t>
+            </a:r>
+            <a:r>
+              <a:rPr lang="es-MX" baseline="0" dirty="0" err="1" smtClean="0"/>
+              <a:t>three</a:t>
+            </a:r>
+            <a:r>
+              <a:rPr lang="es-MX" baseline="0" dirty="0" smtClean="0"/>
+              <a:t> </a:t>
+            </a:r>
+            <a:r>
+              <a:rPr lang="es-MX" baseline="0" dirty="0" err="1" smtClean="0"/>
+              <a:t>type</a:t>
+            </a:r>
+            <a:r>
+              <a:rPr lang="es-MX" baseline="0" dirty="0" smtClean="0"/>
+              <a:t> of </a:t>
+            </a:r>
+            <a:r>
+              <a:rPr lang="es-MX" baseline="0" dirty="0" err="1" smtClean="0"/>
+              <a:t>precisions</a:t>
+            </a:r>
+            <a:r>
+              <a:rPr lang="es-MX" baseline="0" dirty="0" smtClean="0"/>
+              <a:t> to use </a:t>
+            </a:r>
+            <a:r>
+              <a:rPr lang="es-MX" baseline="0" dirty="0" err="1" smtClean="0"/>
+              <a:t>with</a:t>
+            </a:r>
+            <a:r>
+              <a:rPr lang="es-MX" baseline="0" dirty="0" smtClean="0"/>
+              <a:t> </a:t>
+            </a:r>
+            <a:r>
+              <a:rPr lang="es-MX" baseline="0" dirty="0" err="1" smtClean="0"/>
+              <a:t>the</a:t>
+            </a:r>
+            <a:r>
+              <a:rPr lang="es-MX" baseline="0" dirty="0" smtClean="0"/>
+              <a:t> </a:t>
+            </a:r>
+            <a:r>
+              <a:rPr lang="es-MX" baseline="0" dirty="0" err="1" smtClean="0"/>
+              <a:t>numbers</a:t>
+            </a:r>
+            <a:r>
+              <a:rPr lang="es-MX" baseline="0" dirty="0" smtClean="0"/>
+              <a:t>, </a:t>
+            </a:r>
+            <a:r>
+              <a:rPr lang="es-MX" baseline="0" dirty="0" err="1" smtClean="0"/>
+              <a:t>depending</a:t>
+            </a:r>
+            <a:r>
+              <a:rPr lang="es-MX" baseline="0" dirty="0" smtClean="0"/>
+              <a:t> </a:t>
+            </a:r>
+            <a:r>
+              <a:rPr lang="es-MX" baseline="0" dirty="0" err="1" smtClean="0"/>
+              <a:t>on</a:t>
+            </a:r>
+            <a:r>
+              <a:rPr lang="es-MX" baseline="0" dirty="0" smtClean="0"/>
+              <a:t> </a:t>
+            </a:r>
+            <a:r>
+              <a:rPr lang="es-MX" baseline="0" dirty="0" err="1" smtClean="0"/>
+              <a:t>how</a:t>
+            </a:r>
+            <a:r>
+              <a:rPr lang="es-MX" baseline="0" dirty="0" smtClean="0"/>
+              <a:t> precise </a:t>
+            </a:r>
+            <a:r>
+              <a:rPr lang="es-MX" baseline="0" dirty="0" err="1" smtClean="0"/>
+              <a:t>we</a:t>
+            </a:r>
+            <a:r>
+              <a:rPr lang="es-MX" baseline="0" dirty="0" smtClean="0"/>
+              <a:t> </a:t>
+            </a:r>
+            <a:r>
+              <a:rPr lang="es-MX" baseline="0" dirty="0" err="1" smtClean="0"/>
+              <a:t>want</a:t>
+            </a:r>
+            <a:r>
+              <a:rPr lang="es-MX" baseline="0" dirty="0" smtClean="0"/>
+              <a:t> </a:t>
+            </a:r>
+            <a:r>
+              <a:rPr lang="es-MX" baseline="0" dirty="0" err="1" smtClean="0"/>
+              <a:t>the</a:t>
+            </a:r>
+            <a:r>
+              <a:rPr lang="es-MX" baseline="0" dirty="0" smtClean="0"/>
+              <a:t> </a:t>
+            </a:r>
+            <a:r>
+              <a:rPr lang="es-MX" baseline="0" dirty="0" err="1" smtClean="0"/>
+              <a:t>computation</a:t>
+            </a:r>
+            <a:r>
+              <a:rPr lang="es-MX" baseline="0" dirty="0" smtClean="0"/>
+              <a:t> to be, </a:t>
+            </a:r>
+            <a:r>
+              <a:rPr lang="es-MX" baseline="0" dirty="0" err="1" smtClean="0"/>
+              <a:t>we</a:t>
+            </a:r>
+            <a:r>
+              <a:rPr lang="es-MX" baseline="0" dirty="0" smtClean="0"/>
+              <a:t> </a:t>
+            </a:r>
+            <a:r>
+              <a:rPr lang="es-MX" baseline="0" dirty="0" err="1" smtClean="0"/>
+              <a:t>should</a:t>
+            </a:r>
+            <a:r>
+              <a:rPr lang="es-MX" baseline="0" dirty="0" smtClean="0"/>
+              <a:t> </a:t>
+            </a:r>
+            <a:r>
+              <a:rPr lang="es-MX" baseline="0" dirty="0" err="1" smtClean="0"/>
+              <a:t>select</a:t>
+            </a:r>
+            <a:r>
+              <a:rPr lang="es-MX" baseline="0" dirty="0" smtClean="0"/>
+              <a:t> </a:t>
+            </a:r>
+            <a:r>
+              <a:rPr lang="es-MX" baseline="0" dirty="0" err="1" smtClean="0"/>
+              <a:t>one</a:t>
+            </a:r>
+            <a:r>
+              <a:rPr lang="es-MX" baseline="0" dirty="0" smtClean="0"/>
+              <a:t> </a:t>
+            </a:r>
+            <a:r>
+              <a:rPr lang="es-MX" baseline="0" dirty="0" err="1" smtClean="0"/>
+              <a:t>over</a:t>
+            </a:r>
+            <a:r>
+              <a:rPr lang="es-MX" baseline="0" dirty="0" smtClean="0"/>
+              <a:t> </a:t>
+            </a:r>
+            <a:r>
+              <a:rPr lang="es-MX" baseline="0" dirty="0" err="1" smtClean="0"/>
+              <a:t>the</a:t>
+            </a:r>
+            <a:r>
+              <a:rPr lang="es-MX" baseline="0" dirty="0" smtClean="0"/>
+              <a:t> </a:t>
+            </a:r>
+            <a:r>
+              <a:rPr lang="es-MX" baseline="0" dirty="0" err="1" smtClean="0"/>
+              <a:t>other</a:t>
+            </a:r>
+            <a:r>
+              <a:rPr lang="es-MX" baseline="0" dirty="0" smtClean="0"/>
+              <a:t>.</a:t>
+            </a:r>
+          </a:p>
+          <a:p>
+            <a:pPr marL="171450" indent="-171450">
+              <a:buFontTx/>
+              <a:buChar char="-"/>
+            </a:pPr>
+            <a:endParaRPr lang="es-MX" baseline="0" dirty="0" smtClean="0"/>
+          </a:p>
+          <a:p>
+            <a:pPr marL="171450" indent="-171450">
+              <a:buFontTx/>
+              <a:buChar char="-"/>
+            </a:pPr>
+            <a:r>
+              <a:rPr lang="es-MX" baseline="0" dirty="0" err="1" smtClean="0"/>
+              <a:t>We</a:t>
+            </a:r>
+            <a:r>
+              <a:rPr lang="es-MX" baseline="0" dirty="0" smtClean="0"/>
+              <a:t> can store variables in </a:t>
+            </a:r>
+            <a:r>
+              <a:rPr lang="es-MX" baseline="0" dirty="0" err="1" smtClean="0"/>
+              <a:t>different</a:t>
+            </a:r>
+            <a:r>
+              <a:rPr lang="es-MX" baseline="0" dirty="0" smtClean="0"/>
+              <a:t> </a:t>
+            </a:r>
+            <a:r>
+              <a:rPr lang="es-MX" baseline="0" dirty="0" err="1" smtClean="0"/>
+              <a:t>structures</a:t>
+            </a:r>
+            <a:r>
+              <a:rPr lang="es-MX" baseline="0" dirty="0" smtClean="0"/>
+              <a:t>. </a:t>
+            </a:r>
+            <a:r>
+              <a:rPr lang="es-MX" baseline="0" dirty="0" err="1" smtClean="0"/>
+              <a:t>Since</a:t>
+            </a:r>
+            <a:r>
+              <a:rPr lang="es-MX" baseline="0" dirty="0" smtClean="0"/>
+              <a:t> </a:t>
+            </a:r>
+            <a:r>
+              <a:rPr lang="es-MX" baseline="0" dirty="0" err="1" smtClean="0"/>
+              <a:t>we</a:t>
+            </a:r>
+            <a:r>
+              <a:rPr lang="es-MX" baseline="0" dirty="0" smtClean="0"/>
+              <a:t> </a:t>
+            </a:r>
+            <a:r>
+              <a:rPr lang="es-MX" baseline="0" dirty="0" err="1" smtClean="0"/>
+              <a:t>deal</a:t>
+            </a:r>
+            <a:r>
+              <a:rPr lang="es-MX" baseline="0" dirty="0" smtClean="0"/>
+              <a:t> </a:t>
+            </a:r>
+            <a:r>
+              <a:rPr lang="es-MX" baseline="0" dirty="0" err="1" smtClean="0"/>
+              <a:t>mostly</a:t>
+            </a:r>
+            <a:r>
+              <a:rPr lang="es-MX" baseline="0" dirty="0" smtClean="0"/>
+              <a:t> </a:t>
+            </a:r>
+            <a:r>
+              <a:rPr lang="es-MX" baseline="0" dirty="0" err="1" smtClean="0"/>
+              <a:t>with</a:t>
+            </a:r>
+            <a:r>
+              <a:rPr lang="es-MX" baseline="0" dirty="0" smtClean="0"/>
+              <a:t> </a:t>
+            </a:r>
+            <a:r>
+              <a:rPr lang="es-MX" baseline="0" dirty="0" err="1" smtClean="0"/>
+              <a:t>colors</a:t>
+            </a:r>
+            <a:r>
+              <a:rPr lang="es-MX" baseline="0" dirty="0" smtClean="0"/>
+              <a:t>, vértices, etc. </a:t>
+            </a:r>
+            <a:r>
+              <a:rPr lang="es-MX" baseline="0" dirty="0" err="1" smtClean="0"/>
+              <a:t>We</a:t>
+            </a:r>
+            <a:r>
+              <a:rPr lang="es-MX" baseline="0" dirty="0" smtClean="0"/>
+              <a:t> </a:t>
+            </a:r>
+            <a:r>
+              <a:rPr lang="es-MX" baseline="0" dirty="0" err="1" smtClean="0"/>
+              <a:t>deal</a:t>
+            </a:r>
+            <a:r>
+              <a:rPr lang="es-MX" baseline="0" dirty="0" smtClean="0"/>
+              <a:t> </a:t>
+            </a:r>
+            <a:r>
+              <a:rPr lang="es-MX" baseline="0" dirty="0" err="1" smtClean="0"/>
+              <a:t>with</a:t>
+            </a:r>
+            <a:r>
+              <a:rPr lang="es-MX" baseline="0" dirty="0" smtClean="0"/>
+              <a:t> </a:t>
+            </a:r>
+            <a:r>
+              <a:rPr lang="es-MX" baseline="0" dirty="0" err="1" smtClean="0"/>
+              <a:t>lot’s</a:t>
+            </a:r>
+            <a:r>
+              <a:rPr lang="es-MX" baseline="0" dirty="0" smtClean="0"/>
+              <a:t> of </a:t>
+            </a:r>
+            <a:r>
+              <a:rPr lang="es-MX" baseline="0" dirty="0" err="1" smtClean="0"/>
+              <a:t>vectors</a:t>
+            </a:r>
+            <a:r>
+              <a:rPr lang="es-MX" baseline="0" dirty="0" smtClean="0"/>
+              <a:t>.</a:t>
+            </a:r>
+            <a:endParaRPr lang="en-US" dirty="0"/>
+          </a:p>
+        </p:txBody>
+      </p:sp>
+      <p:sp>
+        <p:nvSpPr>
+          <p:cNvPr id="4" name="Slide Number Placeholder 3"/>
+          <p:cNvSpPr>
+            <a:spLocks noGrp="1"/>
+          </p:cNvSpPr>
+          <p:nvPr>
+            <p:ph type="sldNum" sz="quarter" idx="10"/>
+          </p:nvPr>
+        </p:nvSpPr>
+        <p:spPr/>
+        <p:txBody>
+          <a:bodyPr/>
+          <a:lstStyle/>
+          <a:p>
+            <a:fld id="{49436F85-577F-4A92-A47F-D540A2BCC821}" type="slidenum">
+              <a:rPr lang="en-GB" smtClean="0"/>
+              <a:pPr/>
+              <a:t>8</a:t>
+            </a:fld>
+            <a:endParaRPr lang="en-GB" dirty="0"/>
+          </a:p>
+        </p:txBody>
+      </p:sp>
+    </p:spTree>
+    <p:extLst>
+      <p:ext uri="{BB962C8B-B14F-4D97-AF65-F5344CB8AC3E}">
+        <p14:creationId xmlns:p14="http://schemas.microsoft.com/office/powerpoint/2010/main" val="1005388251"/>
+      </p:ext>
+    </p:extLst>
+  </p:cSld>
+  <p:clrMapOvr>
+    <a:masterClrMapping/>
+  </p:clrMapOvr>
+</p:notes>
+</file>
+
+<file path=ppt/notesSlides/notesSlide9.xml><?xml version="1.0" encoding="utf-8"?>
+<p:notes xmlns:a="http://schemas.openxmlformats.org/drawingml/2006/main" xmlns:r="http://schemas.openxmlformats.org/officeDocument/2006/relationships" xmlns:p="http://schemas.openxmlformats.org/presentationml/2006/main">
+  <p:cSld>
+    <p:spTree>
+      <p:nvGrpSpPr>
+        <p:cNvPr id="1" name=""/>
+        <p:cNvGrpSpPr/>
+        <p:nvPr/>
+      </p:nvGrpSpPr>
+      <p:grpSpPr>
+        <a:xfrm>
+          <a:off x="0" y="0"/>
+          <a:ext cx="0" cy="0"/>
+          <a:chOff x="0" y="0"/>
+          <a:chExt cx="0" cy="0"/>
+        </a:xfrm>
+      </p:grpSpPr>
+      <p:sp>
+        <p:nvSpPr>
+          <p:cNvPr id="2" name="Slide Image Placeholder 1"/>
+          <p:cNvSpPr>
+            <a:spLocks noGrp="1" noRot="1" noChangeAspect="1"/>
+          </p:cNvSpPr>
+          <p:nvPr>
+            <p:ph type="sldImg"/>
+          </p:nvPr>
+        </p:nvSpPr>
+        <p:spPr/>
+      </p:sp>
+      <p:sp>
+        <p:nvSpPr>
+          <p:cNvPr id="3" name="Notes Placeholder 2"/>
+          <p:cNvSpPr>
+            <a:spLocks noGrp="1"/>
+          </p:cNvSpPr>
+          <p:nvPr>
+            <p:ph type="body" idx="1"/>
+          </p:nvPr>
+        </p:nvSpPr>
+        <p:spPr/>
+        <p:txBody>
+          <a:bodyPr/>
+          <a:lstStyle/>
+          <a:p>
+            <a:r>
+              <a:rPr lang="es-MX" dirty="0" smtClean="0"/>
+              <a:t>- </a:t>
+            </a:r>
+            <a:r>
+              <a:rPr lang="es-MX" dirty="0" err="1" smtClean="0"/>
+              <a:t>We</a:t>
+            </a:r>
+            <a:r>
+              <a:rPr lang="es-MX" dirty="0" smtClean="0"/>
+              <a:t> can Access </a:t>
+            </a:r>
+            <a:r>
+              <a:rPr lang="es-MX" dirty="0" err="1" smtClean="0"/>
+              <a:t>the</a:t>
+            </a:r>
+            <a:r>
+              <a:rPr lang="es-MX" dirty="0" smtClean="0"/>
+              <a:t> </a:t>
+            </a:r>
+            <a:r>
+              <a:rPr lang="es-MX" dirty="0" err="1" smtClean="0"/>
+              <a:t>values</a:t>
+            </a:r>
+            <a:r>
+              <a:rPr lang="es-MX" dirty="0" smtClean="0"/>
+              <a:t> of </a:t>
+            </a:r>
+            <a:r>
+              <a:rPr lang="es-MX" dirty="0" err="1" smtClean="0"/>
+              <a:t>our</a:t>
+            </a:r>
+            <a:r>
+              <a:rPr lang="es-MX" dirty="0" smtClean="0"/>
+              <a:t> variables (</a:t>
+            </a:r>
+            <a:r>
+              <a:rPr lang="es-MX" dirty="0" err="1" smtClean="0"/>
+              <a:t>vectors</a:t>
+            </a:r>
+            <a:r>
+              <a:rPr lang="es-MX" dirty="0" smtClean="0"/>
+              <a:t>)</a:t>
+            </a:r>
+            <a:r>
+              <a:rPr lang="es-MX" baseline="0" dirty="0" smtClean="0"/>
+              <a:t> in </a:t>
+            </a:r>
+            <a:r>
+              <a:rPr lang="es-MX" baseline="0" dirty="0" err="1" smtClean="0"/>
+              <a:t>any</a:t>
+            </a:r>
+            <a:r>
+              <a:rPr lang="es-MX" baseline="0" dirty="0" smtClean="0"/>
+              <a:t> </a:t>
+            </a:r>
+            <a:r>
+              <a:rPr lang="es-MX" baseline="0" dirty="0" err="1" smtClean="0"/>
+              <a:t>order</a:t>
+            </a:r>
+            <a:r>
+              <a:rPr lang="es-MX" baseline="0" dirty="0" smtClean="0"/>
+              <a:t> </a:t>
+            </a:r>
+            <a:r>
+              <a:rPr lang="es-MX" baseline="0" dirty="0" err="1" smtClean="0"/>
+              <a:t>we</a:t>
+            </a:r>
+            <a:r>
+              <a:rPr lang="es-MX" baseline="0" dirty="0" smtClean="0"/>
+              <a:t> </a:t>
+            </a:r>
+            <a:r>
+              <a:rPr lang="es-MX" baseline="0" dirty="0" err="1" smtClean="0"/>
+              <a:t>want</a:t>
+            </a:r>
+            <a:r>
+              <a:rPr lang="es-MX" baseline="0" dirty="0" smtClean="0"/>
+              <a:t>. </a:t>
+            </a:r>
+            <a:r>
+              <a:rPr lang="es-MX" baseline="0" dirty="0" err="1" smtClean="0"/>
+              <a:t>This</a:t>
+            </a:r>
+            <a:r>
+              <a:rPr lang="es-MX" baseline="0" dirty="0" smtClean="0"/>
+              <a:t> </a:t>
+            </a:r>
+            <a:r>
+              <a:rPr lang="es-MX" baseline="0" dirty="0" err="1" smtClean="0"/>
+              <a:t>is</a:t>
+            </a:r>
+            <a:r>
+              <a:rPr lang="es-MX" baseline="0" dirty="0" smtClean="0"/>
+              <a:t> </a:t>
+            </a:r>
+            <a:r>
+              <a:rPr lang="es-MX" baseline="0" dirty="0" err="1" smtClean="0"/>
+              <a:t>called</a:t>
+            </a:r>
+            <a:r>
+              <a:rPr lang="es-MX" baseline="0" dirty="0" smtClean="0"/>
+              <a:t> </a:t>
+            </a:r>
+            <a:r>
+              <a:rPr lang="es-MX" baseline="0" dirty="0" err="1" smtClean="0"/>
+              <a:t>swizzling</a:t>
+            </a:r>
+            <a:r>
+              <a:rPr lang="es-MX" baseline="0" dirty="0" smtClean="0"/>
+              <a:t>, and </a:t>
+            </a:r>
+            <a:r>
+              <a:rPr lang="es-MX" baseline="0" dirty="0" err="1" smtClean="0"/>
+              <a:t>it’s</a:t>
+            </a:r>
+            <a:r>
+              <a:rPr lang="es-MX" baseline="0" dirty="0" smtClean="0"/>
+              <a:t> </a:t>
+            </a:r>
+            <a:r>
+              <a:rPr lang="es-MX" baseline="0" dirty="0" err="1" smtClean="0"/>
+              <a:t>very</a:t>
+            </a:r>
+            <a:r>
+              <a:rPr lang="es-MX" baseline="0" dirty="0" smtClean="0"/>
+              <a:t> </a:t>
+            </a:r>
+            <a:r>
+              <a:rPr lang="es-MX" baseline="0" dirty="0" err="1" smtClean="0"/>
+              <a:t>common</a:t>
+            </a:r>
+            <a:r>
+              <a:rPr lang="es-MX" baseline="0" dirty="0" smtClean="0"/>
+              <a:t> to </a:t>
+            </a:r>
+            <a:r>
+              <a:rPr lang="es-MX" baseline="0" dirty="0" err="1" smtClean="0"/>
+              <a:t>work</a:t>
+            </a:r>
+            <a:r>
+              <a:rPr lang="es-MX" baseline="0" dirty="0" smtClean="0"/>
+              <a:t> </a:t>
+            </a:r>
+            <a:r>
+              <a:rPr lang="es-MX" baseline="0" dirty="0" err="1" smtClean="0"/>
+              <a:t>with</a:t>
+            </a:r>
+            <a:r>
+              <a:rPr lang="es-MX" baseline="0" dirty="0" smtClean="0"/>
+              <a:t> </a:t>
+            </a:r>
+            <a:r>
+              <a:rPr lang="es-MX" baseline="0" dirty="0" err="1" smtClean="0"/>
+              <a:t>it</a:t>
+            </a:r>
+            <a:r>
+              <a:rPr lang="es-MX" baseline="0" dirty="0" smtClean="0"/>
+              <a:t> </a:t>
+            </a:r>
+            <a:r>
+              <a:rPr lang="es-MX" baseline="0" dirty="0" err="1" smtClean="0"/>
+              <a:t>when</a:t>
+            </a:r>
+            <a:r>
+              <a:rPr lang="es-MX" baseline="0" dirty="0" smtClean="0"/>
+              <a:t> </a:t>
+            </a:r>
+            <a:r>
+              <a:rPr lang="es-MX" baseline="0" dirty="0" err="1" smtClean="0"/>
+              <a:t>writing</a:t>
+            </a:r>
+            <a:r>
+              <a:rPr lang="es-MX" baseline="0" dirty="0" smtClean="0"/>
+              <a:t> </a:t>
+            </a:r>
+            <a:r>
+              <a:rPr lang="es-MX" baseline="0" dirty="0" err="1" smtClean="0"/>
+              <a:t>shaders</a:t>
+            </a:r>
+            <a:r>
+              <a:rPr lang="es-MX" baseline="0" dirty="0" smtClean="0"/>
+              <a:t>.</a:t>
+            </a:r>
+          </a:p>
+          <a:p>
+            <a:endParaRPr lang="es-MX" baseline="0" dirty="0" smtClean="0"/>
+          </a:p>
+          <a:p>
+            <a:r>
+              <a:rPr lang="es-MX" baseline="0" dirty="0" smtClean="0"/>
+              <a:t>- </a:t>
+            </a:r>
+            <a:r>
+              <a:rPr lang="es-MX" baseline="0" dirty="0" err="1" smtClean="0"/>
+              <a:t>One</a:t>
+            </a:r>
+            <a:r>
+              <a:rPr lang="es-MX" baseline="0" dirty="0" smtClean="0"/>
+              <a:t> </a:t>
+            </a:r>
+            <a:r>
+              <a:rPr lang="es-MX" baseline="0" dirty="0" err="1" smtClean="0"/>
+              <a:t>powerfull</a:t>
+            </a:r>
+            <a:r>
+              <a:rPr lang="es-MX" baseline="0" dirty="0" smtClean="0"/>
+              <a:t> </a:t>
+            </a:r>
+            <a:r>
+              <a:rPr lang="es-MX" baseline="0" dirty="0" err="1" smtClean="0"/>
+              <a:t>feature</a:t>
+            </a:r>
+            <a:r>
+              <a:rPr lang="es-MX" baseline="0" dirty="0" smtClean="0"/>
+              <a:t> </a:t>
+            </a:r>
+            <a:r>
+              <a:rPr lang="es-MX" baseline="0" dirty="0" err="1" smtClean="0"/>
+              <a:t>that</a:t>
+            </a:r>
+            <a:r>
+              <a:rPr lang="es-MX" baseline="0" dirty="0" smtClean="0"/>
+              <a:t> </a:t>
+            </a:r>
+            <a:r>
+              <a:rPr lang="es-MX" baseline="0" dirty="0" err="1" smtClean="0"/>
+              <a:t>is</a:t>
+            </a:r>
+            <a:r>
+              <a:rPr lang="es-MX" baseline="0" dirty="0" smtClean="0"/>
+              <a:t> </a:t>
+            </a:r>
+            <a:r>
+              <a:rPr lang="es-MX" baseline="0" dirty="0" err="1" smtClean="0"/>
+              <a:t>hardwired</a:t>
+            </a:r>
+            <a:r>
+              <a:rPr lang="es-MX" baseline="0" dirty="0" smtClean="0"/>
+              <a:t> </a:t>
+            </a:r>
+            <a:r>
+              <a:rPr lang="es-MX" baseline="0" dirty="0" err="1" smtClean="0"/>
+              <a:t>into</a:t>
+            </a:r>
+            <a:r>
+              <a:rPr lang="es-MX" baseline="0" dirty="0" smtClean="0"/>
+              <a:t> </a:t>
+            </a:r>
+            <a:r>
+              <a:rPr lang="es-MX" baseline="0" dirty="0" err="1" smtClean="0"/>
+              <a:t>how</a:t>
+            </a:r>
+            <a:r>
+              <a:rPr lang="es-MX" baseline="0" dirty="0" smtClean="0"/>
+              <a:t> </a:t>
+            </a:r>
+            <a:r>
+              <a:rPr lang="es-MX" baseline="0" dirty="0" err="1" smtClean="0"/>
+              <a:t>GPU’s</a:t>
+            </a:r>
+            <a:r>
+              <a:rPr lang="es-MX" baseline="0" dirty="0" smtClean="0"/>
+              <a:t> </a:t>
+            </a:r>
+            <a:r>
+              <a:rPr lang="es-MX" baseline="0" dirty="0" err="1" smtClean="0"/>
+              <a:t>work</a:t>
+            </a:r>
+            <a:r>
+              <a:rPr lang="es-MX" baseline="0" dirty="0" smtClean="0"/>
+              <a:t> </a:t>
+            </a:r>
+            <a:r>
+              <a:rPr lang="es-MX" baseline="0" dirty="0" err="1" smtClean="0"/>
+              <a:t>is</a:t>
+            </a:r>
+            <a:r>
+              <a:rPr lang="es-MX" baseline="0" dirty="0" smtClean="0"/>
+              <a:t> </a:t>
+            </a:r>
+            <a:r>
+              <a:rPr lang="es-MX" baseline="0" dirty="0" err="1" smtClean="0"/>
+              <a:t>the</a:t>
+            </a:r>
+            <a:r>
+              <a:rPr lang="es-MX" baseline="0" dirty="0" smtClean="0"/>
+              <a:t> </a:t>
+            </a:r>
+            <a:r>
+              <a:rPr lang="es-MX" baseline="0" dirty="0" err="1" smtClean="0"/>
+              <a:t>fact</a:t>
+            </a:r>
+            <a:r>
+              <a:rPr lang="es-MX" baseline="0" dirty="0" smtClean="0"/>
+              <a:t> </a:t>
+            </a:r>
+            <a:r>
+              <a:rPr lang="es-MX" baseline="0" dirty="0" err="1" smtClean="0"/>
+              <a:t>that</a:t>
+            </a:r>
+            <a:r>
+              <a:rPr lang="es-MX" baseline="0" dirty="0" smtClean="0"/>
+              <a:t> </a:t>
+            </a:r>
+            <a:r>
+              <a:rPr lang="es-MX" baseline="0" dirty="0" err="1" smtClean="0"/>
+              <a:t>we</a:t>
+            </a:r>
+            <a:r>
+              <a:rPr lang="es-MX" baseline="0" dirty="0" smtClean="0"/>
+              <a:t> can do </a:t>
+            </a:r>
+            <a:r>
+              <a:rPr lang="es-MX" baseline="0" dirty="0" err="1" smtClean="0"/>
+              <a:t>operations</a:t>
+            </a:r>
+            <a:r>
+              <a:rPr lang="es-MX" baseline="0" dirty="0" smtClean="0"/>
+              <a:t> in </a:t>
+            </a:r>
+            <a:r>
+              <a:rPr lang="es-MX" baseline="0" dirty="0" err="1" smtClean="0"/>
+              <a:t>parallel</a:t>
+            </a:r>
+            <a:r>
+              <a:rPr lang="es-MX" baseline="0" dirty="0" smtClean="0"/>
+              <a:t>, </a:t>
+            </a:r>
+            <a:r>
+              <a:rPr lang="es-MX" baseline="0" dirty="0" err="1" smtClean="0"/>
+              <a:t>which</a:t>
+            </a:r>
+            <a:r>
+              <a:rPr lang="es-MX" baseline="0" dirty="0" smtClean="0"/>
+              <a:t> leads to </a:t>
+            </a:r>
+            <a:r>
+              <a:rPr lang="es-MX" baseline="0" dirty="0" err="1" smtClean="0"/>
+              <a:t>really</a:t>
+            </a:r>
+            <a:r>
+              <a:rPr lang="es-MX" baseline="0" dirty="0" smtClean="0"/>
+              <a:t> </a:t>
+            </a:r>
+            <a:r>
+              <a:rPr lang="es-MX" baseline="0" dirty="0" err="1" smtClean="0"/>
+              <a:t>fast</a:t>
+            </a:r>
+            <a:r>
+              <a:rPr lang="es-MX" baseline="0" dirty="0" smtClean="0"/>
+              <a:t> </a:t>
+            </a:r>
+            <a:r>
+              <a:rPr lang="es-MX" baseline="0" dirty="0" err="1" smtClean="0"/>
+              <a:t>results</a:t>
+            </a:r>
+            <a:r>
+              <a:rPr lang="es-MX" baseline="0" dirty="0" smtClean="0"/>
+              <a:t>. In </a:t>
+            </a:r>
+            <a:r>
+              <a:rPr lang="es-MX" baseline="0" dirty="0" err="1" smtClean="0"/>
+              <a:t>the</a:t>
+            </a:r>
+            <a:r>
+              <a:rPr lang="es-MX" baseline="0" dirty="0" smtClean="0"/>
+              <a:t> </a:t>
+            </a:r>
+            <a:r>
+              <a:rPr lang="es-MX" baseline="0" dirty="0" err="1" smtClean="0"/>
+              <a:t>example</a:t>
+            </a:r>
+            <a:r>
+              <a:rPr lang="es-MX" baseline="0" dirty="0" smtClean="0"/>
+              <a:t>, </a:t>
+            </a:r>
+            <a:r>
+              <a:rPr lang="es-MX" baseline="0" dirty="0" err="1" smtClean="0"/>
+              <a:t>we</a:t>
+            </a:r>
+            <a:r>
+              <a:rPr lang="es-MX" baseline="0" dirty="0" smtClean="0"/>
+              <a:t> </a:t>
+            </a:r>
+            <a:r>
+              <a:rPr lang="es-MX" baseline="0" dirty="0" err="1" smtClean="0"/>
+              <a:t>see</a:t>
+            </a:r>
+            <a:r>
+              <a:rPr lang="es-MX" baseline="0" dirty="0" smtClean="0"/>
+              <a:t> </a:t>
+            </a:r>
+            <a:r>
+              <a:rPr lang="es-MX" baseline="0" dirty="0" err="1" smtClean="0"/>
+              <a:t>that</a:t>
+            </a:r>
+            <a:r>
+              <a:rPr lang="es-MX" baseline="0" dirty="0" smtClean="0"/>
+              <a:t> </a:t>
+            </a:r>
+            <a:r>
+              <a:rPr lang="es-MX" baseline="0" dirty="0" err="1" smtClean="0"/>
+              <a:t>the</a:t>
+            </a:r>
+            <a:r>
+              <a:rPr lang="es-MX" baseline="0" dirty="0" smtClean="0"/>
+              <a:t> sum </a:t>
+            </a:r>
+            <a:r>
+              <a:rPr lang="es-MX" baseline="0" dirty="0" err="1" smtClean="0"/>
+              <a:t>we</a:t>
+            </a:r>
+            <a:r>
+              <a:rPr lang="es-MX" baseline="0" dirty="0" smtClean="0"/>
+              <a:t> </a:t>
+            </a:r>
+            <a:r>
+              <a:rPr lang="es-MX" baseline="0" dirty="0" err="1" smtClean="0"/>
+              <a:t>perform</a:t>
+            </a:r>
+            <a:r>
+              <a:rPr lang="es-MX" baseline="0" dirty="0" smtClean="0"/>
+              <a:t> </a:t>
+            </a:r>
+            <a:r>
+              <a:rPr lang="es-MX" baseline="0" dirty="0" err="1" smtClean="0"/>
+              <a:t>on</a:t>
+            </a:r>
+            <a:r>
+              <a:rPr lang="es-MX" baseline="0" dirty="0" smtClean="0"/>
+              <a:t> </a:t>
+            </a:r>
+            <a:r>
+              <a:rPr lang="es-MX" baseline="0" dirty="0" err="1" smtClean="0"/>
+              <a:t>the</a:t>
+            </a:r>
+            <a:r>
+              <a:rPr lang="es-MX" baseline="0" dirty="0" smtClean="0"/>
+              <a:t> </a:t>
+            </a:r>
+            <a:r>
+              <a:rPr lang="es-MX" baseline="0" dirty="0" err="1" smtClean="0"/>
+              <a:t>two</a:t>
+            </a:r>
+            <a:r>
+              <a:rPr lang="es-MX" baseline="0" dirty="0" smtClean="0"/>
+              <a:t> float3 variables </a:t>
+            </a:r>
+            <a:r>
+              <a:rPr lang="es-MX" baseline="0" dirty="0" err="1" smtClean="0"/>
+              <a:t>will</a:t>
+            </a:r>
+            <a:r>
+              <a:rPr lang="es-MX" baseline="0" dirty="0" smtClean="0"/>
+              <a:t> be done in </a:t>
+            </a:r>
+            <a:r>
+              <a:rPr lang="es-MX" baseline="0" dirty="0" err="1" smtClean="0"/>
+              <a:t>parallel</a:t>
+            </a:r>
+            <a:r>
+              <a:rPr lang="es-MX" baseline="0" dirty="0" smtClean="0"/>
+              <a:t> </a:t>
+            </a:r>
+            <a:r>
+              <a:rPr lang="es-MX" baseline="0" dirty="0" err="1" smtClean="0"/>
+              <a:t>on</a:t>
+            </a:r>
+            <a:r>
+              <a:rPr lang="es-MX" baseline="0" dirty="0" smtClean="0"/>
+              <a:t> </a:t>
+            </a:r>
+            <a:r>
+              <a:rPr lang="es-MX" baseline="0" dirty="0" err="1" smtClean="0"/>
+              <a:t>the</a:t>
+            </a:r>
+            <a:r>
+              <a:rPr lang="es-MX" baseline="0" dirty="0" smtClean="0"/>
+              <a:t> GPU.</a:t>
+            </a:r>
+            <a:endParaRPr lang="en-US" dirty="0"/>
+          </a:p>
+        </p:txBody>
+      </p:sp>
+      <p:sp>
+        <p:nvSpPr>
+          <p:cNvPr id="4" name="Slide Number Placeholder 3"/>
+          <p:cNvSpPr>
+            <a:spLocks noGrp="1"/>
+          </p:cNvSpPr>
+          <p:nvPr>
+            <p:ph type="sldNum" sz="quarter" idx="10"/>
+          </p:nvPr>
+        </p:nvSpPr>
+        <p:spPr/>
+        <p:txBody>
+          <a:bodyPr/>
+          <a:lstStyle/>
+          <a:p>
+            <a:fld id="{49436F85-577F-4A92-A47F-D540A2BCC821}" type="slidenum">
+              <a:rPr lang="en-GB" smtClean="0"/>
+              <a:pPr/>
+              <a:t>9</a:t>
+            </a:fld>
+            <a:endParaRPr lang="en-GB" dirty="0"/>
+          </a:p>
+        </p:txBody>
+      </p:sp>
+    </p:spTree>
+    <p:extLst>
+      <p:ext uri="{BB962C8B-B14F-4D97-AF65-F5344CB8AC3E}">
+        <p14:creationId xmlns:p14="http://schemas.microsoft.com/office/powerpoint/2010/main" val="771736338"/>
       </p:ext>
     </p:extLst>
   </p:cSld>
@@ -2578,12 +6893,12 @@
   <p:extLst mod="1">
     <p:ext uri="{DCECCB84-F9BA-43D5-87BE-67443E8EF086}">
       <p15:sldGuideLst xmlns:p15="http://schemas.microsoft.com/office/powerpoint/2012/main">
-        <p15:guide id="4294967295" orient="horz" pos="690">
+        <p15:guide id="1" orient="horz" pos="690">
           <p15:clr>
             <a:srgbClr val="FBAE40"/>
           </p15:clr>
         </p15:guide>
-        <p15:guide id="4294967295" pos="2880">
+        <p15:guide id="2" pos="2880">
           <p15:clr>
             <a:srgbClr val="FBAE40"/>
           </p15:clr>
@@ -2754,7 +7069,7 @@
             <a:fld id="{54E0A626-36E7-4ACB-AE94-30B8AB1B2246}" type="datetimeFigureOut">
               <a:rPr lang="en-GB" smtClean="0"/>
               <a:pPr/>
-              <a:t>05/04/2017</a:t>
+              <a:t>02/05/2017</a:t>
             </a:fld>
             <a:endParaRPr lang="en-GB" dirty="0"/>
           </a:p>
@@ -3262,7 +7577,7 @@
     </p:spTree>
     <p:extLst>
       <p:ext uri="{BB962C8B-B14F-4D97-AF65-F5344CB8AC3E}">
-        <p14:creationId xmlns:p14="http://schemas.microsoft.com/office/powerpoint/2010/main" val="2152892829"/>
+        <p14:creationId xmlns:p14="http://schemas.microsoft.com/office/powerpoint/2010/main" val="2568160586"/>
       </p:ext>
     </p:extLst>
   </p:cSld>
@@ -3298,6 +7613,1268 @@
       </p:grpSpPr>
       <p:sp>
         <p:nvSpPr>
+          <p:cNvPr id="2" name="Title 1"/>
+          <p:cNvSpPr>
+            <a:spLocks noGrp="1"/>
+          </p:cNvSpPr>
+          <p:nvPr>
+            <p:ph type="title"/>
+          </p:nvPr>
+        </p:nvSpPr>
+        <p:spPr/>
+        <p:txBody>
+          <a:bodyPr/>
+          <a:lstStyle/>
+          <a:p>
+            <a:r>
+              <a:rPr lang="es-MX" dirty="0" err="1" smtClean="0">
+                <a:latin typeface="+mj-lt"/>
+              </a:rPr>
+              <a:t>appdata_base</a:t>
+            </a:r>
+            <a:endParaRPr lang="en-US" dirty="0">
+              <a:latin typeface="+mj-lt"/>
+            </a:endParaRPr>
+          </a:p>
+        </p:txBody>
+      </p:sp>
+      <p:sp>
+        <p:nvSpPr>
+          <p:cNvPr id="4" name="Text Placeholder 3"/>
+          <p:cNvSpPr>
+            <a:spLocks noGrp="1"/>
+          </p:cNvSpPr>
+          <p:nvPr>
+            <p:ph type="body" sz="quarter" idx="10"/>
+          </p:nvPr>
+        </p:nvSpPr>
+        <p:spPr/>
+        <p:txBody>
+          <a:bodyPr/>
+          <a:lstStyle/>
+          <a:p>
+            <a:pPr marL="0" indent="0">
+              <a:buNone/>
+            </a:pPr>
+            <a:r>
+              <a:rPr lang="en-US" dirty="0" err="1">
+                <a:latin typeface="+mj-lt"/>
+              </a:rPr>
+              <a:t>struct</a:t>
+            </a:r>
+            <a:r>
+              <a:rPr lang="en-US" dirty="0">
+                <a:latin typeface="+mj-lt"/>
+              </a:rPr>
+              <a:t> </a:t>
+            </a:r>
+            <a:r>
+              <a:rPr lang="en-US" dirty="0" err="1">
+                <a:latin typeface="+mj-lt"/>
+              </a:rPr>
+              <a:t>appdata_base</a:t>
+            </a:r>
+            <a:r>
+              <a:rPr lang="en-US" dirty="0">
+                <a:latin typeface="+mj-lt"/>
+              </a:rPr>
+              <a:t> </a:t>
+            </a:r>
+            <a:endParaRPr lang="en-US" dirty="0" smtClean="0">
+              <a:latin typeface="+mj-lt"/>
+            </a:endParaRPr>
+          </a:p>
+          <a:p>
+            <a:pPr marL="0" indent="0">
+              <a:buNone/>
+            </a:pPr>
+            <a:r>
+              <a:rPr lang="en-US" dirty="0" smtClean="0">
+                <a:latin typeface="+mj-lt"/>
+              </a:rPr>
+              <a:t>{ </a:t>
+            </a:r>
+          </a:p>
+          <a:p>
+            <a:pPr marL="0" indent="0">
+              <a:buNone/>
+            </a:pPr>
+            <a:r>
+              <a:rPr lang="en-US" dirty="0">
+                <a:latin typeface="+mj-lt"/>
+              </a:rPr>
+              <a:t>	</a:t>
+            </a:r>
+            <a:r>
+              <a:rPr lang="en-US" dirty="0" smtClean="0">
+                <a:latin typeface="+mj-lt"/>
+              </a:rPr>
+              <a:t>float4 </a:t>
+            </a:r>
+            <a:r>
+              <a:rPr lang="en-US" dirty="0">
+                <a:latin typeface="+mj-lt"/>
+              </a:rPr>
+              <a:t>vertex : POSITION; // The vertex position in model space. </a:t>
+            </a:r>
+            <a:endParaRPr lang="en-US" dirty="0" smtClean="0">
+              <a:latin typeface="+mj-lt"/>
+            </a:endParaRPr>
+          </a:p>
+          <a:p>
+            <a:pPr marL="0" indent="0">
+              <a:buNone/>
+            </a:pPr>
+            <a:r>
+              <a:rPr lang="en-US" dirty="0">
+                <a:latin typeface="+mj-lt"/>
+              </a:rPr>
+              <a:t>	</a:t>
+            </a:r>
+            <a:r>
+              <a:rPr lang="en-US" dirty="0" smtClean="0">
+                <a:latin typeface="+mj-lt"/>
+              </a:rPr>
+              <a:t>float3 </a:t>
+            </a:r>
+            <a:r>
+              <a:rPr lang="en-US" dirty="0">
+                <a:latin typeface="+mj-lt"/>
+              </a:rPr>
+              <a:t>normal : NORMAL; // The vertex normal in model space. </a:t>
+            </a:r>
+            <a:endParaRPr lang="en-US" dirty="0" smtClean="0">
+              <a:latin typeface="+mj-lt"/>
+            </a:endParaRPr>
+          </a:p>
+          <a:p>
+            <a:pPr marL="0" indent="0">
+              <a:buNone/>
+            </a:pPr>
+            <a:r>
+              <a:rPr lang="en-US" dirty="0">
+                <a:latin typeface="+mj-lt"/>
+              </a:rPr>
+              <a:t>	</a:t>
+            </a:r>
+            <a:r>
+              <a:rPr lang="en-US" dirty="0" smtClean="0">
+                <a:latin typeface="+mj-lt"/>
+              </a:rPr>
+              <a:t>float4 </a:t>
+            </a:r>
+            <a:r>
+              <a:rPr lang="en-US" dirty="0" err="1">
+                <a:latin typeface="+mj-lt"/>
+              </a:rPr>
+              <a:t>texcoord</a:t>
+            </a:r>
+            <a:r>
+              <a:rPr lang="en-US" dirty="0">
+                <a:latin typeface="+mj-lt"/>
+              </a:rPr>
+              <a:t> : TEXCOORD0; // The first UV coordinate. </a:t>
+            </a:r>
+            <a:endParaRPr lang="en-US" dirty="0" smtClean="0">
+              <a:latin typeface="+mj-lt"/>
+            </a:endParaRPr>
+          </a:p>
+          <a:p>
+            <a:pPr marL="0" indent="0">
+              <a:buNone/>
+            </a:pPr>
+            <a:r>
+              <a:rPr lang="en-US" dirty="0" smtClean="0">
+                <a:latin typeface="+mj-lt"/>
+              </a:rPr>
+              <a:t>};</a:t>
+            </a:r>
+            <a:endParaRPr lang="en-US" dirty="0" smtClean="0">
+              <a:latin typeface="+mj-lt"/>
+            </a:endParaRPr>
+          </a:p>
+        </p:txBody>
+      </p:sp>
+    </p:spTree>
+    <p:extLst>
+      <p:ext uri="{BB962C8B-B14F-4D97-AF65-F5344CB8AC3E}">
+        <p14:creationId xmlns:p14="http://schemas.microsoft.com/office/powerpoint/2010/main" val="178150350"/>
+      </p:ext>
+    </p:extLst>
+  </p:cSld>
+  <p:clrMapOvr>
+    <a:masterClrMapping/>
+  </p:clrMapOvr>
+  <mc:AlternateContent xmlns:mc="http://schemas.openxmlformats.org/markup-compatibility/2006" xmlns:p14="http://schemas.microsoft.com/office/powerpoint/2010/main">
+    <mc:Choice Requires="p14">
+      <p:transition spd="slow" p14:dur="2000"/>
+    </mc:Choice>
+    <mc:Fallback xmlns="">
+      <p:transition spd="slow"/>
+    </mc:Fallback>
+  </mc:AlternateContent>
+  <p:timing>
+    <p:tnLst>
+      <p:par>
+        <p:cTn id="1" dur="indefinite" restart="never" nodeType="tmRoot"/>
+      </p:par>
+    </p:tnLst>
+  </p:timing>
+</p:sld>
+</file>
+
+<file path=ppt/slides/slide11.xml><?xml version="1.0" encoding="utf-8"?>
+<p:sld xmlns:a="http://schemas.openxmlformats.org/drawingml/2006/main" xmlns:r="http://schemas.openxmlformats.org/officeDocument/2006/relationships" xmlns:p="http://schemas.openxmlformats.org/presentationml/2006/main">
+  <p:cSld>
+    <p:spTree>
+      <p:nvGrpSpPr>
+        <p:cNvPr id="1" name=""/>
+        <p:cNvGrpSpPr/>
+        <p:nvPr/>
+      </p:nvGrpSpPr>
+      <p:grpSpPr>
+        <a:xfrm>
+          <a:off x="0" y="0"/>
+          <a:ext cx="0" cy="0"/>
+          <a:chOff x="0" y="0"/>
+          <a:chExt cx="0" cy="0"/>
+        </a:xfrm>
+      </p:grpSpPr>
+      <p:sp>
+        <p:nvSpPr>
+          <p:cNvPr id="2" name="Title 1"/>
+          <p:cNvSpPr>
+            <a:spLocks noGrp="1"/>
+          </p:cNvSpPr>
+          <p:nvPr>
+            <p:ph type="title"/>
+          </p:nvPr>
+        </p:nvSpPr>
+        <p:spPr/>
+        <p:txBody>
+          <a:bodyPr/>
+          <a:lstStyle/>
+          <a:p>
+            <a:r>
+              <a:rPr lang="en-US" dirty="0" err="1" smtClean="0">
+                <a:latin typeface="+mj-lt"/>
+              </a:rPr>
+              <a:t>appdata_full</a:t>
+            </a:r>
+            <a:endParaRPr lang="en-US" dirty="0">
+              <a:latin typeface="+mj-lt"/>
+            </a:endParaRPr>
+          </a:p>
+        </p:txBody>
+      </p:sp>
+      <p:sp>
+        <p:nvSpPr>
+          <p:cNvPr id="4" name="Text Placeholder 3"/>
+          <p:cNvSpPr>
+            <a:spLocks noGrp="1"/>
+          </p:cNvSpPr>
+          <p:nvPr>
+            <p:ph type="body" sz="quarter" idx="10"/>
+          </p:nvPr>
+        </p:nvSpPr>
+        <p:spPr/>
+        <p:txBody>
+          <a:bodyPr/>
+          <a:lstStyle/>
+          <a:p>
+            <a:pPr marL="0" indent="0">
+              <a:buNone/>
+            </a:pPr>
+            <a:r>
+              <a:rPr lang="en-US" dirty="0" err="1">
+                <a:latin typeface="+mj-lt"/>
+              </a:rPr>
+              <a:t>struct</a:t>
+            </a:r>
+            <a:r>
+              <a:rPr lang="en-US" dirty="0">
+                <a:latin typeface="+mj-lt"/>
+              </a:rPr>
+              <a:t> </a:t>
+            </a:r>
+            <a:r>
+              <a:rPr lang="en-US" dirty="0" err="1">
+                <a:latin typeface="+mj-lt"/>
+              </a:rPr>
+              <a:t>appdata_full</a:t>
+            </a:r>
+            <a:r>
+              <a:rPr lang="en-US" dirty="0">
+                <a:latin typeface="+mj-lt"/>
+              </a:rPr>
+              <a:t> </a:t>
+            </a:r>
+            <a:endParaRPr lang="en-US" dirty="0" smtClean="0">
+              <a:latin typeface="+mj-lt"/>
+            </a:endParaRPr>
+          </a:p>
+          <a:p>
+            <a:pPr marL="0" indent="0">
+              <a:buNone/>
+            </a:pPr>
+            <a:r>
+              <a:rPr lang="en-US" dirty="0" smtClean="0">
+                <a:latin typeface="+mj-lt"/>
+              </a:rPr>
+              <a:t>{ </a:t>
+            </a:r>
+          </a:p>
+          <a:p>
+            <a:pPr marL="0" indent="0">
+              <a:buNone/>
+            </a:pPr>
+            <a:r>
+              <a:rPr lang="en-US" dirty="0">
+                <a:latin typeface="+mj-lt"/>
+              </a:rPr>
+              <a:t>	</a:t>
+            </a:r>
+            <a:r>
+              <a:rPr lang="en-US" dirty="0" smtClean="0">
+                <a:latin typeface="+mj-lt"/>
+              </a:rPr>
+              <a:t>float4 </a:t>
+            </a:r>
+            <a:r>
+              <a:rPr lang="en-US" dirty="0">
+                <a:latin typeface="+mj-lt"/>
+              </a:rPr>
+              <a:t>vertex : POSITION; // The vertex position in model space. </a:t>
+            </a:r>
+            <a:endParaRPr lang="en-US" dirty="0" smtClean="0">
+              <a:latin typeface="+mj-lt"/>
+            </a:endParaRPr>
+          </a:p>
+          <a:p>
+            <a:pPr marL="0" indent="0">
+              <a:buNone/>
+            </a:pPr>
+            <a:r>
+              <a:rPr lang="en-US" dirty="0">
+                <a:latin typeface="+mj-lt"/>
+              </a:rPr>
+              <a:t>	</a:t>
+            </a:r>
+            <a:r>
+              <a:rPr lang="en-US" dirty="0" smtClean="0">
+                <a:latin typeface="+mj-lt"/>
+              </a:rPr>
+              <a:t>float3 </a:t>
+            </a:r>
+            <a:r>
+              <a:rPr lang="en-US" dirty="0">
+                <a:latin typeface="+mj-lt"/>
+              </a:rPr>
+              <a:t>normal : NORMAL; // The vertex normal in model space. </a:t>
+            </a:r>
+            <a:endParaRPr lang="en-US" dirty="0" smtClean="0">
+              <a:latin typeface="+mj-lt"/>
+            </a:endParaRPr>
+          </a:p>
+          <a:p>
+            <a:pPr marL="0" indent="0">
+              <a:buNone/>
+            </a:pPr>
+            <a:r>
+              <a:rPr lang="en-US" dirty="0">
+                <a:latin typeface="+mj-lt"/>
+              </a:rPr>
+              <a:t>	</a:t>
+            </a:r>
+            <a:r>
+              <a:rPr lang="en-US" dirty="0" smtClean="0">
+                <a:latin typeface="+mj-lt"/>
+              </a:rPr>
+              <a:t>float4 </a:t>
+            </a:r>
+            <a:r>
+              <a:rPr lang="en-US" dirty="0" err="1">
+                <a:latin typeface="+mj-lt"/>
+              </a:rPr>
+              <a:t>texcoord</a:t>
+            </a:r>
+            <a:r>
+              <a:rPr lang="en-US" dirty="0">
+                <a:latin typeface="+mj-lt"/>
+              </a:rPr>
+              <a:t> : TEXCOORD0; // The first UV coordinate. </a:t>
+            </a:r>
+            <a:endParaRPr lang="en-US" dirty="0" smtClean="0">
+              <a:latin typeface="+mj-lt"/>
+            </a:endParaRPr>
+          </a:p>
+          <a:p>
+            <a:pPr marL="0" indent="0">
+              <a:buNone/>
+            </a:pPr>
+            <a:r>
+              <a:rPr lang="en-US" dirty="0">
+                <a:latin typeface="+mj-lt"/>
+              </a:rPr>
+              <a:t>	</a:t>
+            </a:r>
+            <a:r>
+              <a:rPr lang="en-US" dirty="0" smtClean="0">
+                <a:latin typeface="+mj-lt"/>
+              </a:rPr>
+              <a:t>float4 </a:t>
+            </a:r>
+            <a:r>
+              <a:rPr lang="en-US" dirty="0">
+                <a:latin typeface="+mj-lt"/>
+              </a:rPr>
+              <a:t>texcoord1 : TEXCOORD1; // The second UV coordinate. </a:t>
+            </a:r>
+            <a:endParaRPr lang="en-US" dirty="0" smtClean="0">
+              <a:latin typeface="+mj-lt"/>
+            </a:endParaRPr>
+          </a:p>
+          <a:p>
+            <a:pPr marL="0" indent="0">
+              <a:buNone/>
+            </a:pPr>
+            <a:r>
+              <a:rPr lang="en-US" dirty="0">
+                <a:latin typeface="+mj-lt"/>
+              </a:rPr>
+              <a:t>	</a:t>
+            </a:r>
+            <a:r>
+              <a:rPr lang="en-US" dirty="0" smtClean="0">
+                <a:latin typeface="+mj-lt"/>
+              </a:rPr>
+              <a:t>float4 </a:t>
+            </a:r>
+            <a:r>
+              <a:rPr lang="en-US" dirty="0">
+                <a:latin typeface="+mj-lt"/>
+              </a:rPr>
+              <a:t>tangent : TANGENT; // The tangent vector in Model Space. </a:t>
+            </a:r>
+            <a:endParaRPr lang="en-US" dirty="0" smtClean="0">
+              <a:latin typeface="+mj-lt"/>
+            </a:endParaRPr>
+          </a:p>
+          <a:p>
+            <a:pPr marL="0" indent="0">
+              <a:buNone/>
+            </a:pPr>
+            <a:r>
+              <a:rPr lang="en-US" dirty="0">
+                <a:latin typeface="+mj-lt"/>
+              </a:rPr>
+              <a:t>	</a:t>
+            </a:r>
+            <a:r>
+              <a:rPr lang="en-US" dirty="0" smtClean="0">
+                <a:latin typeface="+mj-lt"/>
+              </a:rPr>
+              <a:t>float4 </a:t>
+            </a:r>
+            <a:r>
+              <a:rPr lang="en-US" dirty="0">
+                <a:latin typeface="+mj-lt"/>
+              </a:rPr>
+              <a:t>color : COLOR; // Per-vertex color </a:t>
+            </a:r>
+            <a:endParaRPr lang="en-US" dirty="0" smtClean="0">
+              <a:latin typeface="+mj-lt"/>
+            </a:endParaRPr>
+          </a:p>
+          <a:p>
+            <a:pPr marL="0" indent="0">
+              <a:buNone/>
+            </a:pPr>
+            <a:r>
+              <a:rPr lang="en-US" dirty="0" smtClean="0">
+                <a:latin typeface="+mj-lt"/>
+              </a:rPr>
+              <a:t>};</a:t>
+            </a:r>
+            <a:endParaRPr lang="en-US" dirty="0" smtClean="0">
+              <a:latin typeface="+mj-lt"/>
+            </a:endParaRPr>
+          </a:p>
+        </p:txBody>
+      </p:sp>
+    </p:spTree>
+    <p:extLst>
+      <p:ext uri="{BB962C8B-B14F-4D97-AF65-F5344CB8AC3E}">
+        <p14:creationId xmlns:p14="http://schemas.microsoft.com/office/powerpoint/2010/main" val="3624061076"/>
+      </p:ext>
+    </p:extLst>
+  </p:cSld>
+  <p:clrMapOvr>
+    <a:masterClrMapping/>
+  </p:clrMapOvr>
+  <mc:AlternateContent xmlns:mc="http://schemas.openxmlformats.org/markup-compatibility/2006" xmlns:p14="http://schemas.microsoft.com/office/powerpoint/2010/main">
+    <mc:Choice Requires="p14">
+      <p:transition spd="slow" p14:dur="2000"/>
+    </mc:Choice>
+    <mc:Fallback xmlns="">
+      <p:transition spd="slow"/>
+    </mc:Fallback>
+  </mc:AlternateContent>
+  <p:timing>
+    <p:tnLst>
+      <p:par>
+        <p:cTn id="1" dur="indefinite" restart="never" nodeType="tmRoot"/>
+      </p:par>
+    </p:tnLst>
+  </p:timing>
+</p:sld>
+</file>
+
+<file path=ppt/slides/slide12.xml><?xml version="1.0" encoding="utf-8"?>
+<p:sld xmlns:a="http://schemas.openxmlformats.org/drawingml/2006/main" xmlns:r="http://schemas.openxmlformats.org/officeDocument/2006/relationships" xmlns:p="http://schemas.openxmlformats.org/presentationml/2006/main">
+  <p:cSld>
+    <p:spTree>
+      <p:nvGrpSpPr>
+        <p:cNvPr id="1" name=""/>
+        <p:cNvGrpSpPr/>
+        <p:nvPr/>
+      </p:nvGrpSpPr>
+      <p:grpSpPr>
+        <a:xfrm>
+          <a:off x="0" y="0"/>
+          <a:ext cx="0" cy="0"/>
+          <a:chOff x="0" y="0"/>
+          <a:chExt cx="0" cy="0"/>
+        </a:xfrm>
+      </p:grpSpPr>
+      <p:sp>
+        <p:nvSpPr>
+          <p:cNvPr id="2" name="Title 1"/>
+          <p:cNvSpPr>
+            <a:spLocks noGrp="1"/>
+          </p:cNvSpPr>
+          <p:nvPr>
+            <p:ph type="title"/>
+          </p:nvPr>
+        </p:nvSpPr>
+        <p:spPr/>
+        <p:txBody>
+          <a:bodyPr/>
+          <a:lstStyle/>
+          <a:p>
+            <a:r>
+              <a:rPr lang="en-US" dirty="0" err="1" smtClean="0">
+                <a:latin typeface="+mj-lt"/>
+              </a:rPr>
+              <a:t>SurfaceOutput</a:t>
+            </a:r>
+            <a:endParaRPr lang="en-US" dirty="0">
+              <a:latin typeface="+mj-lt"/>
+            </a:endParaRPr>
+          </a:p>
+        </p:txBody>
+      </p:sp>
+      <p:sp>
+        <p:nvSpPr>
+          <p:cNvPr id="4" name="Text Placeholder 3"/>
+          <p:cNvSpPr>
+            <a:spLocks noGrp="1"/>
+          </p:cNvSpPr>
+          <p:nvPr>
+            <p:ph type="body" sz="quarter" idx="10"/>
+          </p:nvPr>
+        </p:nvSpPr>
+        <p:spPr/>
+        <p:txBody>
+          <a:bodyPr/>
+          <a:lstStyle/>
+          <a:p>
+            <a:pPr marL="0" indent="0">
+              <a:buNone/>
+            </a:pPr>
+            <a:r>
+              <a:rPr lang="en-US" dirty="0" err="1">
+                <a:latin typeface="+mj-lt"/>
+              </a:rPr>
+              <a:t>struct</a:t>
+            </a:r>
+            <a:r>
+              <a:rPr lang="en-US" dirty="0">
+                <a:latin typeface="+mj-lt"/>
+              </a:rPr>
+              <a:t> </a:t>
+            </a:r>
+            <a:r>
+              <a:rPr lang="en-US" dirty="0" err="1">
+                <a:latin typeface="+mj-lt"/>
+              </a:rPr>
+              <a:t>SurfaceOutput</a:t>
+            </a:r>
+            <a:r>
+              <a:rPr lang="en-US" dirty="0">
+                <a:latin typeface="+mj-lt"/>
+              </a:rPr>
+              <a:t> </a:t>
+            </a:r>
+            <a:endParaRPr lang="en-US" dirty="0" smtClean="0">
+              <a:latin typeface="+mj-lt"/>
+            </a:endParaRPr>
+          </a:p>
+          <a:p>
+            <a:pPr marL="0" indent="0">
+              <a:buNone/>
+            </a:pPr>
+            <a:r>
+              <a:rPr lang="en-US" dirty="0" smtClean="0">
+                <a:latin typeface="+mj-lt"/>
+              </a:rPr>
+              <a:t>{ </a:t>
+            </a:r>
+          </a:p>
+          <a:p>
+            <a:pPr marL="0" indent="0">
+              <a:buNone/>
+            </a:pPr>
+            <a:r>
+              <a:rPr lang="en-US" dirty="0">
+                <a:latin typeface="+mj-lt"/>
+              </a:rPr>
+              <a:t>	</a:t>
+            </a:r>
+            <a:r>
+              <a:rPr lang="en-US" dirty="0" smtClean="0">
+                <a:latin typeface="+mj-lt"/>
+              </a:rPr>
+              <a:t>half3 </a:t>
+            </a:r>
+            <a:r>
+              <a:rPr lang="en-US" dirty="0">
+                <a:latin typeface="+mj-lt"/>
+              </a:rPr>
+              <a:t>Albedo</a:t>
+            </a:r>
+            <a:r>
+              <a:rPr lang="en-US" dirty="0" smtClean="0">
+                <a:latin typeface="+mj-lt"/>
+              </a:rPr>
+              <a:t>; //Just the diffuse color. </a:t>
+            </a:r>
+          </a:p>
+          <a:p>
+            <a:pPr marL="0" indent="0">
+              <a:buNone/>
+            </a:pPr>
+            <a:r>
+              <a:rPr lang="en-US" dirty="0">
+                <a:latin typeface="+mj-lt"/>
+              </a:rPr>
+              <a:t>	</a:t>
+            </a:r>
+            <a:r>
+              <a:rPr lang="en-US" dirty="0" smtClean="0">
+                <a:latin typeface="+mj-lt"/>
+              </a:rPr>
+              <a:t>half3 </a:t>
+            </a:r>
+            <a:r>
+              <a:rPr lang="en-US" dirty="0">
+                <a:latin typeface="+mj-lt"/>
+              </a:rPr>
+              <a:t>Normal; </a:t>
+            </a:r>
+            <a:r>
+              <a:rPr lang="en-US" dirty="0" smtClean="0">
+                <a:latin typeface="+mj-lt"/>
+              </a:rPr>
+              <a:t> //Tangent space normal, if written.</a:t>
+            </a:r>
+          </a:p>
+          <a:p>
+            <a:pPr marL="0" indent="0">
+              <a:buNone/>
+            </a:pPr>
+            <a:r>
+              <a:rPr lang="en-US" dirty="0">
+                <a:latin typeface="+mj-lt"/>
+              </a:rPr>
+              <a:t>	</a:t>
+            </a:r>
+            <a:r>
+              <a:rPr lang="en-US" dirty="0" smtClean="0">
+                <a:latin typeface="+mj-lt"/>
+              </a:rPr>
+              <a:t>half3 </a:t>
+            </a:r>
+            <a:r>
+              <a:rPr lang="en-US" dirty="0">
+                <a:latin typeface="+mj-lt"/>
+              </a:rPr>
+              <a:t>Emission; </a:t>
+            </a:r>
+            <a:r>
+              <a:rPr lang="en-US" dirty="0" smtClean="0">
+                <a:latin typeface="+mj-lt"/>
+              </a:rPr>
+              <a:t>//Emission value in 0..1 range.</a:t>
+            </a:r>
+          </a:p>
+          <a:p>
+            <a:pPr marL="0" indent="0">
+              <a:buNone/>
+            </a:pPr>
+            <a:r>
+              <a:rPr lang="en-US" dirty="0">
+                <a:latin typeface="+mj-lt"/>
+              </a:rPr>
+              <a:t>	</a:t>
+            </a:r>
+            <a:r>
+              <a:rPr lang="en-US" dirty="0" smtClean="0">
+                <a:latin typeface="+mj-lt"/>
+              </a:rPr>
+              <a:t>half </a:t>
+            </a:r>
+            <a:r>
+              <a:rPr lang="en-US" dirty="0">
+                <a:latin typeface="+mj-lt"/>
+              </a:rPr>
+              <a:t>Specular; </a:t>
+            </a:r>
+            <a:r>
+              <a:rPr lang="en-US" dirty="0" smtClean="0">
+                <a:latin typeface="+mj-lt"/>
+              </a:rPr>
+              <a:t> //Specular power in 0..1 range.</a:t>
+            </a:r>
+          </a:p>
+          <a:p>
+            <a:pPr marL="0" indent="0">
+              <a:buNone/>
+            </a:pPr>
+            <a:r>
+              <a:rPr lang="en-US" dirty="0">
+                <a:latin typeface="+mj-lt"/>
+              </a:rPr>
+              <a:t>	</a:t>
+            </a:r>
+            <a:r>
+              <a:rPr lang="en-US" dirty="0" smtClean="0">
+                <a:latin typeface="+mj-lt"/>
+              </a:rPr>
+              <a:t>half </a:t>
+            </a:r>
+            <a:r>
+              <a:rPr lang="en-US" dirty="0">
+                <a:latin typeface="+mj-lt"/>
+              </a:rPr>
+              <a:t>Gloss; </a:t>
+            </a:r>
+            <a:r>
+              <a:rPr lang="en-US" dirty="0" smtClean="0">
+                <a:latin typeface="+mj-lt"/>
+              </a:rPr>
+              <a:t> //Specular intensity.</a:t>
+            </a:r>
+          </a:p>
+          <a:p>
+            <a:pPr marL="0" indent="0">
+              <a:buNone/>
+            </a:pPr>
+            <a:r>
+              <a:rPr lang="en-US" dirty="0">
+                <a:latin typeface="+mj-lt"/>
+              </a:rPr>
+              <a:t>	</a:t>
+            </a:r>
+            <a:r>
+              <a:rPr lang="en-US" dirty="0" smtClean="0">
+                <a:latin typeface="+mj-lt"/>
+              </a:rPr>
+              <a:t>half </a:t>
+            </a:r>
+            <a:r>
+              <a:rPr lang="en-US" dirty="0">
+                <a:latin typeface="+mj-lt"/>
+              </a:rPr>
+              <a:t>Alpha; </a:t>
+            </a:r>
+            <a:r>
+              <a:rPr lang="en-US" dirty="0" smtClean="0">
+                <a:latin typeface="+mj-lt"/>
+              </a:rPr>
+              <a:t>//Alpha value for transparency.</a:t>
+            </a:r>
+          </a:p>
+          <a:p>
+            <a:pPr marL="0" indent="0">
+              <a:buNone/>
+            </a:pPr>
+            <a:r>
+              <a:rPr lang="en-US" dirty="0" smtClean="0">
+                <a:latin typeface="+mj-lt"/>
+              </a:rPr>
+              <a:t>};</a:t>
+            </a:r>
+            <a:endParaRPr lang="en-US" dirty="0" smtClean="0">
+              <a:latin typeface="+mj-lt"/>
+            </a:endParaRPr>
+          </a:p>
+        </p:txBody>
+      </p:sp>
+    </p:spTree>
+    <p:extLst>
+      <p:ext uri="{BB962C8B-B14F-4D97-AF65-F5344CB8AC3E}">
+        <p14:creationId xmlns:p14="http://schemas.microsoft.com/office/powerpoint/2010/main" val="1856914106"/>
+      </p:ext>
+    </p:extLst>
+  </p:cSld>
+  <p:clrMapOvr>
+    <a:masterClrMapping/>
+  </p:clrMapOvr>
+  <mc:AlternateContent xmlns:mc="http://schemas.openxmlformats.org/markup-compatibility/2006" xmlns:p14="http://schemas.microsoft.com/office/powerpoint/2010/main">
+    <mc:Choice Requires="p14">
+      <p:transition spd="slow" p14:dur="2000"/>
+    </mc:Choice>
+    <mc:Fallback xmlns="">
+      <p:transition spd="slow"/>
+    </mc:Fallback>
+  </mc:AlternateContent>
+  <p:timing>
+    <p:tnLst>
+      <p:par>
+        <p:cTn id="1" dur="indefinite" restart="never" nodeType="tmRoot"/>
+      </p:par>
+    </p:tnLst>
+  </p:timing>
+</p:sld>
+</file>
+
+<file path=ppt/slides/slide13.xml><?xml version="1.0" encoding="utf-8"?>
+<p:sld xmlns:a="http://schemas.openxmlformats.org/drawingml/2006/main" xmlns:r="http://schemas.openxmlformats.org/officeDocument/2006/relationships" xmlns:p="http://schemas.openxmlformats.org/presentationml/2006/main">
+  <p:cSld>
+    <p:spTree>
+      <p:nvGrpSpPr>
+        <p:cNvPr id="1" name=""/>
+        <p:cNvGrpSpPr/>
+        <p:nvPr/>
+      </p:nvGrpSpPr>
+      <p:grpSpPr>
+        <a:xfrm>
+          <a:off x="0" y="0"/>
+          <a:ext cx="0" cy="0"/>
+          <a:chOff x="0" y="0"/>
+          <a:chExt cx="0" cy="0"/>
+        </a:xfrm>
+      </p:grpSpPr>
+      <p:sp>
+        <p:nvSpPr>
+          <p:cNvPr id="2" name="Title 1"/>
+          <p:cNvSpPr>
+            <a:spLocks noGrp="1"/>
+          </p:cNvSpPr>
+          <p:nvPr>
+            <p:ph type="title"/>
+          </p:nvPr>
+        </p:nvSpPr>
+        <p:spPr/>
+        <p:txBody>
+          <a:bodyPr/>
+          <a:lstStyle/>
+          <a:p>
+            <a:r>
+              <a:rPr lang="en-US" dirty="0" smtClean="0"/>
+              <a:t>The Vertex </a:t>
+            </a:r>
+            <a:r>
+              <a:rPr lang="en-US" dirty="0" err="1" smtClean="0"/>
+              <a:t>Shader</a:t>
+            </a:r>
+            <a:endParaRPr lang="en-US" dirty="0"/>
+          </a:p>
+        </p:txBody>
+      </p:sp>
+      <p:sp>
+        <p:nvSpPr>
+          <p:cNvPr id="3" name="Text Placeholder 2"/>
+          <p:cNvSpPr>
+            <a:spLocks noGrp="1"/>
+          </p:cNvSpPr>
+          <p:nvPr>
+            <p:ph type="body" sz="quarter" idx="10"/>
+          </p:nvPr>
+        </p:nvSpPr>
+        <p:spPr/>
+        <p:txBody>
+          <a:bodyPr/>
+          <a:lstStyle/>
+          <a:p>
+            <a:endParaRPr lang="en-US"/>
+          </a:p>
+        </p:txBody>
+      </p:sp>
+    </p:spTree>
+    <p:extLst>
+      <p:ext uri="{BB962C8B-B14F-4D97-AF65-F5344CB8AC3E}">
+        <p14:creationId xmlns:p14="http://schemas.microsoft.com/office/powerpoint/2010/main" val="3918197182"/>
+      </p:ext>
+    </p:extLst>
+  </p:cSld>
+  <p:clrMapOvr>
+    <a:masterClrMapping/>
+  </p:clrMapOvr>
+  <mc:AlternateContent xmlns:mc="http://schemas.openxmlformats.org/markup-compatibility/2006" xmlns:p14="http://schemas.microsoft.com/office/powerpoint/2010/main">
+    <mc:Choice Requires="p14">
+      <p:transition spd="slow" p14:dur="2000"/>
+    </mc:Choice>
+    <mc:Fallback xmlns="">
+      <p:transition spd="slow"/>
+    </mc:Fallback>
+  </mc:AlternateContent>
+</p:sld>
+</file>
+
+<file path=ppt/slides/slide14.xml><?xml version="1.0" encoding="utf-8"?>
+<p:sld xmlns:a="http://schemas.openxmlformats.org/drawingml/2006/main" xmlns:r="http://schemas.openxmlformats.org/officeDocument/2006/relationships" xmlns:p="http://schemas.openxmlformats.org/presentationml/2006/main">
+  <p:cSld>
+    <p:spTree>
+      <p:nvGrpSpPr>
+        <p:cNvPr id="1" name=""/>
+        <p:cNvGrpSpPr/>
+        <p:nvPr/>
+      </p:nvGrpSpPr>
+      <p:grpSpPr>
+        <a:xfrm>
+          <a:off x="0" y="0"/>
+          <a:ext cx="0" cy="0"/>
+          <a:chOff x="0" y="0"/>
+          <a:chExt cx="0" cy="0"/>
+        </a:xfrm>
+      </p:grpSpPr>
+      <p:sp>
+        <p:nvSpPr>
+          <p:cNvPr id="2" name="Title 1"/>
+          <p:cNvSpPr>
+            <a:spLocks noGrp="1"/>
+          </p:cNvSpPr>
+          <p:nvPr>
+            <p:ph type="title"/>
+          </p:nvPr>
+        </p:nvSpPr>
+        <p:spPr/>
+        <p:txBody>
+          <a:bodyPr/>
+          <a:lstStyle/>
+          <a:p>
+            <a:r>
+              <a:rPr lang="en-US" dirty="0" smtClean="0"/>
+              <a:t>The Fragment </a:t>
+            </a:r>
+            <a:r>
+              <a:rPr lang="en-US" dirty="0" err="1" smtClean="0"/>
+              <a:t>Shader</a:t>
+            </a:r>
+            <a:endParaRPr lang="en-US" dirty="0"/>
+          </a:p>
+        </p:txBody>
+      </p:sp>
+      <p:sp>
+        <p:nvSpPr>
+          <p:cNvPr id="3" name="Text Placeholder 2"/>
+          <p:cNvSpPr>
+            <a:spLocks noGrp="1"/>
+          </p:cNvSpPr>
+          <p:nvPr>
+            <p:ph type="body" sz="quarter" idx="10"/>
+          </p:nvPr>
+        </p:nvSpPr>
+        <p:spPr/>
+        <p:txBody>
+          <a:bodyPr/>
+          <a:lstStyle/>
+          <a:p>
+            <a:endParaRPr lang="en-US"/>
+          </a:p>
+        </p:txBody>
+      </p:sp>
+    </p:spTree>
+    <p:extLst>
+      <p:ext uri="{BB962C8B-B14F-4D97-AF65-F5344CB8AC3E}">
+        <p14:creationId xmlns:p14="http://schemas.microsoft.com/office/powerpoint/2010/main" val="3734333042"/>
+      </p:ext>
+    </p:extLst>
+  </p:cSld>
+  <p:clrMapOvr>
+    <a:masterClrMapping/>
+  </p:clrMapOvr>
+  <mc:AlternateContent xmlns:mc="http://schemas.openxmlformats.org/markup-compatibility/2006" xmlns:p14="http://schemas.microsoft.com/office/powerpoint/2010/main">
+    <mc:Choice Requires="p14">
+      <p:transition spd="slow" p14:dur="2000"/>
+    </mc:Choice>
+    <mc:Fallback xmlns="">
+      <p:transition spd="slow"/>
+    </mc:Fallback>
+  </mc:AlternateContent>
+</p:sld>
+</file>
+
+<file path=ppt/slides/slide15.xml><?xml version="1.0" encoding="utf-8"?>
+<p:sld xmlns:a="http://schemas.openxmlformats.org/drawingml/2006/main" xmlns:r="http://schemas.openxmlformats.org/officeDocument/2006/relationships" xmlns:p="http://schemas.openxmlformats.org/presentationml/2006/main">
+  <p:cSld>
+    <p:spTree>
+      <p:nvGrpSpPr>
+        <p:cNvPr id="1" name=""/>
+        <p:cNvGrpSpPr/>
+        <p:nvPr/>
+      </p:nvGrpSpPr>
+      <p:grpSpPr>
+        <a:xfrm>
+          <a:off x="0" y="0"/>
+          <a:ext cx="0" cy="0"/>
+          <a:chOff x="0" y="0"/>
+          <a:chExt cx="0" cy="0"/>
+        </a:xfrm>
+      </p:grpSpPr>
+      <p:sp>
+        <p:nvSpPr>
+          <p:cNvPr id="2" name="Title 1"/>
+          <p:cNvSpPr>
+            <a:spLocks noGrp="1"/>
+          </p:cNvSpPr>
+          <p:nvPr>
+            <p:ph type="title"/>
+          </p:nvPr>
+        </p:nvSpPr>
+        <p:spPr/>
+        <p:txBody>
+          <a:bodyPr/>
+          <a:lstStyle/>
+          <a:p>
+            <a:r>
+              <a:rPr lang="en-US" dirty="0" smtClean="0"/>
+              <a:t>The </a:t>
+            </a:r>
+            <a:r>
+              <a:rPr lang="en-US" dirty="0" smtClean="0"/>
+              <a:t>Surface </a:t>
+            </a:r>
+            <a:r>
+              <a:rPr lang="en-US" dirty="0" err="1" smtClean="0"/>
+              <a:t>Shader</a:t>
+            </a:r>
+            <a:endParaRPr lang="en-US" dirty="0"/>
+          </a:p>
+        </p:txBody>
+      </p:sp>
+      <p:sp>
+        <p:nvSpPr>
+          <p:cNvPr id="3" name="Text Placeholder 2"/>
+          <p:cNvSpPr>
+            <a:spLocks noGrp="1"/>
+          </p:cNvSpPr>
+          <p:nvPr>
+            <p:ph type="body" sz="quarter" idx="10"/>
+          </p:nvPr>
+        </p:nvSpPr>
+        <p:spPr/>
+        <p:txBody>
+          <a:bodyPr/>
+          <a:lstStyle/>
+          <a:p>
+            <a:endParaRPr lang="en-US"/>
+          </a:p>
+        </p:txBody>
+      </p:sp>
+    </p:spTree>
+    <p:extLst>
+      <p:ext uri="{BB962C8B-B14F-4D97-AF65-F5344CB8AC3E}">
+        <p14:creationId xmlns:p14="http://schemas.microsoft.com/office/powerpoint/2010/main" val="644983939"/>
+      </p:ext>
+    </p:extLst>
+  </p:cSld>
+  <p:clrMapOvr>
+    <a:masterClrMapping/>
+  </p:clrMapOvr>
+  <mc:AlternateContent xmlns:mc="http://schemas.openxmlformats.org/markup-compatibility/2006" xmlns:p14="http://schemas.microsoft.com/office/powerpoint/2010/main">
+    <mc:Choice Requires="p14">
+      <p:transition spd="slow" p14:dur="2000"/>
+    </mc:Choice>
+    <mc:Fallback xmlns="">
+      <p:transition spd="slow"/>
+    </mc:Fallback>
+  </mc:AlternateContent>
+</p:sld>
+</file>
+
+<file path=ppt/slides/slide16.xml><?xml version="1.0" encoding="utf-8"?>
+<p:sld xmlns:a="http://schemas.openxmlformats.org/drawingml/2006/main" xmlns:r="http://schemas.openxmlformats.org/officeDocument/2006/relationships" xmlns:p="http://schemas.openxmlformats.org/presentationml/2006/main">
+  <p:cSld>
+    <p:spTree>
+      <p:nvGrpSpPr>
+        <p:cNvPr id="1" name=""/>
+        <p:cNvGrpSpPr/>
+        <p:nvPr/>
+      </p:nvGrpSpPr>
+      <p:grpSpPr>
+        <a:xfrm>
+          <a:off x="0" y="0"/>
+          <a:ext cx="0" cy="0"/>
+          <a:chOff x="0" y="0"/>
+          <a:chExt cx="0" cy="0"/>
+        </a:xfrm>
+      </p:grpSpPr>
+      <p:sp>
+        <p:nvSpPr>
+          <p:cNvPr id="5" name="Title 4"/>
+          <p:cNvSpPr>
+            <a:spLocks noGrp="1"/>
+          </p:cNvSpPr>
+          <p:nvPr>
+            <p:ph type="title"/>
+          </p:nvPr>
+        </p:nvSpPr>
+        <p:spPr/>
+        <p:txBody>
+          <a:bodyPr/>
+          <a:lstStyle/>
+          <a:p>
+            <a:r>
+              <a:rPr lang="en-GB" dirty="0" smtClean="0">
+                <a:latin typeface="+mj-lt"/>
+              </a:rPr>
+              <a:t>References</a:t>
+            </a:r>
+            <a:endParaRPr lang="en-GB" dirty="0">
+              <a:latin typeface="+mj-lt"/>
+            </a:endParaRPr>
+          </a:p>
+        </p:txBody>
+      </p:sp>
+      <p:sp>
+        <p:nvSpPr>
+          <p:cNvPr id="6" name="Text Placeholder 5"/>
+          <p:cNvSpPr>
+            <a:spLocks noGrp="1"/>
+          </p:cNvSpPr>
+          <p:nvPr>
+            <p:ph type="body" sz="quarter" idx="10"/>
+          </p:nvPr>
+        </p:nvSpPr>
+        <p:spPr/>
+        <p:txBody>
+          <a:bodyPr/>
+          <a:lstStyle/>
+          <a:p>
+            <a:r>
+              <a:rPr lang="en-GB" sz="2000" dirty="0" smtClean="0">
+                <a:latin typeface="+mj-lt"/>
+              </a:rPr>
+              <a:t>Slides and demo Project</a:t>
+            </a:r>
+            <a:r>
+              <a:rPr lang="en-GB" sz="2000" dirty="0">
+                <a:latin typeface="+mj-lt"/>
+              </a:rPr>
+              <a:t>: </a:t>
+            </a:r>
+            <a:endParaRPr lang="en-GB" sz="2000" dirty="0" smtClean="0">
+              <a:latin typeface="+mj-lt"/>
+            </a:endParaRPr>
+          </a:p>
+          <a:p>
+            <a:pPr lvl="1"/>
+            <a:r>
+              <a:rPr lang="en-GB" dirty="0">
+                <a:latin typeface="+mj-lt"/>
+              </a:rPr>
+              <a:t>https://github.com/ArturoNereu/ShaderProgramming_101</a:t>
+            </a:r>
+          </a:p>
+          <a:p>
+            <a:r>
+              <a:rPr lang="en-GB" sz="2000" dirty="0" err="1" smtClean="0">
+                <a:latin typeface="+mj-lt"/>
+              </a:rPr>
+              <a:t>Shader</a:t>
+            </a:r>
+            <a:r>
+              <a:rPr lang="en-GB" sz="2000" dirty="0" smtClean="0">
+                <a:latin typeface="+mj-lt"/>
+              </a:rPr>
+              <a:t> Programming online course: </a:t>
+            </a:r>
+          </a:p>
+          <a:p>
+            <a:pPr lvl="1"/>
+            <a:r>
+              <a:rPr lang="en-GB" dirty="0">
+                <a:latin typeface="+mj-lt"/>
+              </a:rPr>
+              <a:t>http://</a:t>
+            </a:r>
+            <a:r>
+              <a:rPr lang="en-GB" dirty="0" smtClean="0">
+                <a:latin typeface="+mj-lt"/>
+              </a:rPr>
+              <a:t>cvgshader.teachable.com/courses/shader-development-using-unity-5</a:t>
+            </a:r>
+            <a:endParaRPr lang="en-GB" dirty="0">
+              <a:latin typeface="+mj-lt"/>
+            </a:endParaRPr>
+          </a:p>
+          <a:p>
+            <a:endParaRPr lang="en-GB" dirty="0" smtClean="0">
+              <a:latin typeface="+mj-lt"/>
+            </a:endParaRPr>
+          </a:p>
+        </p:txBody>
+      </p:sp>
+    </p:spTree>
+    <p:extLst>
+      <p:ext uri="{BB962C8B-B14F-4D97-AF65-F5344CB8AC3E}">
+        <p14:creationId xmlns:p14="http://schemas.microsoft.com/office/powerpoint/2010/main" val="4054509897"/>
+      </p:ext>
+    </p:extLst>
+  </p:cSld>
+  <p:clrMapOvr>
+    <a:masterClrMapping/>
+  </p:clrMapOvr>
+  <mc:AlternateContent xmlns:mc="http://schemas.openxmlformats.org/markup-compatibility/2006" xmlns:p14="http://schemas.microsoft.com/office/powerpoint/2010/main">
+    <mc:Choice Requires="p14">
+      <p:transition spd="slow" p14:dur="2000"/>
+    </mc:Choice>
+    <mc:Fallback xmlns="">
+      <p:transition spd="slow"/>
+    </mc:Fallback>
+  </mc:AlternateContent>
+  <p:timing>
+    <p:tnLst>
+      <p:par>
+        <p:cTn id="1" dur="indefinite" restart="never" nodeType="tmRoot"/>
+      </p:par>
+    </p:tnLst>
+  </p:timing>
+</p:sld>
+</file>
+
+<file path=ppt/slides/slide17.xml><?xml version="1.0" encoding="utf-8"?>
+<p:sld xmlns:a="http://schemas.openxmlformats.org/drawingml/2006/main" xmlns:r="http://schemas.openxmlformats.org/officeDocument/2006/relationships" xmlns:p="http://schemas.openxmlformats.org/presentationml/2006/main">
+  <p:cSld>
+    <p:spTree>
+      <p:nvGrpSpPr>
+        <p:cNvPr id="1" name=""/>
+        <p:cNvGrpSpPr/>
+        <p:nvPr/>
+      </p:nvGrpSpPr>
+      <p:grpSpPr>
+        <a:xfrm>
+          <a:off x="0" y="0"/>
+          <a:ext cx="0" cy="0"/>
+          <a:chOff x="0" y="0"/>
+          <a:chExt cx="0" cy="0"/>
+        </a:xfrm>
+      </p:grpSpPr>
+      <p:sp>
+        <p:nvSpPr>
           <p:cNvPr id="2" name="Titel 1"/>
           <p:cNvSpPr>
             <a:spLocks noGrp="1"/>
@@ -3312,17 +8889,89 @@
           <a:lstStyle/>
           <a:p>
             <a:r>
-              <a:rPr lang="en-GB" dirty="0" smtClean="0"/>
-              <a:t>Thank you!</a:t>
-            </a:r>
-            <a:endParaRPr lang="en-GB" dirty="0"/>
+              <a:rPr lang="en-US" sz="8000" dirty="0" smtClean="0">
+                <a:latin typeface="+mj-lt"/>
+              </a:rPr>
+              <a:t>Q &amp; A</a:t>
+            </a:r>
+            <a:endParaRPr lang="en-GB" sz="8000" dirty="0">
+              <a:latin typeface="+mj-lt"/>
+            </a:endParaRPr>
           </a:p>
         </p:txBody>
       </p:sp>
     </p:spTree>
     <p:extLst>
       <p:ext uri="{BB962C8B-B14F-4D97-AF65-F5344CB8AC3E}">
-        <p14:creationId xmlns:p14="http://schemas.microsoft.com/office/powerpoint/2010/main" val="1007421495"/>
+        <p14:creationId xmlns:p14="http://schemas.microsoft.com/office/powerpoint/2010/main" val="3156935633"/>
+      </p:ext>
+    </p:extLst>
+  </p:cSld>
+  <p:clrMapOvr>
+    <a:masterClrMapping/>
+  </p:clrMapOvr>
+  <mc:AlternateContent xmlns:mc="http://schemas.openxmlformats.org/markup-compatibility/2006" xmlns:p14="http://schemas.microsoft.com/office/powerpoint/2010/main">
+    <mc:Choice Requires="p14">
+      <p:transition spd="slow" p14:dur="2000"/>
+    </mc:Choice>
+    <mc:Fallback xmlns="">
+      <p:transition spd="slow"/>
+    </mc:Fallback>
+  </mc:AlternateContent>
+  <p:timing>
+    <p:tnLst>
+      <p:par>
+        <p:cTn id="1" dur="indefinite" restart="never" nodeType="tmRoot"/>
+      </p:par>
+    </p:tnLst>
+  </p:timing>
+</p:sld>
+</file>
+
+<file path=ppt/slides/slide18.xml><?xml version="1.0" encoding="utf-8"?>
+<p:sld xmlns:a="http://schemas.openxmlformats.org/drawingml/2006/main" xmlns:r="http://schemas.openxmlformats.org/officeDocument/2006/relationships" xmlns:p="http://schemas.openxmlformats.org/presentationml/2006/main">
+  <p:cSld>
+    <p:spTree>
+      <p:nvGrpSpPr>
+        <p:cNvPr id="1" name=""/>
+        <p:cNvGrpSpPr/>
+        <p:nvPr/>
+      </p:nvGrpSpPr>
+      <p:grpSpPr>
+        <a:xfrm>
+          <a:off x="0" y="0"/>
+          <a:ext cx="0" cy="0"/>
+          <a:chOff x="0" y="0"/>
+          <a:chExt cx="0" cy="0"/>
+        </a:xfrm>
+      </p:grpSpPr>
+      <p:sp>
+        <p:nvSpPr>
+          <p:cNvPr id="2" name="Titel 1"/>
+          <p:cNvSpPr>
+            <a:spLocks noGrp="1"/>
+          </p:cNvSpPr>
+          <p:nvPr>
+            <p:ph type="title"/>
+          </p:nvPr>
+        </p:nvSpPr>
+        <p:spPr/>
+        <p:txBody>
+          <a:bodyPr/>
+          <a:lstStyle/>
+          <a:p>
+            <a:r>
+              <a:rPr lang="ja-JP" altLang="en-US" dirty="0"/>
+              <a:t>ありがとう</a:t>
+            </a:r>
+            <a:endParaRPr lang="en-GB" dirty="0"/>
+          </a:p>
+        </p:txBody>
+      </p:sp>
+    </p:spTree>
+    <p:extLst>
+      <p:ext uri="{BB962C8B-B14F-4D97-AF65-F5344CB8AC3E}">
+        <p14:creationId xmlns:p14="http://schemas.microsoft.com/office/powerpoint/2010/main" val="1465105181"/>
       </p:ext>
     </p:extLst>
   </p:cSld>
@@ -3364,10 +9013,54 @@
           <a:chExt cx="0" cy="0"/>
         </a:xfrm>
       </p:grpSpPr>
+      <p:sp>
+        <p:nvSpPr>
+          <p:cNvPr id="2" name="Title 1"/>
+          <p:cNvSpPr>
+            <a:spLocks noGrp="1"/>
+          </p:cNvSpPr>
+          <p:nvPr>
+            <p:ph type="title"/>
+          </p:nvPr>
+        </p:nvSpPr>
+        <p:spPr>
+          <a:xfrm>
+            <a:off x="491884" y="1480257"/>
+            <a:ext cx="8362030" cy="2182986"/>
+          </a:xfrm>
+        </p:spPr>
+        <p:txBody>
+          <a:bodyPr/>
+          <a:lstStyle/>
+          <a:p>
+            <a:r>
+              <a:rPr lang="en-GB" sz="4000" dirty="0" smtClean="0">
+                <a:latin typeface="+mj-lt"/>
+              </a:rPr>
+              <a:t>Introduction to </a:t>
+            </a:r>
+            <a:r>
+              <a:rPr lang="en-GB" sz="4000" dirty="0" err="1" smtClean="0">
+                <a:latin typeface="+mj-lt"/>
+              </a:rPr>
+              <a:t>Shader</a:t>
+            </a:r>
+            <a:r>
+              <a:rPr lang="en-GB" sz="4000" dirty="0" smtClean="0">
+                <a:latin typeface="+mj-lt"/>
+              </a:rPr>
+              <a:t> Programming</a:t>
+            </a:r>
+            <a:endParaRPr lang="en-GB" sz="4000" dirty="0">
+              <a:latin typeface="+mj-lt"/>
+            </a:endParaRPr>
+          </a:p>
+        </p:txBody>
+      </p:sp>
     </p:spTree>
     <p:extLst>
       <p:ext uri="{BB962C8B-B14F-4D97-AF65-F5344CB8AC3E}">
-        <p14:creationId xmlns:p14="http://schemas.microsoft.com/office/powerpoint/2010/main" val="2568160586"/>
+        <p14:creationId xmlns:p14="http://schemas.microsoft.com/office/powerpoint/2010/main" val="2373897994"/>
       </p:ext>
     </p:extLst>
   </p:cSld>
@@ -3422,24 +9115,49 @@
               </a:lnSpc>
             </a:pPr>
             <a:r>
-              <a:rPr lang="da-DK" dirty="0" smtClean="0"/>
-              <a:t>Your name here</a:t>
+              <a:rPr lang="en-US" b="0" dirty="0" smtClean="0"/>
+              <a:t>Arturo</a:t>
+            </a:r>
+            <a:r>
+              <a:rPr lang="da-DK" b="0" dirty="0" smtClean="0"/>
+              <a:t> Núñez</a:t>
             </a:r>
             <a:br>
-              <a:rPr lang="da-DK" dirty="0" smtClean="0"/>
+              <a:rPr lang="da-DK" b="0" dirty="0" smtClean="0"/>
             </a:br>
             <a:r>
-              <a:rPr lang="da-DK" sz="3200" b="0" dirty="0" smtClean="0"/>
-              <a:t>Title, Company</a:t>
-            </a:r>
-            <a:endParaRPr lang="da-DK" sz="3200" b="0" dirty="0"/>
+              <a:rPr lang="da-DK" sz="2800" b="0" dirty="0" smtClean="0">
+                <a:latin typeface="+mj-lt"/>
+              </a:rPr>
+              <a:t>Product Evangelist, Unity Technologies</a:t>
+            </a:r>
+            <a:r>
+              <a:rPr lang="da-DK" sz="3200" b="0" dirty="0" smtClean="0">
+                <a:latin typeface="+mj-lt"/>
+              </a:rPr>
+              <a:t/>
+            </a:r>
+            <a:br>
+              <a:rPr lang="da-DK" sz="3200" b="0" dirty="0" smtClean="0">
+                <a:latin typeface="+mj-lt"/>
+              </a:rPr>
+            </a:br>
+            <a:r>
+              <a:rPr lang="da-DK" sz="2400" b="0" dirty="0" smtClean="0">
+                <a:latin typeface="+mj-lt"/>
+              </a:rPr>
+              <a:t>@ArturoNereu</a:t>
+            </a:r>
+            <a:endParaRPr lang="da-DK" sz="2400" b="0" dirty="0">
+              <a:latin typeface="+mj-lt"/>
+            </a:endParaRPr>
           </a:p>
         </p:txBody>
       </p:sp>
     </p:spTree>
     <p:extLst>
       <p:ext uri="{BB962C8B-B14F-4D97-AF65-F5344CB8AC3E}">
-        <p14:creationId xmlns:p14="http://schemas.microsoft.com/office/powerpoint/2010/main" val="979459905"/>
+        <p14:creationId xmlns:p14="http://schemas.microsoft.com/office/powerpoint/2010/main" val="2009503889"/>
       </p:ext>
     </p:extLst>
   </p:cSld>
@@ -3483,7 +9201,7 @@
       </p:grpSpPr>
       <p:sp>
         <p:nvSpPr>
-          <p:cNvPr id="3" name="Titel 2"/>
+          <p:cNvPr id="5" name="Title 4"/>
           <p:cNvSpPr>
             <a:spLocks noGrp="1"/>
           </p:cNvSpPr>
@@ -3491,51 +9209,94 @@
             <p:ph type="title"/>
           </p:nvPr>
         </p:nvSpPr>
-        <p:spPr/>
+        <p:spPr>
+          <a:xfrm>
+            <a:off x="1060995" y="1330057"/>
+            <a:ext cx="3478152" cy="871073"/>
+          </a:xfrm>
+        </p:spPr>
         <p:txBody>
           <a:bodyPr/>
           <a:lstStyle/>
           <a:p>
-            <a:pPr>
-              <a:lnSpc>
-                <a:spcPts val="4800"/>
-              </a:lnSpc>
-            </a:pPr>
-            <a:r>
-              <a:rPr lang="ja-JP" altLang="en-US" sz="5400" dirty="0" smtClean="0"/>
-              <a:t>講演者名</a:t>
-            </a:r>
-            <a:r>
-              <a:rPr lang="da-DK" altLang="ja-JP" sz="5400" dirty="0"/>
-              <a:t/>
-            </a:r>
-            <a:br>
-              <a:rPr lang="da-DK" altLang="ja-JP" sz="5400" dirty="0"/>
-            </a:br>
-            <a:r>
-              <a:rPr lang="ja-JP" altLang="ja-JP" dirty="0" smtClean="0"/>
-              <a:t>肩書</a:t>
-            </a:r>
-            <a:r>
-              <a:rPr lang="en-US" altLang="ja-JP" dirty="0" smtClean="0"/>
-              <a:t>, </a:t>
-            </a:r>
-            <a:r>
-              <a:rPr lang="ja-JP" altLang="en-US" dirty="0" smtClean="0"/>
-              <a:t>所属団体</a:t>
-            </a:r>
-            <a:r>
-              <a:rPr lang="ja-JP" altLang="ja-JP" dirty="0" smtClean="0"/>
-              <a:t>名</a:t>
-            </a:r>
-            <a:endParaRPr lang="da-DK" sz="3200" b="0" dirty="0"/>
+            <a:r>
+              <a:rPr lang="en-GB" sz="4800" dirty="0" err="1" smtClean="0">
+                <a:latin typeface="+mj-lt"/>
+              </a:rPr>
+              <a:t>Shader</a:t>
+            </a:r>
+            <a:endParaRPr lang="en-GB" sz="4800" dirty="0">
+              <a:latin typeface="+mj-lt"/>
+            </a:endParaRPr>
           </a:p>
         </p:txBody>
       </p:sp>
+      <p:sp>
+        <p:nvSpPr>
+          <p:cNvPr id="6" name="Text Placeholder 5"/>
+          <p:cNvSpPr>
+            <a:spLocks noGrp="1"/>
+          </p:cNvSpPr>
+          <p:nvPr>
+            <p:ph type="body" sz="quarter" idx="10"/>
+          </p:nvPr>
+        </p:nvSpPr>
+        <p:spPr>
+          <a:xfrm>
+            <a:off x="550632" y="1807612"/>
+            <a:ext cx="7740000" cy="1586019"/>
+          </a:xfrm>
+        </p:spPr>
+        <p:txBody>
+          <a:bodyPr anchor="ctr"/>
+          <a:lstStyle/>
+          <a:p>
+            <a:pPr marL="0" indent="0" algn="ctr">
+              <a:buNone/>
+            </a:pPr>
+            <a:r>
+              <a:rPr lang="en-GB" sz="3200" dirty="0" smtClean="0">
+                <a:latin typeface="+mj-lt"/>
+              </a:rPr>
+              <a:t>A set of instructions that runs on the GPU</a:t>
+            </a:r>
+          </a:p>
+        </p:txBody>
+      </p:sp>
+      <p:pic>
+        <p:nvPicPr>
+          <p:cNvPr id="2" name="Picture 1"/>
+          <p:cNvPicPr>
+            <a:picLocks noChangeAspect="1"/>
+          </p:cNvPicPr>
+          <p:nvPr/>
+        </p:nvPicPr>
+        <p:blipFill>
+          <a:blip r:embed="rId3">
+            <a:extLst>
+              <a:ext uri="{28A0092B-C50C-407E-A947-70E740481C1C}">
+                <a14:useLocalDpi xmlns:a14="http://schemas.microsoft.com/office/drawing/2010/main" val="0"/>
+              </a:ext>
+            </a:extLst>
+          </a:blip>
+          <a:stretch>
+            <a:fillRect/>
+          </a:stretch>
+        </p:blipFill>
+        <p:spPr>
+          <a:xfrm>
+            <a:off x="3753844" y="3094075"/>
+            <a:ext cx="1333575" cy="1333575"/>
+          </a:xfrm>
+          <a:prstGeom prst="rect">
+            <a:avLst/>
+          </a:prstGeom>
+        </p:spPr>
+      </p:pic>
     </p:spTree>
     <p:extLst>
       <p:ext uri="{BB962C8B-B14F-4D97-AF65-F5344CB8AC3E}">
-        <p14:creationId xmlns:p14="http://schemas.microsoft.com/office/powerpoint/2010/main" val="2229743437"/>
+        <p14:creationId xmlns:p14="http://schemas.microsoft.com/office/powerpoint/2010/main" val="1902280596"/>
       </p:ext>
     </p:extLst>
   </p:cSld>
@@ -3593,23 +9354,65 @@
           <a:lstStyle/>
           <a:p>
             <a:r>
-              <a:rPr lang="en-GB" dirty="0" smtClean="0"/>
-              <a:t>Key headline text here, and hey, you get to decide the words, but no more than 3 lines, ok?</a:t>
-            </a:r>
-            <a:endParaRPr lang="en-GB" dirty="0"/>
+              <a:rPr lang="en-US" dirty="0" smtClean="0">
+                <a:latin typeface="+mj-lt"/>
+              </a:rPr>
+              <a:t>The Rendering Pipeline</a:t>
+            </a:r>
+            <a:endParaRPr lang="en-US" dirty="0">
+              <a:latin typeface="+mj-lt"/>
+            </a:endParaRPr>
           </a:p>
         </p:txBody>
       </p:sp>
+      <p:pic>
+        <p:nvPicPr>
+          <p:cNvPr id="3" name="Picture 2"/>
+          <p:cNvPicPr>
+            <a:picLocks noChangeAspect="1"/>
+          </p:cNvPicPr>
+          <p:nvPr/>
+        </p:nvPicPr>
+        <p:blipFill>
+          <a:blip r:embed="rId3" cstate="print">
+            <a:extLst>
+              <a:ext uri="{28A0092B-C50C-407E-A947-70E740481C1C}">
+                <a14:useLocalDpi xmlns:a14="http://schemas.microsoft.com/office/drawing/2010/main" val="0"/>
+              </a:ext>
+            </a:extLst>
+          </a:blip>
+          <a:stretch>
+            <a:fillRect/>
+          </a:stretch>
+        </p:blipFill>
+        <p:spPr>
+          <a:xfrm>
+            <a:off x="2206790" y="1023909"/>
+            <a:ext cx="4618115" cy="4031984"/>
+          </a:xfrm>
+          <a:prstGeom prst="rect">
+            <a:avLst/>
+          </a:prstGeom>
+        </p:spPr>
+      </p:pic>
     </p:spTree>
     <p:extLst>
       <p:ext uri="{BB962C8B-B14F-4D97-AF65-F5344CB8AC3E}">
-        <p14:creationId xmlns:p14="http://schemas.microsoft.com/office/powerpoint/2010/main" val="3529912158"/>
+        <p14:creationId xmlns:p14="http://schemas.microsoft.com/office/powerpoint/2010/main" val="627512826"/>
       </p:ext>
     </p:extLst>
   </p:cSld>
   <p:clrMapOvr>
     <a:masterClrMapping/>
   </p:clrMapOvr>
+  <mc:AlternateContent xmlns:mc="http://schemas.openxmlformats.org/markup-compatibility/2006" xmlns:p14="http://schemas.microsoft.com/office/powerpoint/2010/main">
+    <mc:Choice Requires="p14">
+      <p:transition spd="slow" p14:dur="2000"/>
+    </mc:Choice>
+    <mc:Fallback xmlns="">
+      <p:transition spd="slow"/>
+    </mc:Fallback>
+  </mc:AlternateContent>
   <p:timing>
     <p:tnLst>
       <p:par>
@@ -3653,39 +9456,140 @@
           <a:lstStyle/>
           <a:p>
             <a:r>
-              <a:rPr lang="ja-JP" altLang="ja-JP" dirty="0"/>
-              <a:t>講演タイトル</a:t>
-            </a:r>
-            <a:r>
-              <a:rPr lang="en-US" altLang="ja-JP" dirty="0"/>
-              <a:t>(3</a:t>
-            </a:r>
-            <a:r>
-              <a:rPr lang="ja-JP" altLang="ja-JP" dirty="0"/>
-              <a:t>行</a:t>
-            </a:r>
-            <a:r>
-              <a:rPr lang="ja-JP" altLang="en-US" dirty="0"/>
-              <a:t>以内推奨</a:t>
-            </a:r>
-            <a:r>
-              <a:rPr lang="en-US" altLang="ja-JP" dirty="0"/>
-              <a:t>)</a:t>
-            </a:r>
-            <a:endParaRPr lang="en-GB" dirty="0"/>
+              <a:rPr lang="en-US" dirty="0" smtClean="0">
+                <a:latin typeface="+mj-lt"/>
+              </a:rPr>
+              <a:t>Types of </a:t>
+            </a:r>
+            <a:r>
+              <a:rPr lang="en-US" dirty="0" err="1" smtClean="0">
+                <a:latin typeface="+mj-lt"/>
+              </a:rPr>
+              <a:t>Shaders</a:t>
+            </a:r>
+            <a:endParaRPr lang="en-US" dirty="0">
+              <a:latin typeface="+mj-lt"/>
+            </a:endParaRPr>
+          </a:p>
+        </p:txBody>
+      </p:sp>
+      <p:sp>
+        <p:nvSpPr>
+          <p:cNvPr id="4" name="Text Placeholder 3"/>
+          <p:cNvSpPr>
+            <a:spLocks noGrp="1"/>
+          </p:cNvSpPr>
+          <p:nvPr>
+            <p:ph type="body" sz="quarter" idx="10"/>
+          </p:nvPr>
+        </p:nvSpPr>
+        <p:spPr/>
+        <p:txBody>
+          <a:bodyPr/>
+          <a:lstStyle/>
+          <a:p>
+            <a:r>
+              <a:rPr lang="en-US" sz="2400" dirty="0" smtClean="0">
+                <a:latin typeface="+mj-lt"/>
+              </a:rPr>
+              <a:t>Vertex </a:t>
+            </a:r>
+            <a:r>
+              <a:rPr lang="en-US" sz="2400" dirty="0" err="1" smtClean="0">
+                <a:latin typeface="+mj-lt"/>
+              </a:rPr>
+              <a:t>Shaders</a:t>
+            </a:r>
+            <a:endParaRPr lang="en-US" sz="2400" dirty="0" smtClean="0">
+              <a:latin typeface="+mj-lt"/>
+            </a:endParaRPr>
+          </a:p>
+          <a:p>
+            <a:pPr marL="0" indent="0">
+              <a:buNone/>
+            </a:pPr>
+            <a:endParaRPr lang="en-US" sz="2400" dirty="0" smtClean="0">
+              <a:latin typeface="+mj-lt"/>
+            </a:endParaRPr>
+          </a:p>
+          <a:p>
+            <a:r>
+              <a:rPr lang="en-US" sz="2400" dirty="0" smtClean="0">
+                <a:latin typeface="+mj-lt"/>
+              </a:rPr>
+              <a:t>Fragment </a:t>
+            </a:r>
+            <a:r>
+              <a:rPr lang="en-US" sz="2400" dirty="0" err="1" smtClean="0">
+                <a:latin typeface="+mj-lt"/>
+              </a:rPr>
+              <a:t>Shaders</a:t>
+            </a:r>
+            <a:endParaRPr lang="en-US" sz="2400" dirty="0" smtClean="0">
+              <a:latin typeface="+mj-lt"/>
+            </a:endParaRPr>
+          </a:p>
+          <a:p>
+            <a:pPr marL="0" indent="0">
+              <a:buNone/>
+            </a:pPr>
+            <a:endParaRPr lang="en-US" sz="2400" dirty="0" smtClean="0">
+              <a:latin typeface="+mj-lt"/>
+            </a:endParaRPr>
+          </a:p>
+          <a:p>
+            <a:r>
+              <a:rPr lang="es-MX" sz="2400" dirty="0" smtClean="0">
+                <a:latin typeface="+mj-lt"/>
+              </a:rPr>
+              <a:t>Surface </a:t>
+            </a:r>
+            <a:r>
+              <a:rPr lang="es-MX" sz="2400" dirty="0" err="1" smtClean="0">
+                <a:latin typeface="+mj-lt"/>
+              </a:rPr>
+              <a:t>Shaders</a:t>
+            </a:r>
+            <a:endParaRPr lang="es-MX" sz="2400" dirty="0">
+              <a:latin typeface="+mj-lt"/>
+            </a:endParaRPr>
+          </a:p>
+          <a:p>
+            <a:endParaRPr lang="es-MX" sz="2400" dirty="0" smtClean="0">
+              <a:latin typeface="+mj-lt"/>
+            </a:endParaRPr>
+          </a:p>
+          <a:p>
+            <a:r>
+              <a:rPr lang="es-MX" sz="2400" dirty="0" smtClean="0">
+                <a:latin typeface="+mj-lt"/>
+              </a:rPr>
+              <a:t>More…</a:t>
+            </a:r>
+            <a:endParaRPr lang="en-US" sz="2400" dirty="0" smtClean="0">
+              <a:latin typeface="+mj-lt"/>
+            </a:endParaRPr>
           </a:p>
         </p:txBody>
       </p:sp>
     </p:spTree>
     <p:extLst>
       <p:ext uri="{BB962C8B-B14F-4D97-AF65-F5344CB8AC3E}">
-        <p14:creationId xmlns:p14="http://schemas.microsoft.com/office/powerpoint/2010/main" val="3150575750"/>
+        <p14:creationId xmlns:p14="http://schemas.microsoft.com/office/powerpoint/2010/main" val="64335826"/>
       </p:ext>
     </p:extLst>
   </p:cSld>
   <p:clrMapOvr>
     <a:masterClrMapping/>
   </p:clrMapOvr>
+  <mc:AlternateContent xmlns:mc="http://schemas.openxmlformats.org/markup-compatibility/2006" xmlns:p14="http://schemas.microsoft.com/office/powerpoint/2010/main">
+    <mc:Choice Requires="p14">
+      <p:transition spd="slow" p14:dur="2000"/>
+    </mc:Choice>
+    <mc:Fallback xmlns="">
+      <p:transition spd="slow"/>
+    </mc:Fallback>
+  </mc:AlternateContent>
   <p:timing>
     <p:tnLst>
       <p:par>
@@ -3715,7 +9619,7 @@
       </p:grpSpPr>
       <p:sp>
         <p:nvSpPr>
-          <p:cNvPr id="5" name="Title 4"/>
+          <p:cNvPr id="2" name="Title 1"/>
           <p:cNvSpPr>
             <a:spLocks noGrp="1"/>
           </p:cNvSpPr>
@@ -3729,24 +9633,74 @@
           <a:lstStyle/>
           <a:p>
             <a:r>
-              <a:rPr lang="en-GB" dirty="0" smtClean="0"/>
-              <a:t>Headline can go in two lines if necessary and will </a:t>
-            </a:r>
-            <a:r>
-              <a:rPr lang="en-GB" dirty="0" err="1" smtClean="0"/>
-              <a:t>center</a:t>
-            </a:r>
-            <a:r>
-              <a:rPr lang="en-GB" dirty="0" smtClean="0"/>
-              <a:t>-align vertically.</a:t>
-            </a:r>
-            <a:endParaRPr lang="en-GB" dirty="0"/>
+              <a:rPr lang="es-MX" dirty="0" err="1" smtClean="0">
+                <a:latin typeface="+mj-lt"/>
+              </a:rPr>
+              <a:t>We</a:t>
+            </a:r>
+            <a:r>
+              <a:rPr lang="es-MX" dirty="0" smtClean="0">
+                <a:latin typeface="+mj-lt"/>
+              </a:rPr>
+              <a:t> </a:t>
+            </a:r>
+            <a:r>
+              <a:rPr lang="es-MX" dirty="0" err="1" smtClean="0">
+                <a:latin typeface="+mj-lt"/>
+              </a:rPr>
+              <a:t>program</a:t>
+            </a:r>
+            <a:r>
+              <a:rPr lang="es-MX" dirty="0" smtClean="0">
+                <a:latin typeface="+mj-lt"/>
+              </a:rPr>
+              <a:t> </a:t>
+            </a:r>
+            <a:r>
+              <a:rPr lang="es-MX" dirty="0" err="1" smtClean="0">
+                <a:latin typeface="+mj-lt"/>
+              </a:rPr>
+              <a:t>our</a:t>
+            </a:r>
+            <a:r>
+              <a:rPr lang="es-MX" dirty="0" smtClean="0">
+                <a:latin typeface="+mj-lt"/>
+              </a:rPr>
+              <a:t> </a:t>
+            </a:r>
+            <a:r>
+              <a:rPr lang="es-MX" dirty="0" err="1" smtClean="0">
+                <a:latin typeface="+mj-lt"/>
+              </a:rPr>
+              <a:t>shaders</a:t>
+            </a:r>
+            <a:r>
+              <a:rPr lang="es-MX" dirty="0" smtClean="0">
+                <a:latin typeface="+mj-lt"/>
+              </a:rPr>
+              <a:t> </a:t>
+            </a:r>
+            <a:r>
+              <a:rPr lang="es-MX" dirty="0" err="1" smtClean="0">
+                <a:latin typeface="+mj-lt"/>
+              </a:rPr>
+              <a:t>using</a:t>
+            </a:r>
+            <a:r>
+              <a:rPr lang="es-MX" dirty="0" smtClean="0">
+                <a:latin typeface="+mj-lt"/>
+              </a:rPr>
+              <a:t>…</a:t>
+            </a:r>
+            <a:endParaRPr lang="en-US" dirty="0">
+              <a:latin typeface="+mj-lt"/>
+            </a:endParaRPr>
           </a:p>
         </p:txBody>
       </p:sp>
       <p:sp>
         <p:nvSpPr>
-          <p:cNvPr id="6" name="Text Placeholder 5"/>
+          <p:cNvPr id="3" name="Text Placeholder 2"/>
           <p:cNvSpPr>
             <a:spLocks noGrp="1"/>
           </p:cNvSpPr>
@@ -3759,14 +9713,40 @@
           <a:bodyPr/>
           <a:lstStyle/>
           <a:p>
-            <a:endParaRPr lang="en-GB" dirty="0" smtClean="0"/>
+            <a:r>
+              <a:rPr lang="es-MX" dirty="0" smtClean="0"/>
+              <a:t>CG (C </a:t>
+            </a:r>
+            <a:r>
+              <a:rPr lang="es-MX" dirty="0" err="1" smtClean="0"/>
+              <a:t>for</a:t>
+            </a:r>
+            <a:r>
+              <a:rPr lang="es-MX" dirty="0" smtClean="0"/>
+              <a:t> </a:t>
+            </a:r>
+            <a:r>
+              <a:rPr lang="es-MX" dirty="0" err="1" smtClean="0"/>
+              <a:t>Graphics</a:t>
+            </a:r>
+            <a:r>
+              <a:rPr lang="es-MX" dirty="0" smtClean="0"/>
+              <a:t>)</a:t>
+            </a:r>
+          </a:p>
+          <a:p>
+            <a:r>
+              <a:rPr lang="es-MX" dirty="0" err="1" smtClean="0"/>
+              <a:t>ShaderLab</a:t>
+            </a:r>
+            <a:endParaRPr lang="en-US" dirty="0"/>
           </a:p>
         </p:txBody>
       </p:sp>
     </p:spTree>
     <p:extLst>
       <p:ext uri="{BB962C8B-B14F-4D97-AF65-F5344CB8AC3E}">
-        <p14:creationId xmlns:p14="http://schemas.microsoft.com/office/powerpoint/2010/main" val="157880635"/>
+        <p14:creationId xmlns:p14="http://schemas.microsoft.com/office/powerpoint/2010/main" val="3915816340"/>
       </p:ext>
     </p:extLst>
   </p:cSld>
@@ -3781,13 +9761,6 @@
       <p:transition spd="slow"/>
     </mc:Fallback>
   </mc:AlternateContent>
-  <p:timing>
-    <p:tnLst>
-      <p:par>
-        <p:cTn id="1" dur="indefinite" restart="never" nodeType="tmRoot"/>
-      </p:par>
-    </p:tnLst>
-  </p:timing>
 </p:sld>
 </file>
 
@@ -3810,7 +9783,7 @@
       </p:grpSpPr>
       <p:sp>
         <p:nvSpPr>
-          <p:cNvPr id="5" name="Title 4"/>
+          <p:cNvPr id="2" name="Title 1"/>
           <p:cNvSpPr>
             <a:spLocks noGrp="1"/>
           </p:cNvSpPr>
@@ -3824,35 +9797,20 @@
           <a:lstStyle/>
           <a:p>
             <a:r>
-              <a:rPr lang="ja-JP" altLang="ja-JP" dirty="0"/>
-              <a:t>見出しは最大</a:t>
-            </a:r>
-            <a:r>
-              <a:rPr lang="en-US" altLang="ja-JP" dirty="0"/>
-              <a:t>2</a:t>
-            </a:r>
-            <a:r>
-              <a:rPr lang="ja-JP" altLang="ja-JP" dirty="0"/>
-              <a:t>行になり、</a:t>
-            </a:r>
-            <a:r>
-              <a:rPr lang="en-US" altLang="ja-JP" dirty="0"/>
-              <a:t/>
-            </a:r>
-            <a:br>
-              <a:rPr lang="en-US" altLang="ja-JP" dirty="0"/>
-            </a:br>
-            <a:r>
-              <a:rPr lang="ja-JP" altLang="ja-JP" dirty="0"/>
-              <a:t>縦にセンタリングされます。</a:t>
-            </a:r>
-            <a:endParaRPr lang="en-GB" dirty="0"/>
+              <a:rPr lang="es-MX" dirty="0" smtClean="0">
+                <a:latin typeface="+mj-lt"/>
+              </a:rPr>
+              <a:t>CG</a:t>
+            </a:r>
+            <a:endParaRPr lang="en-US" dirty="0">
+              <a:latin typeface="+mj-lt"/>
+            </a:endParaRPr>
           </a:p>
         </p:txBody>
       </p:sp>
       <p:sp>
         <p:nvSpPr>
-          <p:cNvPr id="6" name="Text Placeholder 5"/>
+          <p:cNvPr id="3" name="Text Placeholder 2"/>
           <p:cNvSpPr>
             <a:spLocks noGrp="1"/>
           </p:cNvSpPr>
@@ -3860,19 +9818,243 @@
             <p:ph type="body" sz="quarter" idx="10"/>
           </p:nvPr>
         </p:nvSpPr>
-        <p:spPr/>
+        <p:spPr>
+          <a:xfrm>
+            <a:off x="539999" y="1280311"/>
+            <a:ext cx="7740000" cy="3264311"/>
+          </a:xfrm>
+        </p:spPr>
         <p:txBody>
           <a:bodyPr/>
           <a:lstStyle/>
           <a:p>
-            <a:endParaRPr lang="en-GB" dirty="0" smtClean="0"/>
+            <a:r>
+              <a:rPr lang="es-MX" sz="2000" dirty="0" smtClean="0">
+                <a:latin typeface="+mj-lt"/>
+              </a:rPr>
+              <a:t>Similar to </a:t>
+            </a:r>
+            <a:r>
+              <a:rPr lang="es-MX" sz="2000" dirty="0" err="1" smtClean="0">
+                <a:latin typeface="+mj-lt"/>
+              </a:rPr>
+              <a:t>the</a:t>
+            </a:r>
+            <a:r>
+              <a:rPr lang="es-MX" sz="2000" dirty="0" smtClean="0">
+                <a:latin typeface="+mj-lt"/>
+              </a:rPr>
+              <a:t> “C” </a:t>
+            </a:r>
+            <a:r>
+              <a:rPr lang="es-MX" sz="2000" dirty="0" err="1" smtClean="0">
+                <a:latin typeface="+mj-lt"/>
+              </a:rPr>
+              <a:t>language</a:t>
+            </a:r>
+            <a:r>
+              <a:rPr lang="es-MX" sz="2000" dirty="0" smtClean="0">
+                <a:latin typeface="+mj-lt"/>
+              </a:rPr>
+              <a:t>.</a:t>
+            </a:r>
+          </a:p>
+          <a:p>
+            <a:r>
+              <a:rPr lang="es-MX" sz="2000" dirty="0" smtClean="0">
+                <a:latin typeface="+mj-lt"/>
+              </a:rPr>
+              <a:t>3 </a:t>
+            </a:r>
+            <a:r>
+              <a:rPr lang="es-MX" sz="2000" dirty="0" err="1" smtClean="0">
+                <a:latin typeface="+mj-lt"/>
+              </a:rPr>
+              <a:t>types</a:t>
+            </a:r>
+            <a:r>
+              <a:rPr lang="es-MX" sz="2000" dirty="0" smtClean="0">
+                <a:latin typeface="+mj-lt"/>
+              </a:rPr>
+              <a:t> of </a:t>
+            </a:r>
+            <a:r>
+              <a:rPr lang="es-MX" sz="2000" dirty="0" err="1" smtClean="0">
+                <a:latin typeface="+mj-lt"/>
+              </a:rPr>
+              <a:t>precision</a:t>
+            </a:r>
+            <a:r>
+              <a:rPr lang="es-MX" sz="2000" dirty="0" smtClean="0">
+                <a:latin typeface="+mj-lt"/>
+              </a:rPr>
+              <a:t> </a:t>
+            </a:r>
+            <a:r>
+              <a:rPr lang="es-MX" sz="2000" dirty="0" err="1" smtClean="0">
+                <a:latin typeface="+mj-lt"/>
+              </a:rPr>
+              <a:t>for</a:t>
+            </a:r>
+            <a:r>
+              <a:rPr lang="es-MX" sz="2000" dirty="0" smtClean="0">
+                <a:latin typeface="+mj-lt"/>
+              </a:rPr>
+              <a:t> </a:t>
+            </a:r>
+            <a:r>
+              <a:rPr lang="es-MX" sz="2000" dirty="0" err="1" smtClean="0">
+                <a:latin typeface="+mj-lt"/>
+              </a:rPr>
+              <a:t>numbers</a:t>
+            </a:r>
+            <a:r>
+              <a:rPr lang="es-MX" sz="2000" dirty="0" smtClean="0">
+                <a:latin typeface="+mj-lt"/>
+              </a:rPr>
+              <a:t>:</a:t>
+            </a:r>
+          </a:p>
+          <a:p>
+            <a:pPr lvl="1"/>
+            <a:r>
+              <a:rPr lang="es-MX" sz="2000" dirty="0" err="1" smtClean="0">
+                <a:latin typeface="+mj-lt"/>
+              </a:rPr>
+              <a:t>float</a:t>
+            </a:r>
+            <a:endParaRPr lang="es-MX" sz="2000" dirty="0" smtClean="0">
+              <a:latin typeface="+mj-lt"/>
+            </a:endParaRPr>
+          </a:p>
+          <a:p>
+            <a:pPr lvl="1"/>
+            <a:r>
+              <a:rPr lang="es-MX" sz="2000" dirty="0" err="1" smtClean="0">
+                <a:latin typeface="+mj-lt"/>
+              </a:rPr>
+              <a:t>half</a:t>
+            </a:r>
+            <a:endParaRPr lang="es-MX" sz="2000" dirty="0" smtClean="0">
+              <a:latin typeface="+mj-lt"/>
+            </a:endParaRPr>
+          </a:p>
+          <a:p>
+            <a:pPr lvl="1"/>
+            <a:r>
+              <a:rPr lang="es-MX" sz="2000" dirty="0" err="1" smtClean="0">
+                <a:latin typeface="+mj-lt"/>
+              </a:rPr>
+              <a:t>Fixed</a:t>
+            </a:r>
+            <a:endParaRPr lang="es-MX" sz="2000" dirty="0" smtClean="0">
+              <a:latin typeface="+mj-lt"/>
+            </a:endParaRPr>
+          </a:p>
+          <a:p>
+            <a:r>
+              <a:rPr lang="es-MX" sz="2000" dirty="0" smtClean="0">
+                <a:latin typeface="+mj-lt"/>
+              </a:rPr>
+              <a:t>Variables </a:t>
+            </a:r>
+            <a:r>
+              <a:rPr lang="es-MX" sz="2000" dirty="0" err="1" smtClean="0">
+                <a:latin typeface="+mj-lt"/>
+              </a:rPr>
+              <a:t>with</a:t>
+            </a:r>
+            <a:r>
+              <a:rPr lang="es-MX" sz="2000" dirty="0" smtClean="0">
+                <a:latin typeface="+mj-lt"/>
+              </a:rPr>
+              <a:t> 1, 2, 3 </a:t>
+            </a:r>
+            <a:r>
+              <a:rPr lang="es-MX" sz="2000" dirty="0" err="1" smtClean="0">
+                <a:latin typeface="+mj-lt"/>
+              </a:rPr>
+              <a:t>or</a:t>
+            </a:r>
+            <a:r>
+              <a:rPr lang="es-MX" sz="2000" dirty="0" smtClean="0">
+                <a:latin typeface="+mj-lt"/>
+              </a:rPr>
+              <a:t> 4 </a:t>
+            </a:r>
+            <a:r>
+              <a:rPr lang="es-MX" sz="2000" dirty="0" err="1" smtClean="0">
+                <a:latin typeface="+mj-lt"/>
+              </a:rPr>
+              <a:t>values</a:t>
+            </a:r>
+            <a:endParaRPr lang="es-MX" sz="2000" dirty="0" smtClean="0">
+              <a:latin typeface="+mj-lt"/>
+            </a:endParaRPr>
+          </a:p>
+          <a:p>
+            <a:pPr lvl="1"/>
+            <a:r>
+              <a:rPr lang="es-MX" sz="2000" dirty="0" err="1" smtClean="0">
+                <a:latin typeface="+mj-lt"/>
+              </a:rPr>
+              <a:t>Float</a:t>
+            </a:r>
+            <a:r>
+              <a:rPr lang="es-MX" sz="2000" dirty="0" smtClean="0">
+                <a:latin typeface="+mj-lt"/>
+              </a:rPr>
+              <a:t> a = 10.5;</a:t>
+            </a:r>
+          </a:p>
+          <a:p>
+            <a:pPr lvl="1"/>
+            <a:r>
+              <a:rPr lang="es-MX" sz="2000" dirty="0" smtClean="0">
+                <a:latin typeface="+mj-lt"/>
+              </a:rPr>
+              <a:t>Float2 </a:t>
+            </a:r>
+            <a:r>
+              <a:rPr lang="es-MX" sz="2000" dirty="0" err="1" smtClean="0">
+                <a:latin typeface="+mj-lt"/>
+              </a:rPr>
+              <a:t>uv</a:t>
+            </a:r>
+            <a:r>
+              <a:rPr lang="es-MX" sz="2000" dirty="0" smtClean="0">
+                <a:latin typeface="+mj-lt"/>
+              </a:rPr>
+              <a:t> = float2(0.5, 0.5);</a:t>
+            </a:r>
+          </a:p>
+          <a:p>
+            <a:pPr lvl="1"/>
+            <a:r>
+              <a:rPr lang="es-MX" sz="2000" dirty="0" smtClean="0">
+                <a:latin typeface="+mj-lt"/>
+              </a:rPr>
+              <a:t>Float3 normal = float3(0.2, 0.5, 0.3);</a:t>
+            </a:r>
+          </a:p>
+          <a:p>
+            <a:pPr lvl="1"/>
+            <a:r>
+              <a:rPr lang="es-MX" sz="2000" dirty="0" smtClean="0">
+                <a:latin typeface="+mj-lt"/>
+              </a:rPr>
+              <a:t>Float4 color = float4(1, 1, 0, 1);</a:t>
+            </a:r>
+            <a:endParaRPr lang="es-MX" sz="2000" dirty="0">
+              <a:latin typeface="+mj-lt"/>
+            </a:endParaRPr>
           </a:p>
         </p:txBody>
       </p:sp>
     </p:spTree>
     <p:extLst>
       <p:ext uri="{BB962C8B-B14F-4D97-AF65-F5344CB8AC3E}">
-        <p14:creationId xmlns:p14="http://schemas.microsoft.com/office/powerpoint/2010/main" val="3180370519"/>
+        <p14:creationId xmlns:p14="http://schemas.microsoft.com/office/powerpoint/2010/main" val="335054166"/>
       </p:ext>
     </p:extLst>
   </p:cSld>
@@ -3887,13 +10069,6 @@
       <p:transition spd="slow"/>
     </mc:Fallback>
   </mc:AlternateContent>
-  <p:timing>
-    <p:tnLst>
-      <p:par>
-        <p:cTn id="1" dur="indefinite" restart="never" nodeType="tmRoot"/>
-      </p:par>
-    </p:tnLst>
-  </p:timing>
 </p:sld>
 </file>
 
@@ -3914,10 +10089,278 @@
           <a:chExt cx="0" cy="0"/>
         </a:xfrm>
       </p:grpSpPr>
+      <p:sp>
+        <p:nvSpPr>
+          <p:cNvPr id="2" name="Title 1"/>
+          <p:cNvSpPr>
+            <a:spLocks noGrp="1"/>
+          </p:cNvSpPr>
+          <p:nvPr>
+            <p:ph type="title"/>
+          </p:nvPr>
+        </p:nvSpPr>
+        <p:spPr/>
+        <p:txBody>
+          <a:bodyPr/>
+          <a:lstStyle/>
+          <a:p>
+            <a:r>
+              <a:rPr lang="es-MX" dirty="0" smtClean="0">
+                <a:latin typeface="+mj-lt"/>
+              </a:rPr>
+              <a:t>CG</a:t>
+            </a:r>
+            <a:endParaRPr lang="en-US" dirty="0">
+              <a:latin typeface="+mj-lt"/>
+            </a:endParaRPr>
+          </a:p>
+        </p:txBody>
+      </p:sp>
+      <p:sp>
+        <p:nvSpPr>
+          <p:cNvPr id="3" name="Text Placeholder 2"/>
+          <p:cNvSpPr>
+            <a:spLocks noGrp="1"/>
+          </p:cNvSpPr>
+          <p:nvPr>
+            <p:ph type="body" sz="quarter" idx="10"/>
+          </p:nvPr>
+        </p:nvSpPr>
+        <p:spPr>
+          <a:xfrm>
+            <a:off x="539999" y="1280311"/>
+            <a:ext cx="7740000" cy="3264311"/>
+          </a:xfrm>
+        </p:spPr>
+        <p:txBody>
+          <a:bodyPr/>
+          <a:lstStyle/>
+          <a:p>
+            <a:r>
+              <a:rPr lang="es-MX" sz="2000" dirty="0" err="1" smtClean="0">
+                <a:latin typeface="+mj-lt"/>
+              </a:rPr>
+              <a:t>We</a:t>
+            </a:r>
+            <a:r>
+              <a:rPr lang="es-MX" sz="2000" dirty="0" smtClean="0">
+                <a:latin typeface="+mj-lt"/>
+              </a:rPr>
+              <a:t> can </a:t>
+            </a:r>
+            <a:r>
+              <a:rPr lang="es-MX" sz="2000" dirty="0" err="1" smtClean="0">
+                <a:latin typeface="+mj-lt"/>
+              </a:rPr>
+              <a:t>access</a:t>
+            </a:r>
+            <a:r>
+              <a:rPr lang="es-MX" sz="2000" dirty="0" smtClean="0">
+                <a:latin typeface="+mj-lt"/>
+              </a:rPr>
+              <a:t> </a:t>
+            </a:r>
+            <a:r>
+              <a:rPr lang="es-MX" sz="2000" dirty="0" err="1" smtClean="0">
+                <a:latin typeface="+mj-lt"/>
+              </a:rPr>
+              <a:t>the</a:t>
+            </a:r>
+            <a:r>
+              <a:rPr lang="es-MX" sz="2000" dirty="0" smtClean="0">
+                <a:latin typeface="+mj-lt"/>
+              </a:rPr>
+              <a:t> </a:t>
+            </a:r>
+            <a:r>
+              <a:rPr lang="es-MX" sz="2000" dirty="0" err="1" smtClean="0">
+                <a:latin typeface="+mj-lt"/>
+              </a:rPr>
+              <a:t>values</a:t>
+            </a:r>
+            <a:r>
+              <a:rPr lang="es-MX" sz="2000" dirty="0" smtClean="0">
+                <a:latin typeface="+mj-lt"/>
+              </a:rPr>
+              <a:t> </a:t>
+            </a:r>
+            <a:r>
+              <a:rPr lang="es-MX" sz="2000" dirty="0" err="1" smtClean="0">
+                <a:latin typeface="+mj-lt"/>
+              </a:rPr>
+              <a:t>using</a:t>
+            </a:r>
+            <a:r>
+              <a:rPr lang="es-MX" sz="2000" dirty="0" smtClean="0">
+                <a:latin typeface="+mj-lt"/>
+              </a:rPr>
+              <a:t> “</a:t>
+            </a:r>
+            <a:r>
+              <a:rPr lang="es-MX" sz="2000" dirty="0" err="1" smtClean="0">
+                <a:latin typeface="+mj-lt"/>
+              </a:rPr>
+              <a:t>swizzling</a:t>
+            </a:r>
+            <a:r>
+              <a:rPr lang="es-MX" sz="2000" dirty="0" smtClean="0">
+                <a:latin typeface="+mj-lt"/>
+              </a:rPr>
+              <a:t>”:</a:t>
+            </a:r>
+          </a:p>
+          <a:p>
+            <a:pPr lvl="1"/>
+            <a:r>
+              <a:rPr lang="es-MX" sz="2000" dirty="0" smtClean="0">
+                <a:latin typeface="+mj-lt"/>
+              </a:rPr>
+              <a:t>Float3 c = </a:t>
+            </a:r>
+            <a:r>
+              <a:rPr lang="es-MX" sz="2000" dirty="0" err="1" smtClean="0">
+                <a:latin typeface="+mj-lt"/>
+              </a:rPr>
+              <a:t>color.rgb</a:t>
+            </a:r>
+            <a:r>
+              <a:rPr lang="es-MX" sz="2000" dirty="0" smtClean="0">
+                <a:latin typeface="+mj-lt"/>
+              </a:rPr>
+              <a:t>;</a:t>
+            </a:r>
+          </a:p>
+          <a:p>
+            <a:pPr lvl="1"/>
+            <a:r>
+              <a:rPr lang="es-MX" sz="2000" dirty="0" smtClean="0">
+                <a:latin typeface="+mj-lt"/>
+              </a:rPr>
+              <a:t>Foat3 c = </a:t>
+            </a:r>
+            <a:r>
+              <a:rPr lang="es-MX" sz="2000" dirty="0" err="1" smtClean="0">
+                <a:latin typeface="+mj-lt"/>
+              </a:rPr>
+              <a:t>color.xyz</a:t>
+            </a:r>
+            <a:r>
+              <a:rPr lang="es-MX" sz="2000" dirty="0" smtClean="0">
+                <a:latin typeface="+mj-lt"/>
+              </a:rPr>
+              <a:t>;</a:t>
+            </a:r>
+          </a:p>
+          <a:p>
+            <a:pPr lvl="1"/>
+            <a:r>
+              <a:rPr lang="es-MX" sz="2000" dirty="0" smtClean="0">
+                <a:latin typeface="+mj-lt"/>
+              </a:rPr>
+              <a:t>Float3 c = </a:t>
+            </a:r>
+            <a:r>
+              <a:rPr lang="es-MX" sz="2000" dirty="0" err="1" smtClean="0">
+                <a:latin typeface="+mj-lt"/>
+              </a:rPr>
+              <a:t>color.yx</a:t>
+            </a:r>
+            <a:r>
+              <a:rPr lang="es-MX" sz="2000" dirty="0" smtClean="0">
+                <a:latin typeface="+mj-lt"/>
+              </a:rPr>
+              <a:t>;</a:t>
+            </a:r>
+          </a:p>
+          <a:p>
+            <a:pPr lvl="1"/>
+            <a:endParaRPr lang="es-MX" sz="2000" dirty="0">
+              <a:latin typeface="+mj-lt"/>
+            </a:endParaRPr>
+          </a:p>
+          <a:p>
+            <a:pPr marL="219600" lvl="1" indent="0">
+              <a:buNone/>
+            </a:pPr>
+            <a:r>
+              <a:rPr lang="es-MX" sz="2000" dirty="0" err="1" smtClean="0">
+                <a:latin typeface="+mj-lt"/>
+              </a:rPr>
+              <a:t>We</a:t>
+            </a:r>
+            <a:r>
+              <a:rPr lang="es-MX" sz="2000" dirty="0" smtClean="0">
+                <a:latin typeface="+mj-lt"/>
+              </a:rPr>
+              <a:t> </a:t>
+            </a:r>
+            <a:r>
+              <a:rPr lang="es-MX" sz="2000" dirty="0" err="1" smtClean="0">
+                <a:latin typeface="+mj-lt"/>
+              </a:rPr>
+              <a:t>operate</a:t>
+            </a:r>
+            <a:r>
+              <a:rPr lang="es-MX" sz="2000" dirty="0" smtClean="0">
+                <a:latin typeface="+mj-lt"/>
+              </a:rPr>
+              <a:t> in </a:t>
+            </a:r>
+            <a:r>
+              <a:rPr lang="es-MX" sz="2000" dirty="0" err="1" smtClean="0">
+                <a:latin typeface="+mj-lt"/>
+              </a:rPr>
+              <a:t>Paralel</a:t>
+            </a:r>
+            <a:r>
+              <a:rPr lang="es-MX" sz="2000" dirty="0" smtClean="0">
+                <a:latin typeface="+mj-lt"/>
+              </a:rPr>
+              <a:t>:</a:t>
+            </a:r>
+          </a:p>
+          <a:p>
+            <a:pPr marL="417600" lvl="2" indent="0">
+              <a:buNone/>
+            </a:pPr>
+            <a:r>
+              <a:rPr lang="es-MX" sz="2000" dirty="0" smtClean="0">
+                <a:latin typeface="+mj-lt"/>
+              </a:rPr>
+              <a:t>Float3 a = float3(4.5, 2.2, 3.3);</a:t>
+            </a:r>
+          </a:p>
+          <a:p>
+            <a:pPr marL="417600" lvl="2" indent="0">
+              <a:buNone/>
+            </a:pPr>
+            <a:r>
+              <a:rPr lang="es-MX" sz="2000" dirty="0" smtClean="0">
+                <a:latin typeface="+mj-lt"/>
+              </a:rPr>
+              <a:t>Float3 b = float3(2.5, 3.1, 1.4);</a:t>
+            </a:r>
+          </a:p>
+          <a:p>
+            <a:pPr marL="417600" lvl="2" indent="0">
+              <a:buNone/>
+            </a:pPr>
+            <a:r>
+              <a:rPr lang="es-MX" sz="2000" dirty="0" smtClean="0">
+                <a:latin typeface="+mj-lt"/>
+              </a:rPr>
+              <a:t>Float3 c = a + b;</a:t>
+            </a:r>
+            <a:endParaRPr lang="es-MX" sz="2000" dirty="0">
+              <a:latin typeface="+mj-lt"/>
+            </a:endParaRPr>
+          </a:p>
+        </p:txBody>
+      </p:sp>
     </p:spTree>
     <p:extLst>
       <p:ext uri="{BB962C8B-B14F-4D97-AF65-F5344CB8AC3E}">
-        <p14:creationId xmlns:p14="http://schemas.microsoft.com/office/powerpoint/2010/main" val="254590307"/>
+        <p14:creationId xmlns:p14="http://schemas.microsoft.com/office/powerpoint/2010/main" val="2811717535"/>
       </p:ext>
     </p:extLst>
   </p:cSld>
@@ -3932,13 +10375,6 @@
       <p:transition spd="slow"/>
     </mc:Fallback>
   </mc:AlternateContent>
-  <p:timing>
-    <p:tnLst>
-      <p:par>
-        <p:cTn id="1" dur="indefinite" restart="never" nodeType="tmRoot"/>
-      </p:par>
-    </p:tnLst>
-  </p:timing>
 </p:sld>
 </file>
 
